--- a/TeamDocs/WordDocs/JelBlob_Presentation_Rough_Idea_Layout.pptx
+++ b/TeamDocs/WordDocs/JelBlob_Presentation_Rough_Idea_Layout.pptx
@@ -215,7 +215,7 @@
           <a:p>
             <a:fld id="{9143A75C-4E93-4E57-8FE0-0B5536F2214D}" type="datetimeFigureOut">
               <a:rPr lang="en-US" smtClean="0"/>
-              <a:t>11/3/2017</a:t>
+              <a:t>11/4/2017</a:t>
             </a:fld>
             <a:endParaRPr lang="en-US"/>
           </a:p>
@@ -2120,7 +2120,7 @@
           <a:p>
             <a:fld id="{349AB840-55CF-4B95-A905-70A2B172BCA3}" type="datetimeFigureOut">
               <a:rPr lang="en-GB" smtClean="0"/>
-              <a:t>03/11/2017</a:t>
+              <a:t>04/11/2017</a:t>
             </a:fld>
             <a:endParaRPr lang="en-GB"/>
           </a:p>
@@ -2432,7 +2432,7 @@
           <a:p>
             <a:fld id="{349AB840-55CF-4B95-A905-70A2B172BCA3}" type="datetimeFigureOut">
               <a:rPr lang="en-GB" smtClean="0"/>
-              <a:t>03/11/2017</a:t>
+              <a:t>04/11/2017</a:t>
             </a:fld>
             <a:endParaRPr lang="en-GB"/>
           </a:p>
@@ -2654,7 +2654,7 @@
           <a:p>
             <a:fld id="{349AB840-55CF-4B95-A905-70A2B172BCA3}" type="datetimeFigureOut">
               <a:rPr lang="en-GB" smtClean="0"/>
-              <a:t>03/11/2017</a:t>
+              <a:t>04/11/2017</a:t>
             </a:fld>
             <a:endParaRPr lang="en-GB"/>
           </a:p>
@@ -2945,7 +2945,7 @@
           <a:p>
             <a:fld id="{349AB840-55CF-4B95-A905-70A2B172BCA3}" type="datetimeFigureOut">
               <a:rPr lang="en-GB" smtClean="0"/>
-              <a:t>03/11/2017</a:t>
+              <a:t>04/11/2017</a:t>
             </a:fld>
             <a:endParaRPr lang="en-GB"/>
           </a:p>
@@ -3399,7 +3399,7 @@
           <a:p>
             <a:fld id="{349AB840-55CF-4B95-A905-70A2B172BCA3}" type="datetimeFigureOut">
               <a:rPr lang="en-GB" smtClean="0"/>
-              <a:t>03/11/2017</a:t>
+              <a:t>04/11/2017</a:t>
             </a:fld>
             <a:endParaRPr lang="en-GB"/>
           </a:p>
@@ -3975,7 +3975,7 @@
           <a:p>
             <a:fld id="{349AB840-55CF-4B95-A905-70A2B172BCA3}" type="datetimeFigureOut">
               <a:rPr lang="en-GB" smtClean="0"/>
-              <a:t>03/11/2017</a:t>
+              <a:t>04/11/2017</a:t>
             </a:fld>
             <a:endParaRPr lang="en-GB"/>
           </a:p>
@@ -4827,7 +4827,7 @@
           <a:p>
             <a:fld id="{349AB840-55CF-4B95-A905-70A2B172BCA3}" type="datetimeFigureOut">
               <a:rPr lang="en-GB" smtClean="0"/>
-              <a:t>03/11/2017</a:t>
+              <a:t>04/11/2017</a:t>
             </a:fld>
             <a:endParaRPr lang="en-GB"/>
           </a:p>
@@ -5032,7 +5032,7 @@
           <a:p>
             <a:fld id="{349AB840-55CF-4B95-A905-70A2B172BCA3}" type="datetimeFigureOut">
               <a:rPr lang="en-GB" smtClean="0"/>
-              <a:t>03/11/2017</a:t>
+              <a:t>04/11/2017</a:t>
             </a:fld>
             <a:endParaRPr lang="en-GB"/>
           </a:p>
@@ -5246,7 +5246,7 @@
           <a:p>
             <a:fld id="{349AB840-55CF-4B95-A905-70A2B172BCA3}" type="datetimeFigureOut">
               <a:rPr lang="en-GB" smtClean="0"/>
-              <a:t>03/11/2017</a:t>
+              <a:t>04/11/2017</a:t>
             </a:fld>
             <a:endParaRPr lang="en-GB"/>
           </a:p>
@@ -5451,7 +5451,7 @@
           <a:p>
             <a:fld id="{349AB840-55CF-4B95-A905-70A2B172BCA3}" type="datetimeFigureOut">
               <a:rPr lang="en-GB" smtClean="0"/>
-              <a:t>03/11/2017</a:t>
+              <a:t>04/11/2017</a:t>
             </a:fld>
             <a:endParaRPr lang="en-GB"/>
           </a:p>
@@ -5731,7 +5731,7 @@
           <a:p>
             <a:fld id="{349AB840-55CF-4B95-A905-70A2B172BCA3}" type="datetimeFigureOut">
               <a:rPr lang="en-GB" smtClean="0"/>
-              <a:t>03/11/2017</a:t>
+              <a:t>04/11/2017</a:t>
             </a:fld>
             <a:endParaRPr lang="en-GB"/>
           </a:p>
@@ -5998,7 +5998,7 @@
           <a:p>
             <a:fld id="{349AB840-55CF-4B95-A905-70A2B172BCA3}" type="datetimeFigureOut">
               <a:rPr lang="en-GB" smtClean="0"/>
-              <a:t>03/11/2017</a:t>
+              <a:t>04/11/2017</a:t>
             </a:fld>
             <a:endParaRPr lang="en-GB"/>
           </a:p>
@@ -6413,7 +6413,7 @@
           <a:p>
             <a:fld id="{349AB840-55CF-4B95-A905-70A2B172BCA3}" type="datetimeFigureOut">
               <a:rPr lang="en-GB" smtClean="0"/>
-              <a:t>03/11/2017</a:t>
+              <a:t>04/11/2017</a:t>
             </a:fld>
             <a:endParaRPr lang="en-GB"/>
           </a:p>
@@ -6561,7 +6561,7 @@
           <a:p>
             <a:fld id="{349AB840-55CF-4B95-A905-70A2B172BCA3}" type="datetimeFigureOut">
               <a:rPr lang="en-GB" smtClean="0"/>
-              <a:t>03/11/2017</a:t>
+              <a:t>04/11/2017</a:t>
             </a:fld>
             <a:endParaRPr lang="en-GB"/>
           </a:p>
@@ -6686,7 +6686,7 @@
           <a:p>
             <a:fld id="{349AB840-55CF-4B95-A905-70A2B172BCA3}" type="datetimeFigureOut">
               <a:rPr lang="en-GB" smtClean="0"/>
-              <a:t>03/11/2017</a:t>
+              <a:t>04/11/2017</a:t>
             </a:fld>
             <a:endParaRPr lang="en-GB"/>
           </a:p>
@@ -6965,7 +6965,7 @@
           <a:p>
             <a:fld id="{349AB840-55CF-4B95-A905-70A2B172BCA3}" type="datetimeFigureOut">
               <a:rPr lang="en-GB" smtClean="0"/>
-              <a:t>03/11/2017</a:t>
+              <a:t>04/11/2017</a:t>
             </a:fld>
             <a:endParaRPr lang="en-GB"/>
           </a:p>
@@ -7277,7 +7277,7 @@
           <a:p>
             <a:fld id="{349AB840-55CF-4B95-A905-70A2B172BCA3}" type="datetimeFigureOut">
               <a:rPr lang="en-GB" smtClean="0"/>
-              <a:t>03/11/2017</a:t>
+              <a:t>04/11/2017</a:t>
             </a:fld>
             <a:endParaRPr lang="en-GB"/>
           </a:p>
@@ -7530,7 +7530,7 @@
           <a:p>
             <a:fld id="{349AB840-55CF-4B95-A905-70A2B172BCA3}" type="datetimeFigureOut">
               <a:rPr lang="en-GB" smtClean="0"/>
-              <a:t>03/11/2017</a:t>
+              <a:t>04/11/2017</a:t>
             </a:fld>
             <a:endParaRPr lang="en-GB"/>
           </a:p>
@@ -7965,6 +7965,41 @@
 <file path=ppt/slides/slide1.xml><?xml version="1.0" encoding="utf-8"?>
 <p:sld xmlns:a="http://schemas.openxmlformats.org/drawingml/2006/main" xmlns:r="http://schemas.openxmlformats.org/officeDocument/2006/relationships" xmlns:p="http://schemas.openxmlformats.org/presentationml/2006/main">
   <p:cSld>
+    <p:bg>
+      <p:bgPr>
+        <a:gradFill flip="none" rotWithShape="1">
+          <a:gsLst>
+            <a:gs pos="0">
+              <a:schemeClr val="accent3">
+                <a:lumMod val="5000"/>
+                <a:lumOff val="95000"/>
+              </a:schemeClr>
+            </a:gs>
+            <a:gs pos="74000">
+              <a:schemeClr val="accent3">
+                <a:lumMod val="45000"/>
+                <a:lumOff val="55000"/>
+              </a:schemeClr>
+            </a:gs>
+            <a:gs pos="83000">
+              <a:schemeClr val="accent3">
+                <a:lumMod val="45000"/>
+                <a:lumOff val="55000"/>
+              </a:schemeClr>
+            </a:gs>
+            <a:gs pos="100000">
+              <a:schemeClr val="accent3">
+                <a:lumMod val="30000"/>
+                <a:lumOff val="70000"/>
+              </a:schemeClr>
+            </a:gs>
+          </a:gsLst>
+          <a:lin ang="5400000" scaled="1"/>
+          <a:tileRect/>
+        </a:gradFill>
+        <a:effectLst/>
+      </p:bgPr>
+    </p:bg>
     <p:spTree>
       <p:nvGrpSpPr>
         <p:cNvPr id="1" name=""/>
@@ -8175,6 +8210,41 @@
 <file path=ppt/slides/slide10.xml><?xml version="1.0" encoding="utf-8"?>
 <p:sld xmlns:a="http://schemas.openxmlformats.org/drawingml/2006/main" xmlns:r="http://schemas.openxmlformats.org/officeDocument/2006/relationships" xmlns:p="http://schemas.openxmlformats.org/presentationml/2006/main">
   <p:cSld>
+    <p:bg>
+      <p:bgPr>
+        <a:gradFill flip="none" rotWithShape="1">
+          <a:gsLst>
+            <a:gs pos="0">
+              <a:schemeClr val="accent5">
+                <a:lumMod val="5000"/>
+                <a:lumOff val="95000"/>
+              </a:schemeClr>
+            </a:gs>
+            <a:gs pos="74000">
+              <a:schemeClr val="accent5">
+                <a:lumMod val="45000"/>
+                <a:lumOff val="55000"/>
+              </a:schemeClr>
+            </a:gs>
+            <a:gs pos="83000">
+              <a:schemeClr val="accent5">
+                <a:lumMod val="45000"/>
+                <a:lumOff val="55000"/>
+              </a:schemeClr>
+            </a:gs>
+            <a:gs pos="100000">
+              <a:schemeClr val="accent5">
+                <a:lumMod val="30000"/>
+                <a:lumOff val="70000"/>
+              </a:schemeClr>
+            </a:gs>
+          </a:gsLst>
+          <a:lin ang="5400000" scaled="1"/>
+          <a:tileRect/>
+        </a:gradFill>
+        <a:effectLst/>
+      </p:bgPr>
+    </p:bg>
     <p:spTree>
       <p:nvGrpSpPr>
         <p:cNvPr id="1" name=""/>
@@ -8250,6 +8320,41 @@
 <file path=ppt/slides/slide11.xml><?xml version="1.0" encoding="utf-8"?>
 <p:sld xmlns:a="http://schemas.openxmlformats.org/drawingml/2006/main" xmlns:r="http://schemas.openxmlformats.org/officeDocument/2006/relationships" xmlns:p="http://schemas.openxmlformats.org/presentationml/2006/main">
   <p:cSld>
+    <p:bg>
+      <p:bgPr>
+        <a:gradFill flip="none" rotWithShape="1">
+          <a:gsLst>
+            <a:gs pos="0">
+              <a:schemeClr val="accent5">
+                <a:lumMod val="5000"/>
+                <a:lumOff val="95000"/>
+              </a:schemeClr>
+            </a:gs>
+            <a:gs pos="74000">
+              <a:schemeClr val="accent5">
+                <a:lumMod val="45000"/>
+                <a:lumOff val="55000"/>
+              </a:schemeClr>
+            </a:gs>
+            <a:gs pos="83000">
+              <a:schemeClr val="accent5">
+                <a:lumMod val="45000"/>
+                <a:lumOff val="55000"/>
+              </a:schemeClr>
+            </a:gs>
+            <a:gs pos="100000">
+              <a:schemeClr val="accent5">
+                <a:lumMod val="30000"/>
+                <a:lumOff val="70000"/>
+              </a:schemeClr>
+            </a:gs>
+          </a:gsLst>
+          <a:lin ang="5400000" scaled="1"/>
+          <a:tileRect/>
+        </a:gradFill>
+        <a:effectLst/>
+      </p:bgPr>
+    </p:bg>
     <p:spTree>
       <p:nvGrpSpPr>
         <p:cNvPr id="1" name=""/>
@@ -8325,6 +8430,41 @@
 <file path=ppt/slides/slide12.xml><?xml version="1.0" encoding="utf-8"?>
 <p:sld xmlns:a="http://schemas.openxmlformats.org/drawingml/2006/main" xmlns:r="http://schemas.openxmlformats.org/officeDocument/2006/relationships" xmlns:p="http://schemas.openxmlformats.org/presentationml/2006/main">
   <p:cSld>
+    <p:bg>
+      <p:bgPr>
+        <a:gradFill flip="none" rotWithShape="1">
+          <a:gsLst>
+            <a:gs pos="0">
+              <a:schemeClr val="accent5">
+                <a:lumMod val="5000"/>
+                <a:lumOff val="95000"/>
+              </a:schemeClr>
+            </a:gs>
+            <a:gs pos="74000">
+              <a:schemeClr val="accent5">
+                <a:lumMod val="45000"/>
+                <a:lumOff val="55000"/>
+              </a:schemeClr>
+            </a:gs>
+            <a:gs pos="83000">
+              <a:schemeClr val="accent5">
+                <a:lumMod val="45000"/>
+                <a:lumOff val="55000"/>
+              </a:schemeClr>
+            </a:gs>
+            <a:gs pos="100000">
+              <a:schemeClr val="accent5">
+                <a:lumMod val="30000"/>
+                <a:lumOff val="70000"/>
+              </a:schemeClr>
+            </a:gs>
+          </a:gsLst>
+          <a:lin ang="5400000" scaled="1"/>
+          <a:tileRect/>
+        </a:gradFill>
+        <a:effectLst/>
+      </p:bgPr>
+    </p:bg>
     <p:spTree>
       <p:nvGrpSpPr>
         <p:cNvPr id="1" name=""/>
@@ -8420,6 +8560,41 @@
 <file path=ppt/slides/slide13.xml><?xml version="1.0" encoding="utf-8"?>
 <p:sld xmlns:a="http://schemas.openxmlformats.org/drawingml/2006/main" xmlns:r="http://schemas.openxmlformats.org/officeDocument/2006/relationships" xmlns:p="http://schemas.openxmlformats.org/presentationml/2006/main">
   <p:cSld>
+    <p:bg>
+      <p:bgPr>
+        <a:gradFill flip="none" rotWithShape="1">
+          <a:gsLst>
+            <a:gs pos="0">
+              <a:schemeClr val="accent5">
+                <a:lumMod val="5000"/>
+                <a:lumOff val="95000"/>
+              </a:schemeClr>
+            </a:gs>
+            <a:gs pos="74000">
+              <a:schemeClr val="accent5">
+                <a:lumMod val="45000"/>
+                <a:lumOff val="55000"/>
+              </a:schemeClr>
+            </a:gs>
+            <a:gs pos="83000">
+              <a:schemeClr val="accent5">
+                <a:lumMod val="45000"/>
+                <a:lumOff val="55000"/>
+              </a:schemeClr>
+            </a:gs>
+            <a:gs pos="100000">
+              <a:schemeClr val="accent5">
+                <a:lumMod val="30000"/>
+                <a:lumOff val="70000"/>
+              </a:schemeClr>
+            </a:gs>
+          </a:gsLst>
+          <a:lin ang="5400000" scaled="1"/>
+          <a:tileRect/>
+        </a:gradFill>
+        <a:effectLst/>
+      </p:bgPr>
+    </p:bg>
     <p:spTree>
       <p:nvGrpSpPr>
         <p:cNvPr id="1" name=""/>
@@ -8495,6 +8670,41 @@
 <file path=ppt/slides/slide14.xml><?xml version="1.0" encoding="utf-8"?>
 <p:sld xmlns:a="http://schemas.openxmlformats.org/drawingml/2006/main" xmlns:r="http://schemas.openxmlformats.org/officeDocument/2006/relationships" xmlns:p="http://schemas.openxmlformats.org/presentationml/2006/main">
   <p:cSld>
+    <p:bg>
+      <p:bgPr>
+        <a:gradFill flip="none" rotWithShape="1">
+          <a:gsLst>
+            <a:gs pos="0">
+              <a:schemeClr val="accent5">
+                <a:lumMod val="5000"/>
+                <a:lumOff val="95000"/>
+              </a:schemeClr>
+            </a:gs>
+            <a:gs pos="74000">
+              <a:schemeClr val="accent5">
+                <a:lumMod val="45000"/>
+                <a:lumOff val="55000"/>
+              </a:schemeClr>
+            </a:gs>
+            <a:gs pos="83000">
+              <a:schemeClr val="accent5">
+                <a:lumMod val="45000"/>
+                <a:lumOff val="55000"/>
+              </a:schemeClr>
+            </a:gs>
+            <a:gs pos="100000">
+              <a:schemeClr val="accent5">
+                <a:lumMod val="30000"/>
+                <a:lumOff val="70000"/>
+              </a:schemeClr>
+            </a:gs>
+          </a:gsLst>
+          <a:lin ang="5400000" scaled="1"/>
+          <a:tileRect/>
+        </a:gradFill>
+        <a:effectLst/>
+      </p:bgPr>
+    </p:bg>
     <p:spTree>
       <p:nvGrpSpPr>
         <p:cNvPr id="1" name=""/>
@@ -8570,6 +8780,41 @@
 <file path=ppt/slides/slide15.xml><?xml version="1.0" encoding="utf-8"?>
 <p:sld xmlns:a="http://schemas.openxmlformats.org/drawingml/2006/main" xmlns:r="http://schemas.openxmlformats.org/officeDocument/2006/relationships" xmlns:p="http://schemas.openxmlformats.org/presentationml/2006/main">
   <p:cSld>
+    <p:bg>
+      <p:bgPr>
+        <a:gradFill flip="none" rotWithShape="1">
+          <a:gsLst>
+            <a:gs pos="0">
+              <a:schemeClr val="accent3">
+                <a:lumMod val="5000"/>
+                <a:lumOff val="95000"/>
+              </a:schemeClr>
+            </a:gs>
+            <a:gs pos="74000">
+              <a:schemeClr val="accent3">
+                <a:lumMod val="45000"/>
+                <a:lumOff val="55000"/>
+              </a:schemeClr>
+            </a:gs>
+            <a:gs pos="83000">
+              <a:schemeClr val="accent3">
+                <a:lumMod val="45000"/>
+                <a:lumOff val="55000"/>
+              </a:schemeClr>
+            </a:gs>
+            <a:gs pos="100000">
+              <a:schemeClr val="accent3">
+                <a:lumMod val="30000"/>
+                <a:lumOff val="70000"/>
+              </a:schemeClr>
+            </a:gs>
+          </a:gsLst>
+          <a:lin ang="5400000" scaled="1"/>
+          <a:tileRect/>
+        </a:gradFill>
+        <a:effectLst/>
+      </p:bgPr>
+    </p:bg>
     <p:spTree>
       <p:nvGrpSpPr>
         <p:cNvPr id="1" name=""/>
@@ -8645,6 +8890,41 @@
 <file path=ppt/slides/slide2.xml><?xml version="1.0" encoding="utf-8"?>
 <p:sld xmlns:a="http://schemas.openxmlformats.org/drawingml/2006/main" xmlns:r="http://schemas.openxmlformats.org/officeDocument/2006/relationships" xmlns:p="http://schemas.openxmlformats.org/presentationml/2006/main">
   <p:cSld>
+    <p:bg>
+      <p:bgPr>
+        <a:gradFill flip="none" rotWithShape="1">
+          <a:gsLst>
+            <a:gs pos="0">
+              <a:schemeClr val="accent3">
+                <a:lumMod val="5000"/>
+                <a:lumOff val="95000"/>
+              </a:schemeClr>
+            </a:gs>
+            <a:gs pos="74000">
+              <a:schemeClr val="accent3">
+                <a:lumMod val="45000"/>
+                <a:lumOff val="55000"/>
+              </a:schemeClr>
+            </a:gs>
+            <a:gs pos="83000">
+              <a:schemeClr val="accent3">
+                <a:lumMod val="45000"/>
+                <a:lumOff val="55000"/>
+              </a:schemeClr>
+            </a:gs>
+            <a:gs pos="100000">
+              <a:schemeClr val="accent3">
+                <a:lumMod val="30000"/>
+                <a:lumOff val="70000"/>
+              </a:schemeClr>
+            </a:gs>
+          </a:gsLst>
+          <a:lin ang="5400000" scaled="1"/>
+          <a:tileRect/>
+        </a:gradFill>
+        <a:effectLst/>
+      </p:bgPr>
+    </p:bg>
     <p:spTree>
       <p:nvGrpSpPr>
         <p:cNvPr id="1" name=""/>
@@ -10365,6 +10645,9 @@
   <p:clrMapOvr>
     <a:masterClrMapping/>
   </p:clrMapOvr>
+  <p:transition spd="slow">
+    <p:push dir="u"/>
+  </p:transition>
   <p:timing>
     <p:tnLst>
       <p:par>
@@ -11589,33 +11872,15 @@
                                   </p:childTnLst>
                                 </p:cTn>
                               </p:par>
-                            </p:childTnLst>
-                          </p:cTn>
-                        </p:par>
-                      </p:childTnLst>
-                    </p:cTn>
-                  </p:par>
-                  <p:par>
-                    <p:cTn id="105" fill="hold">
-                      <p:stCondLst>
-                        <p:cond delay="indefinite"/>
-                      </p:stCondLst>
-                      <p:childTnLst>
-                        <p:par>
-                          <p:cTn id="106" fill="hold">
-                            <p:stCondLst>
-                              <p:cond delay="0"/>
-                            </p:stCondLst>
-                            <p:childTnLst>
                               <p:par>
-                                <p:cTn id="107" presetID="2" presetClass="entr" presetSubtype="1" fill="hold" nodeType="clickEffect">
+                                <p:cTn id="105" presetID="2" presetClass="entr" presetSubtype="1" fill="hold" nodeType="withEffect">
                                   <p:stCondLst>
                                     <p:cond delay="0"/>
                                   </p:stCondLst>
                                   <p:childTnLst>
                                     <p:set>
                                       <p:cBhvr>
-                                        <p:cTn id="108" dur="1" fill="hold">
+                                        <p:cTn id="106" dur="1" fill="hold">
                                           <p:stCondLst>
                                             <p:cond delay="0"/>
                                           </p:stCondLst>
@@ -11633,7 +11898,7 @@
                                     </p:set>
                                     <p:anim calcmode="lin" valueType="num">
                                       <p:cBhvr additive="base">
-                                        <p:cTn id="109" dur="500" fill="hold"/>
+                                        <p:cTn id="107" dur="500" fill="hold"/>
                                         <p:tgtEl>
                                           <p:spTgt spid="32"/>
                                         </p:tgtEl>
@@ -11656,7 +11921,7 @@
                                     </p:anim>
                                     <p:anim calcmode="lin" valueType="num">
                                       <p:cBhvr additive="base">
-                                        <p:cTn id="110" dur="500" fill="hold"/>
+                                        <p:cTn id="108" dur="500" fill="hold"/>
                                         <p:tgtEl>
                                           <p:spTgt spid="32"/>
                                         </p:tgtEl>
@@ -11687,26 +11952,26 @@
                     </p:cTn>
                   </p:par>
                   <p:par>
-                    <p:cTn id="111" fill="hold">
+                    <p:cTn id="109" fill="hold">
                       <p:stCondLst>
                         <p:cond delay="indefinite"/>
                       </p:stCondLst>
                       <p:childTnLst>
                         <p:par>
-                          <p:cTn id="112" fill="hold">
+                          <p:cTn id="110" fill="hold">
                             <p:stCondLst>
                               <p:cond delay="0"/>
                             </p:stCondLst>
                             <p:childTnLst>
                               <p:par>
-                                <p:cTn id="113" presetID="2" presetClass="exit" presetSubtype="1" fill="hold" nodeType="clickEffect">
+                                <p:cTn id="111" presetID="2" presetClass="exit" presetSubtype="1" fill="hold" nodeType="clickEffect">
                                   <p:stCondLst>
                                     <p:cond delay="0"/>
                                   </p:stCondLst>
                                   <p:childTnLst>
                                     <p:anim calcmode="lin" valueType="num">
                                       <p:cBhvr additive="base">
-                                        <p:cTn id="114" dur="500"/>
+                                        <p:cTn id="112" dur="500"/>
                                         <p:tgtEl>
                                           <p:spTgt spid="32"/>
                                         </p:tgtEl>
@@ -11729,7 +11994,7 @@
                                     </p:anim>
                                     <p:anim calcmode="lin" valueType="num">
                                       <p:cBhvr additive="base">
-                                        <p:cTn id="115" dur="500"/>
+                                        <p:cTn id="113" dur="500"/>
                                         <p:tgtEl>
                                           <p:spTgt spid="32"/>
                                         </p:tgtEl>
@@ -11752,7 +12017,7 @@
                                     </p:anim>
                                     <p:set>
                                       <p:cBhvr>
-                                        <p:cTn id="116" dur="1" fill="hold">
+                                        <p:cTn id="114" dur="1" fill="hold">
                                           <p:stCondLst>
                                             <p:cond delay="499"/>
                                           </p:stCondLst>
@@ -11823,6 +12088,41 @@
 <file path=ppt/slides/slide3.xml><?xml version="1.0" encoding="utf-8"?>
 <p:sld xmlns:a="http://schemas.openxmlformats.org/drawingml/2006/main" xmlns:r="http://schemas.openxmlformats.org/officeDocument/2006/relationships" xmlns:p="http://schemas.openxmlformats.org/presentationml/2006/main">
   <p:cSld>
+    <p:bg>
+      <p:bgPr>
+        <a:gradFill flip="none" rotWithShape="1">
+          <a:gsLst>
+            <a:gs pos="0">
+              <a:schemeClr val="accent3">
+                <a:lumMod val="5000"/>
+                <a:lumOff val="95000"/>
+              </a:schemeClr>
+            </a:gs>
+            <a:gs pos="74000">
+              <a:schemeClr val="accent3">
+                <a:lumMod val="45000"/>
+                <a:lumOff val="55000"/>
+              </a:schemeClr>
+            </a:gs>
+            <a:gs pos="83000">
+              <a:schemeClr val="accent3">
+                <a:lumMod val="45000"/>
+                <a:lumOff val="55000"/>
+              </a:schemeClr>
+            </a:gs>
+            <a:gs pos="100000">
+              <a:schemeClr val="accent3">
+                <a:lumMod val="30000"/>
+                <a:lumOff val="70000"/>
+              </a:schemeClr>
+            </a:gs>
+          </a:gsLst>
+          <a:lin ang="5400000" scaled="1"/>
+          <a:tileRect/>
+        </a:gradFill>
+        <a:effectLst/>
+      </p:bgPr>
+    </p:bg>
     <p:spTree>
       <p:nvGrpSpPr>
         <p:cNvPr id="1" name=""/>
@@ -11870,42 +12170,999 @@
             <p:ph sz="quarter" idx="13"/>
           </p:nvPr>
         </p:nvSpPr>
-        <p:spPr/>
+        <p:spPr>
+          <a:xfrm>
+            <a:off x="913774" y="2367093"/>
+            <a:ext cx="4917183" cy="502003"/>
+          </a:xfrm>
+        </p:spPr>
         <p:txBody>
           <a:bodyPr/>
           <a:lstStyle/>
           <a:p>
             <a:r>
               <a:rPr lang="en-GB" dirty="0"/>
-              <a:t>[Talk about the genre the game is]</a:t>
-            </a:r>
-          </a:p>
+              <a:t>Genre – 2D Side-scroller platformer</a:t>
+            </a:r>
+          </a:p>
+        </p:txBody>
+      </p:sp>
+      <p:sp>
+        <p:nvSpPr>
+          <p:cNvPr id="4" name="Content Placeholder 2">
+            <a:extLst>
+              <a:ext uri="{FF2B5EF4-FFF2-40B4-BE49-F238E27FC236}">
+                <a16:creationId xmlns:a16="http://schemas.microsoft.com/office/drawing/2014/main" id="{BA4357EC-AA71-4935-9DCB-64D0604E6919}"/>
+              </a:ext>
+            </a:extLst>
+          </p:cNvPr>
+          <p:cNvSpPr txBox="1">
+            <a:spLocks/>
+          </p:cNvSpPr>
+          <p:nvPr/>
+        </p:nvSpPr>
+        <p:spPr>
+          <a:xfrm>
+            <a:off x="913774" y="2869096"/>
+            <a:ext cx="6176140" cy="502003"/>
+          </a:xfrm>
+          <a:prstGeom prst="rect">
+            <a:avLst/>
+          </a:prstGeom>
+        </p:spPr>
+        <p:txBody>
+          <a:bodyPr vert="horz" lIns="91440" tIns="45720" rIns="91440" bIns="45720" rtlCol="0">
+            <a:normAutofit/>
+          </a:bodyPr>
+          <a:lstStyle>
+            <a:lvl1pPr marL="228600" indent="-228600" algn="l" defTabSz="914400" rtl="0" eaLnBrk="1" latinLnBrk="0" hangingPunct="1">
+              <a:lnSpc>
+                <a:spcPct val="120000"/>
+              </a:lnSpc>
+              <a:spcBef>
+                <a:spcPts val="1000"/>
+              </a:spcBef>
+              <a:buClr>
+                <a:schemeClr val="tx1"/>
+              </a:buClr>
+              <a:buFont typeface="Arial" panose="020B0604020202020204" pitchFamily="34" charset="0"/>
+              <a:buChar char="•"/>
+              <a:defRPr sz="2000" kern="1200" cap="all" baseline="0">
+                <a:solidFill>
+                  <a:schemeClr val="tx1"/>
+                </a:solidFill>
+                <a:effectLst/>
+                <a:latin typeface="+mn-lt"/>
+                <a:ea typeface="+mn-ea"/>
+                <a:cs typeface="+mn-cs"/>
+              </a:defRPr>
+            </a:lvl1pPr>
+            <a:lvl2pPr marL="685800" indent="-228600" algn="l" defTabSz="914400" rtl="0" eaLnBrk="1" latinLnBrk="0" hangingPunct="1">
+              <a:lnSpc>
+                <a:spcPct val="120000"/>
+              </a:lnSpc>
+              <a:spcBef>
+                <a:spcPts val="500"/>
+              </a:spcBef>
+              <a:buClr>
+                <a:schemeClr val="tx1"/>
+              </a:buClr>
+              <a:buFont typeface="Arial" panose="020B0604020202020204" pitchFamily="34" charset="0"/>
+              <a:buChar char="•"/>
+              <a:defRPr sz="1800" kern="1200" cap="all" baseline="0">
+                <a:solidFill>
+                  <a:schemeClr val="tx1"/>
+                </a:solidFill>
+                <a:effectLst/>
+                <a:latin typeface="+mn-lt"/>
+                <a:ea typeface="+mn-ea"/>
+                <a:cs typeface="+mn-cs"/>
+              </a:defRPr>
+            </a:lvl2pPr>
+            <a:lvl3pPr marL="1143000" indent="-228600" algn="l" defTabSz="914400" rtl="0" eaLnBrk="1" latinLnBrk="0" hangingPunct="1">
+              <a:lnSpc>
+                <a:spcPct val="120000"/>
+              </a:lnSpc>
+              <a:spcBef>
+                <a:spcPts val="500"/>
+              </a:spcBef>
+              <a:buClr>
+                <a:schemeClr val="tx1"/>
+              </a:buClr>
+              <a:buFont typeface="Arial" panose="020B0604020202020204" pitchFamily="34" charset="0"/>
+              <a:buChar char="•"/>
+              <a:defRPr sz="1600" kern="1200" cap="all" baseline="0">
+                <a:solidFill>
+                  <a:schemeClr val="tx1"/>
+                </a:solidFill>
+                <a:effectLst/>
+                <a:latin typeface="+mn-lt"/>
+                <a:ea typeface="+mn-ea"/>
+                <a:cs typeface="+mn-cs"/>
+              </a:defRPr>
+            </a:lvl3pPr>
+            <a:lvl4pPr marL="1600200" indent="-228600" algn="l" defTabSz="914400" rtl="0" eaLnBrk="1" latinLnBrk="0" hangingPunct="1">
+              <a:lnSpc>
+                <a:spcPct val="120000"/>
+              </a:lnSpc>
+              <a:spcBef>
+                <a:spcPts val="500"/>
+              </a:spcBef>
+              <a:buClr>
+                <a:schemeClr val="tx1"/>
+              </a:buClr>
+              <a:buFont typeface="Arial" panose="020B0604020202020204" pitchFamily="34" charset="0"/>
+              <a:buChar char="•"/>
+              <a:defRPr sz="1400" kern="1200" cap="all" baseline="0">
+                <a:solidFill>
+                  <a:schemeClr val="tx1"/>
+                </a:solidFill>
+                <a:effectLst/>
+                <a:latin typeface="+mn-lt"/>
+                <a:ea typeface="+mn-ea"/>
+                <a:cs typeface="+mn-cs"/>
+              </a:defRPr>
+            </a:lvl4pPr>
+            <a:lvl5pPr marL="2057400" indent="-228600" algn="l" defTabSz="914400" rtl="0" eaLnBrk="1" latinLnBrk="0" hangingPunct="1">
+              <a:lnSpc>
+                <a:spcPct val="120000"/>
+              </a:lnSpc>
+              <a:spcBef>
+                <a:spcPts val="500"/>
+              </a:spcBef>
+              <a:buClr>
+                <a:schemeClr val="tx1"/>
+              </a:buClr>
+              <a:buFont typeface="Arial" panose="020B0604020202020204" pitchFamily="34" charset="0"/>
+              <a:buChar char="•"/>
+              <a:defRPr sz="1400" kern="1200" cap="all" baseline="0">
+                <a:solidFill>
+                  <a:schemeClr val="tx1"/>
+                </a:solidFill>
+                <a:effectLst/>
+                <a:latin typeface="+mn-lt"/>
+                <a:ea typeface="+mn-ea"/>
+                <a:cs typeface="+mn-cs"/>
+              </a:defRPr>
+            </a:lvl5pPr>
+            <a:lvl6pPr marL="2514600" indent="-228600" algn="l" defTabSz="914400" rtl="0" eaLnBrk="1" latinLnBrk="0" hangingPunct="1">
+              <a:lnSpc>
+                <a:spcPct val="120000"/>
+              </a:lnSpc>
+              <a:spcBef>
+                <a:spcPts val="500"/>
+              </a:spcBef>
+              <a:buClr>
+                <a:schemeClr val="tx1"/>
+              </a:buClr>
+              <a:buFont typeface="Arial" panose="020B0604020202020204" pitchFamily="34" charset="0"/>
+              <a:buChar char="•"/>
+              <a:defRPr sz="1400" kern="1200" cap="all" baseline="0">
+                <a:solidFill>
+                  <a:schemeClr val="tx1"/>
+                </a:solidFill>
+                <a:effectLst/>
+                <a:latin typeface="+mn-lt"/>
+                <a:ea typeface="+mn-ea"/>
+                <a:cs typeface="+mn-cs"/>
+              </a:defRPr>
+            </a:lvl6pPr>
+            <a:lvl7pPr marL="2971800" indent="-228600" algn="l" defTabSz="914400" rtl="0" eaLnBrk="1" latinLnBrk="0" hangingPunct="1">
+              <a:lnSpc>
+                <a:spcPct val="120000"/>
+              </a:lnSpc>
+              <a:spcBef>
+                <a:spcPts val="500"/>
+              </a:spcBef>
+              <a:buClr>
+                <a:schemeClr val="tx1"/>
+              </a:buClr>
+              <a:buFont typeface="Arial" panose="020B0604020202020204" pitchFamily="34" charset="0"/>
+              <a:buChar char="•"/>
+              <a:defRPr sz="1400" kern="1200" cap="all" baseline="0">
+                <a:solidFill>
+                  <a:schemeClr val="tx1"/>
+                </a:solidFill>
+                <a:effectLst/>
+                <a:latin typeface="+mn-lt"/>
+                <a:ea typeface="+mn-ea"/>
+                <a:cs typeface="+mn-cs"/>
+              </a:defRPr>
+            </a:lvl7pPr>
+            <a:lvl8pPr marL="3429000" indent="-228600" algn="l" defTabSz="914400" rtl="0" eaLnBrk="1" latinLnBrk="0" hangingPunct="1">
+              <a:lnSpc>
+                <a:spcPct val="120000"/>
+              </a:lnSpc>
+              <a:spcBef>
+                <a:spcPts val="500"/>
+              </a:spcBef>
+              <a:buClr>
+                <a:schemeClr val="tx1"/>
+              </a:buClr>
+              <a:buFont typeface="Arial" panose="020B0604020202020204" pitchFamily="34" charset="0"/>
+              <a:buChar char="•"/>
+              <a:defRPr sz="1400" kern="1200" cap="all" baseline="0">
+                <a:solidFill>
+                  <a:schemeClr val="tx1"/>
+                </a:solidFill>
+                <a:effectLst/>
+                <a:latin typeface="+mn-lt"/>
+                <a:ea typeface="+mn-ea"/>
+                <a:cs typeface="+mn-cs"/>
+              </a:defRPr>
+            </a:lvl8pPr>
+            <a:lvl9pPr marL="3886200" indent="-228600" algn="l" defTabSz="914400" rtl="0" eaLnBrk="1" latinLnBrk="0" hangingPunct="1">
+              <a:lnSpc>
+                <a:spcPct val="120000"/>
+              </a:lnSpc>
+              <a:spcBef>
+                <a:spcPts val="500"/>
+              </a:spcBef>
+              <a:buClr>
+                <a:schemeClr val="tx1"/>
+              </a:buClr>
+              <a:buFont typeface="Arial" panose="020B0604020202020204" pitchFamily="34" charset="0"/>
+              <a:buChar char="•"/>
+              <a:defRPr sz="1400" kern="1200" cap="all" baseline="0">
+                <a:solidFill>
+                  <a:schemeClr val="tx1"/>
+                </a:solidFill>
+                <a:effectLst/>
+                <a:latin typeface="+mn-lt"/>
+                <a:ea typeface="+mn-ea"/>
+                <a:cs typeface="+mn-cs"/>
+              </a:defRPr>
+            </a:lvl9pPr>
+          </a:lstStyle>
           <a:p>
             <a:r>
               <a:rPr lang="en-GB" dirty="0"/>
-              <a:t>[Uniqueness of the game – what sets it apart from other games]</a:t>
-            </a:r>
-          </a:p>
+              <a:t>Player – Player 1 Experience ONLY (Single player)</a:t>
+            </a:r>
+          </a:p>
+        </p:txBody>
+      </p:sp>
+      <p:sp>
+        <p:nvSpPr>
+          <p:cNvPr id="5" name="Content Placeholder 2">
+            <a:extLst>
+              <a:ext uri="{FF2B5EF4-FFF2-40B4-BE49-F238E27FC236}">
+                <a16:creationId xmlns:a16="http://schemas.microsoft.com/office/drawing/2014/main" id="{7D7AA413-89BC-48BA-B754-56ACAF4465C5}"/>
+              </a:ext>
+            </a:extLst>
+          </p:cNvPr>
+          <p:cNvSpPr txBox="1">
+            <a:spLocks/>
+          </p:cNvSpPr>
+          <p:nvPr/>
+        </p:nvSpPr>
+        <p:spPr>
+          <a:xfrm>
+            <a:off x="913774" y="3371099"/>
+            <a:ext cx="9151252" cy="502003"/>
+          </a:xfrm>
+          <a:prstGeom prst="rect">
+            <a:avLst/>
+          </a:prstGeom>
+        </p:spPr>
+        <p:txBody>
+          <a:bodyPr vert="horz" lIns="91440" tIns="45720" rIns="91440" bIns="45720" rtlCol="0">
+            <a:normAutofit/>
+          </a:bodyPr>
+          <a:lstStyle>
+            <a:lvl1pPr marL="228600" indent="-228600" algn="l" defTabSz="914400" rtl="0" eaLnBrk="1" latinLnBrk="0" hangingPunct="1">
+              <a:lnSpc>
+                <a:spcPct val="120000"/>
+              </a:lnSpc>
+              <a:spcBef>
+                <a:spcPts val="1000"/>
+              </a:spcBef>
+              <a:buClr>
+                <a:schemeClr val="tx1"/>
+              </a:buClr>
+              <a:buFont typeface="Arial" panose="020B0604020202020204" pitchFamily="34" charset="0"/>
+              <a:buChar char="•"/>
+              <a:defRPr sz="2000" kern="1200" cap="all" baseline="0">
+                <a:solidFill>
+                  <a:schemeClr val="tx1"/>
+                </a:solidFill>
+                <a:effectLst/>
+                <a:latin typeface="+mn-lt"/>
+                <a:ea typeface="+mn-ea"/>
+                <a:cs typeface="+mn-cs"/>
+              </a:defRPr>
+            </a:lvl1pPr>
+            <a:lvl2pPr marL="685800" indent="-228600" algn="l" defTabSz="914400" rtl="0" eaLnBrk="1" latinLnBrk="0" hangingPunct="1">
+              <a:lnSpc>
+                <a:spcPct val="120000"/>
+              </a:lnSpc>
+              <a:spcBef>
+                <a:spcPts val="500"/>
+              </a:spcBef>
+              <a:buClr>
+                <a:schemeClr val="tx1"/>
+              </a:buClr>
+              <a:buFont typeface="Arial" panose="020B0604020202020204" pitchFamily="34" charset="0"/>
+              <a:buChar char="•"/>
+              <a:defRPr sz="1800" kern="1200" cap="all" baseline="0">
+                <a:solidFill>
+                  <a:schemeClr val="tx1"/>
+                </a:solidFill>
+                <a:effectLst/>
+                <a:latin typeface="+mn-lt"/>
+                <a:ea typeface="+mn-ea"/>
+                <a:cs typeface="+mn-cs"/>
+              </a:defRPr>
+            </a:lvl2pPr>
+            <a:lvl3pPr marL="1143000" indent="-228600" algn="l" defTabSz="914400" rtl="0" eaLnBrk="1" latinLnBrk="0" hangingPunct="1">
+              <a:lnSpc>
+                <a:spcPct val="120000"/>
+              </a:lnSpc>
+              <a:spcBef>
+                <a:spcPts val="500"/>
+              </a:spcBef>
+              <a:buClr>
+                <a:schemeClr val="tx1"/>
+              </a:buClr>
+              <a:buFont typeface="Arial" panose="020B0604020202020204" pitchFamily="34" charset="0"/>
+              <a:buChar char="•"/>
+              <a:defRPr sz="1600" kern="1200" cap="all" baseline="0">
+                <a:solidFill>
+                  <a:schemeClr val="tx1"/>
+                </a:solidFill>
+                <a:effectLst/>
+                <a:latin typeface="+mn-lt"/>
+                <a:ea typeface="+mn-ea"/>
+                <a:cs typeface="+mn-cs"/>
+              </a:defRPr>
+            </a:lvl3pPr>
+            <a:lvl4pPr marL="1600200" indent="-228600" algn="l" defTabSz="914400" rtl="0" eaLnBrk="1" latinLnBrk="0" hangingPunct="1">
+              <a:lnSpc>
+                <a:spcPct val="120000"/>
+              </a:lnSpc>
+              <a:spcBef>
+                <a:spcPts val="500"/>
+              </a:spcBef>
+              <a:buClr>
+                <a:schemeClr val="tx1"/>
+              </a:buClr>
+              <a:buFont typeface="Arial" panose="020B0604020202020204" pitchFamily="34" charset="0"/>
+              <a:buChar char="•"/>
+              <a:defRPr sz="1400" kern="1200" cap="all" baseline="0">
+                <a:solidFill>
+                  <a:schemeClr val="tx1"/>
+                </a:solidFill>
+                <a:effectLst/>
+                <a:latin typeface="+mn-lt"/>
+                <a:ea typeface="+mn-ea"/>
+                <a:cs typeface="+mn-cs"/>
+              </a:defRPr>
+            </a:lvl4pPr>
+            <a:lvl5pPr marL="2057400" indent="-228600" algn="l" defTabSz="914400" rtl="0" eaLnBrk="1" latinLnBrk="0" hangingPunct="1">
+              <a:lnSpc>
+                <a:spcPct val="120000"/>
+              </a:lnSpc>
+              <a:spcBef>
+                <a:spcPts val="500"/>
+              </a:spcBef>
+              <a:buClr>
+                <a:schemeClr val="tx1"/>
+              </a:buClr>
+              <a:buFont typeface="Arial" panose="020B0604020202020204" pitchFamily="34" charset="0"/>
+              <a:buChar char="•"/>
+              <a:defRPr sz="1400" kern="1200" cap="all" baseline="0">
+                <a:solidFill>
+                  <a:schemeClr val="tx1"/>
+                </a:solidFill>
+                <a:effectLst/>
+                <a:latin typeface="+mn-lt"/>
+                <a:ea typeface="+mn-ea"/>
+                <a:cs typeface="+mn-cs"/>
+              </a:defRPr>
+            </a:lvl5pPr>
+            <a:lvl6pPr marL="2514600" indent="-228600" algn="l" defTabSz="914400" rtl="0" eaLnBrk="1" latinLnBrk="0" hangingPunct="1">
+              <a:lnSpc>
+                <a:spcPct val="120000"/>
+              </a:lnSpc>
+              <a:spcBef>
+                <a:spcPts val="500"/>
+              </a:spcBef>
+              <a:buClr>
+                <a:schemeClr val="tx1"/>
+              </a:buClr>
+              <a:buFont typeface="Arial" panose="020B0604020202020204" pitchFamily="34" charset="0"/>
+              <a:buChar char="•"/>
+              <a:defRPr sz="1400" kern="1200" cap="all" baseline="0">
+                <a:solidFill>
+                  <a:schemeClr val="tx1"/>
+                </a:solidFill>
+                <a:effectLst/>
+                <a:latin typeface="+mn-lt"/>
+                <a:ea typeface="+mn-ea"/>
+                <a:cs typeface="+mn-cs"/>
+              </a:defRPr>
+            </a:lvl6pPr>
+            <a:lvl7pPr marL="2971800" indent="-228600" algn="l" defTabSz="914400" rtl="0" eaLnBrk="1" latinLnBrk="0" hangingPunct="1">
+              <a:lnSpc>
+                <a:spcPct val="120000"/>
+              </a:lnSpc>
+              <a:spcBef>
+                <a:spcPts val="500"/>
+              </a:spcBef>
+              <a:buClr>
+                <a:schemeClr val="tx1"/>
+              </a:buClr>
+              <a:buFont typeface="Arial" panose="020B0604020202020204" pitchFamily="34" charset="0"/>
+              <a:buChar char="•"/>
+              <a:defRPr sz="1400" kern="1200" cap="all" baseline="0">
+                <a:solidFill>
+                  <a:schemeClr val="tx1"/>
+                </a:solidFill>
+                <a:effectLst/>
+                <a:latin typeface="+mn-lt"/>
+                <a:ea typeface="+mn-ea"/>
+                <a:cs typeface="+mn-cs"/>
+              </a:defRPr>
+            </a:lvl7pPr>
+            <a:lvl8pPr marL="3429000" indent="-228600" algn="l" defTabSz="914400" rtl="0" eaLnBrk="1" latinLnBrk="0" hangingPunct="1">
+              <a:lnSpc>
+                <a:spcPct val="120000"/>
+              </a:lnSpc>
+              <a:spcBef>
+                <a:spcPts val="500"/>
+              </a:spcBef>
+              <a:buClr>
+                <a:schemeClr val="tx1"/>
+              </a:buClr>
+              <a:buFont typeface="Arial" panose="020B0604020202020204" pitchFamily="34" charset="0"/>
+              <a:buChar char="•"/>
+              <a:defRPr sz="1400" kern="1200" cap="all" baseline="0">
+                <a:solidFill>
+                  <a:schemeClr val="tx1"/>
+                </a:solidFill>
+                <a:effectLst/>
+                <a:latin typeface="+mn-lt"/>
+                <a:ea typeface="+mn-ea"/>
+                <a:cs typeface="+mn-cs"/>
+              </a:defRPr>
+            </a:lvl8pPr>
+            <a:lvl9pPr marL="3886200" indent="-228600" algn="l" defTabSz="914400" rtl="0" eaLnBrk="1" latinLnBrk="0" hangingPunct="1">
+              <a:lnSpc>
+                <a:spcPct val="120000"/>
+              </a:lnSpc>
+              <a:spcBef>
+                <a:spcPts val="500"/>
+              </a:spcBef>
+              <a:buClr>
+                <a:schemeClr val="tx1"/>
+              </a:buClr>
+              <a:buFont typeface="Arial" panose="020B0604020202020204" pitchFamily="34" charset="0"/>
+              <a:buChar char="•"/>
+              <a:defRPr sz="1400" kern="1200" cap="all" baseline="0">
+                <a:solidFill>
+                  <a:schemeClr val="tx1"/>
+                </a:solidFill>
+                <a:effectLst/>
+                <a:latin typeface="+mn-lt"/>
+                <a:ea typeface="+mn-ea"/>
+                <a:cs typeface="+mn-cs"/>
+              </a:defRPr>
+            </a:lvl9pPr>
+          </a:lstStyle>
           <a:p>
             <a:r>
               <a:rPr lang="en-GB" dirty="0"/>
-              <a:t>[Mention it is a Single Player game]</a:t>
-            </a:r>
-          </a:p>
+              <a:t>Target Audience – 2D Platformer fans, Scroller fans, Quick play Gamers</a:t>
+            </a:r>
+          </a:p>
+        </p:txBody>
+      </p:sp>
+      <p:sp>
+        <p:nvSpPr>
+          <p:cNvPr id="6" name="Content Placeholder 2">
+            <a:extLst>
+              <a:ext uri="{FF2B5EF4-FFF2-40B4-BE49-F238E27FC236}">
+                <a16:creationId xmlns:a16="http://schemas.microsoft.com/office/drawing/2014/main" id="{5ED7ABBB-B956-4EFA-AE78-7AA784072EF8}"/>
+              </a:ext>
+            </a:extLst>
+          </p:cNvPr>
+          <p:cNvSpPr txBox="1">
+            <a:spLocks/>
+          </p:cNvSpPr>
+          <p:nvPr/>
+        </p:nvSpPr>
+        <p:spPr>
+          <a:xfrm>
+            <a:off x="913774" y="3873102"/>
+            <a:ext cx="6176140" cy="502003"/>
+          </a:xfrm>
+          <a:prstGeom prst="rect">
+            <a:avLst/>
+          </a:prstGeom>
+        </p:spPr>
+        <p:txBody>
+          <a:bodyPr vert="horz" lIns="91440" tIns="45720" rIns="91440" bIns="45720" rtlCol="0">
+            <a:normAutofit/>
+          </a:bodyPr>
+          <a:lstStyle>
+            <a:lvl1pPr marL="228600" indent="-228600" algn="l" defTabSz="914400" rtl="0" eaLnBrk="1" latinLnBrk="0" hangingPunct="1">
+              <a:lnSpc>
+                <a:spcPct val="120000"/>
+              </a:lnSpc>
+              <a:spcBef>
+                <a:spcPts val="1000"/>
+              </a:spcBef>
+              <a:buClr>
+                <a:schemeClr val="tx1"/>
+              </a:buClr>
+              <a:buFont typeface="Arial" panose="020B0604020202020204" pitchFamily="34" charset="0"/>
+              <a:buChar char="•"/>
+              <a:defRPr sz="2000" kern="1200" cap="all" baseline="0">
+                <a:solidFill>
+                  <a:schemeClr val="tx1"/>
+                </a:solidFill>
+                <a:effectLst/>
+                <a:latin typeface="+mn-lt"/>
+                <a:ea typeface="+mn-ea"/>
+                <a:cs typeface="+mn-cs"/>
+              </a:defRPr>
+            </a:lvl1pPr>
+            <a:lvl2pPr marL="685800" indent="-228600" algn="l" defTabSz="914400" rtl="0" eaLnBrk="1" latinLnBrk="0" hangingPunct="1">
+              <a:lnSpc>
+                <a:spcPct val="120000"/>
+              </a:lnSpc>
+              <a:spcBef>
+                <a:spcPts val="500"/>
+              </a:spcBef>
+              <a:buClr>
+                <a:schemeClr val="tx1"/>
+              </a:buClr>
+              <a:buFont typeface="Arial" panose="020B0604020202020204" pitchFamily="34" charset="0"/>
+              <a:buChar char="•"/>
+              <a:defRPr sz="1800" kern="1200" cap="all" baseline="0">
+                <a:solidFill>
+                  <a:schemeClr val="tx1"/>
+                </a:solidFill>
+                <a:effectLst/>
+                <a:latin typeface="+mn-lt"/>
+                <a:ea typeface="+mn-ea"/>
+                <a:cs typeface="+mn-cs"/>
+              </a:defRPr>
+            </a:lvl2pPr>
+            <a:lvl3pPr marL="1143000" indent="-228600" algn="l" defTabSz="914400" rtl="0" eaLnBrk="1" latinLnBrk="0" hangingPunct="1">
+              <a:lnSpc>
+                <a:spcPct val="120000"/>
+              </a:lnSpc>
+              <a:spcBef>
+                <a:spcPts val="500"/>
+              </a:spcBef>
+              <a:buClr>
+                <a:schemeClr val="tx1"/>
+              </a:buClr>
+              <a:buFont typeface="Arial" panose="020B0604020202020204" pitchFamily="34" charset="0"/>
+              <a:buChar char="•"/>
+              <a:defRPr sz="1600" kern="1200" cap="all" baseline="0">
+                <a:solidFill>
+                  <a:schemeClr val="tx1"/>
+                </a:solidFill>
+                <a:effectLst/>
+                <a:latin typeface="+mn-lt"/>
+                <a:ea typeface="+mn-ea"/>
+                <a:cs typeface="+mn-cs"/>
+              </a:defRPr>
+            </a:lvl3pPr>
+            <a:lvl4pPr marL="1600200" indent="-228600" algn="l" defTabSz="914400" rtl="0" eaLnBrk="1" latinLnBrk="0" hangingPunct="1">
+              <a:lnSpc>
+                <a:spcPct val="120000"/>
+              </a:lnSpc>
+              <a:spcBef>
+                <a:spcPts val="500"/>
+              </a:spcBef>
+              <a:buClr>
+                <a:schemeClr val="tx1"/>
+              </a:buClr>
+              <a:buFont typeface="Arial" panose="020B0604020202020204" pitchFamily="34" charset="0"/>
+              <a:buChar char="•"/>
+              <a:defRPr sz="1400" kern="1200" cap="all" baseline="0">
+                <a:solidFill>
+                  <a:schemeClr val="tx1"/>
+                </a:solidFill>
+                <a:effectLst/>
+                <a:latin typeface="+mn-lt"/>
+                <a:ea typeface="+mn-ea"/>
+                <a:cs typeface="+mn-cs"/>
+              </a:defRPr>
+            </a:lvl4pPr>
+            <a:lvl5pPr marL="2057400" indent="-228600" algn="l" defTabSz="914400" rtl="0" eaLnBrk="1" latinLnBrk="0" hangingPunct="1">
+              <a:lnSpc>
+                <a:spcPct val="120000"/>
+              </a:lnSpc>
+              <a:spcBef>
+                <a:spcPts val="500"/>
+              </a:spcBef>
+              <a:buClr>
+                <a:schemeClr val="tx1"/>
+              </a:buClr>
+              <a:buFont typeface="Arial" panose="020B0604020202020204" pitchFamily="34" charset="0"/>
+              <a:buChar char="•"/>
+              <a:defRPr sz="1400" kern="1200" cap="all" baseline="0">
+                <a:solidFill>
+                  <a:schemeClr val="tx1"/>
+                </a:solidFill>
+                <a:effectLst/>
+                <a:latin typeface="+mn-lt"/>
+                <a:ea typeface="+mn-ea"/>
+                <a:cs typeface="+mn-cs"/>
+              </a:defRPr>
+            </a:lvl5pPr>
+            <a:lvl6pPr marL="2514600" indent="-228600" algn="l" defTabSz="914400" rtl="0" eaLnBrk="1" latinLnBrk="0" hangingPunct="1">
+              <a:lnSpc>
+                <a:spcPct val="120000"/>
+              </a:lnSpc>
+              <a:spcBef>
+                <a:spcPts val="500"/>
+              </a:spcBef>
+              <a:buClr>
+                <a:schemeClr val="tx1"/>
+              </a:buClr>
+              <a:buFont typeface="Arial" panose="020B0604020202020204" pitchFamily="34" charset="0"/>
+              <a:buChar char="•"/>
+              <a:defRPr sz="1400" kern="1200" cap="all" baseline="0">
+                <a:solidFill>
+                  <a:schemeClr val="tx1"/>
+                </a:solidFill>
+                <a:effectLst/>
+                <a:latin typeface="+mn-lt"/>
+                <a:ea typeface="+mn-ea"/>
+                <a:cs typeface="+mn-cs"/>
+              </a:defRPr>
+            </a:lvl6pPr>
+            <a:lvl7pPr marL="2971800" indent="-228600" algn="l" defTabSz="914400" rtl="0" eaLnBrk="1" latinLnBrk="0" hangingPunct="1">
+              <a:lnSpc>
+                <a:spcPct val="120000"/>
+              </a:lnSpc>
+              <a:spcBef>
+                <a:spcPts val="500"/>
+              </a:spcBef>
+              <a:buClr>
+                <a:schemeClr val="tx1"/>
+              </a:buClr>
+              <a:buFont typeface="Arial" panose="020B0604020202020204" pitchFamily="34" charset="0"/>
+              <a:buChar char="•"/>
+              <a:defRPr sz="1400" kern="1200" cap="all" baseline="0">
+                <a:solidFill>
+                  <a:schemeClr val="tx1"/>
+                </a:solidFill>
+                <a:effectLst/>
+                <a:latin typeface="+mn-lt"/>
+                <a:ea typeface="+mn-ea"/>
+                <a:cs typeface="+mn-cs"/>
+              </a:defRPr>
+            </a:lvl7pPr>
+            <a:lvl8pPr marL="3429000" indent="-228600" algn="l" defTabSz="914400" rtl="0" eaLnBrk="1" latinLnBrk="0" hangingPunct="1">
+              <a:lnSpc>
+                <a:spcPct val="120000"/>
+              </a:lnSpc>
+              <a:spcBef>
+                <a:spcPts val="500"/>
+              </a:spcBef>
+              <a:buClr>
+                <a:schemeClr val="tx1"/>
+              </a:buClr>
+              <a:buFont typeface="Arial" panose="020B0604020202020204" pitchFamily="34" charset="0"/>
+              <a:buChar char="•"/>
+              <a:defRPr sz="1400" kern="1200" cap="all" baseline="0">
+                <a:solidFill>
+                  <a:schemeClr val="tx1"/>
+                </a:solidFill>
+                <a:effectLst/>
+                <a:latin typeface="+mn-lt"/>
+                <a:ea typeface="+mn-ea"/>
+                <a:cs typeface="+mn-cs"/>
+              </a:defRPr>
+            </a:lvl8pPr>
+            <a:lvl9pPr marL="3886200" indent="-228600" algn="l" defTabSz="914400" rtl="0" eaLnBrk="1" latinLnBrk="0" hangingPunct="1">
+              <a:lnSpc>
+                <a:spcPct val="120000"/>
+              </a:lnSpc>
+              <a:spcBef>
+                <a:spcPts val="500"/>
+              </a:spcBef>
+              <a:buClr>
+                <a:schemeClr val="tx1"/>
+              </a:buClr>
+              <a:buFont typeface="Arial" panose="020B0604020202020204" pitchFamily="34" charset="0"/>
+              <a:buChar char="•"/>
+              <a:defRPr sz="1400" kern="1200" cap="all" baseline="0">
+                <a:solidFill>
+                  <a:schemeClr val="tx1"/>
+                </a:solidFill>
+                <a:effectLst/>
+                <a:latin typeface="+mn-lt"/>
+                <a:ea typeface="+mn-ea"/>
+                <a:cs typeface="+mn-cs"/>
+              </a:defRPr>
+            </a:lvl9pPr>
+          </a:lstStyle>
           <a:p>
             <a:r>
               <a:rPr lang="en-GB" dirty="0"/>
-              <a:t>[Talk about the Target Audience and where the Influence for the game came from] </a:t>
-            </a:r>
-          </a:p>
+              <a:t>Influences - </a:t>
+            </a:r>
+          </a:p>
+        </p:txBody>
+      </p:sp>
+      <p:sp>
+        <p:nvSpPr>
+          <p:cNvPr id="7" name="Content Placeholder 2">
+            <a:extLst>
+              <a:ext uri="{FF2B5EF4-FFF2-40B4-BE49-F238E27FC236}">
+                <a16:creationId xmlns:a16="http://schemas.microsoft.com/office/drawing/2014/main" id="{596C831F-CB63-42B5-9BCD-1061C715DC58}"/>
+              </a:ext>
+            </a:extLst>
+          </p:cNvPr>
+          <p:cNvSpPr txBox="1">
+            <a:spLocks/>
+          </p:cNvSpPr>
+          <p:nvPr/>
+        </p:nvSpPr>
+        <p:spPr>
+          <a:xfrm>
+            <a:off x="913774" y="4375105"/>
+            <a:ext cx="6176140" cy="502003"/>
+          </a:xfrm>
+          <a:prstGeom prst="rect">
+            <a:avLst/>
+          </a:prstGeom>
+        </p:spPr>
+        <p:txBody>
+          <a:bodyPr vert="horz" lIns="91440" tIns="45720" rIns="91440" bIns="45720" rtlCol="0">
+            <a:normAutofit/>
+          </a:bodyPr>
+          <a:lstStyle>
+            <a:lvl1pPr marL="228600" indent="-228600" algn="l" defTabSz="914400" rtl="0" eaLnBrk="1" latinLnBrk="0" hangingPunct="1">
+              <a:lnSpc>
+                <a:spcPct val="120000"/>
+              </a:lnSpc>
+              <a:spcBef>
+                <a:spcPts val="1000"/>
+              </a:spcBef>
+              <a:buClr>
+                <a:schemeClr val="tx1"/>
+              </a:buClr>
+              <a:buFont typeface="Arial" panose="020B0604020202020204" pitchFamily="34" charset="0"/>
+              <a:buChar char="•"/>
+              <a:defRPr sz="2000" kern="1200" cap="all" baseline="0">
+                <a:solidFill>
+                  <a:schemeClr val="tx1"/>
+                </a:solidFill>
+                <a:effectLst/>
+                <a:latin typeface="+mn-lt"/>
+                <a:ea typeface="+mn-ea"/>
+                <a:cs typeface="+mn-cs"/>
+              </a:defRPr>
+            </a:lvl1pPr>
+            <a:lvl2pPr marL="685800" indent="-228600" algn="l" defTabSz="914400" rtl="0" eaLnBrk="1" latinLnBrk="0" hangingPunct="1">
+              <a:lnSpc>
+                <a:spcPct val="120000"/>
+              </a:lnSpc>
+              <a:spcBef>
+                <a:spcPts val="500"/>
+              </a:spcBef>
+              <a:buClr>
+                <a:schemeClr val="tx1"/>
+              </a:buClr>
+              <a:buFont typeface="Arial" panose="020B0604020202020204" pitchFamily="34" charset="0"/>
+              <a:buChar char="•"/>
+              <a:defRPr sz="1800" kern="1200" cap="all" baseline="0">
+                <a:solidFill>
+                  <a:schemeClr val="tx1"/>
+                </a:solidFill>
+                <a:effectLst/>
+                <a:latin typeface="+mn-lt"/>
+                <a:ea typeface="+mn-ea"/>
+                <a:cs typeface="+mn-cs"/>
+              </a:defRPr>
+            </a:lvl2pPr>
+            <a:lvl3pPr marL="1143000" indent="-228600" algn="l" defTabSz="914400" rtl="0" eaLnBrk="1" latinLnBrk="0" hangingPunct="1">
+              <a:lnSpc>
+                <a:spcPct val="120000"/>
+              </a:lnSpc>
+              <a:spcBef>
+                <a:spcPts val="500"/>
+              </a:spcBef>
+              <a:buClr>
+                <a:schemeClr val="tx1"/>
+              </a:buClr>
+              <a:buFont typeface="Arial" panose="020B0604020202020204" pitchFamily="34" charset="0"/>
+              <a:buChar char="•"/>
+              <a:defRPr sz="1600" kern="1200" cap="all" baseline="0">
+                <a:solidFill>
+                  <a:schemeClr val="tx1"/>
+                </a:solidFill>
+                <a:effectLst/>
+                <a:latin typeface="+mn-lt"/>
+                <a:ea typeface="+mn-ea"/>
+                <a:cs typeface="+mn-cs"/>
+              </a:defRPr>
+            </a:lvl3pPr>
+            <a:lvl4pPr marL="1600200" indent="-228600" algn="l" defTabSz="914400" rtl="0" eaLnBrk="1" latinLnBrk="0" hangingPunct="1">
+              <a:lnSpc>
+                <a:spcPct val="120000"/>
+              </a:lnSpc>
+              <a:spcBef>
+                <a:spcPts val="500"/>
+              </a:spcBef>
+              <a:buClr>
+                <a:schemeClr val="tx1"/>
+              </a:buClr>
+              <a:buFont typeface="Arial" panose="020B0604020202020204" pitchFamily="34" charset="0"/>
+              <a:buChar char="•"/>
+              <a:defRPr sz="1400" kern="1200" cap="all" baseline="0">
+                <a:solidFill>
+                  <a:schemeClr val="tx1"/>
+                </a:solidFill>
+                <a:effectLst/>
+                <a:latin typeface="+mn-lt"/>
+                <a:ea typeface="+mn-ea"/>
+                <a:cs typeface="+mn-cs"/>
+              </a:defRPr>
+            </a:lvl4pPr>
+            <a:lvl5pPr marL="2057400" indent="-228600" algn="l" defTabSz="914400" rtl="0" eaLnBrk="1" latinLnBrk="0" hangingPunct="1">
+              <a:lnSpc>
+                <a:spcPct val="120000"/>
+              </a:lnSpc>
+              <a:spcBef>
+                <a:spcPts val="500"/>
+              </a:spcBef>
+              <a:buClr>
+                <a:schemeClr val="tx1"/>
+              </a:buClr>
+              <a:buFont typeface="Arial" panose="020B0604020202020204" pitchFamily="34" charset="0"/>
+              <a:buChar char="•"/>
+              <a:defRPr sz="1400" kern="1200" cap="all" baseline="0">
+                <a:solidFill>
+                  <a:schemeClr val="tx1"/>
+                </a:solidFill>
+                <a:effectLst/>
+                <a:latin typeface="+mn-lt"/>
+                <a:ea typeface="+mn-ea"/>
+                <a:cs typeface="+mn-cs"/>
+              </a:defRPr>
+            </a:lvl5pPr>
+            <a:lvl6pPr marL="2514600" indent="-228600" algn="l" defTabSz="914400" rtl="0" eaLnBrk="1" latinLnBrk="0" hangingPunct="1">
+              <a:lnSpc>
+                <a:spcPct val="120000"/>
+              </a:lnSpc>
+              <a:spcBef>
+                <a:spcPts val="500"/>
+              </a:spcBef>
+              <a:buClr>
+                <a:schemeClr val="tx1"/>
+              </a:buClr>
+              <a:buFont typeface="Arial" panose="020B0604020202020204" pitchFamily="34" charset="0"/>
+              <a:buChar char="•"/>
+              <a:defRPr sz="1400" kern="1200" cap="all" baseline="0">
+                <a:solidFill>
+                  <a:schemeClr val="tx1"/>
+                </a:solidFill>
+                <a:effectLst/>
+                <a:latin typeface="+mn-lt"/>
+                <a:ea typeface="+mn-ea"/>
+                <a:cs typeface="+mn-cs"/>
+              </a:defRPr>
+            </a:lvl6pPr>
+            <a:lvl7pPr marL="2971800" indent="-228600" algn="l" defTabSz="914400" rtl="0" eaLnBrk="1" latinLnBrk="0" hangingPunct="1">
+              <a:lnSpc>
+                <a:spcPct val="120000"/>
+              </a:lnSpc>
+              <a:spcBef>
+                <a:spcPts val="500"/>
+              </a:spcBef>
+              <a:buClr>
+                <a:schemeClr val="tx1"/>
+              </a:buClr>
+              <a:buFont typeface="Arial" panose="020B0604020202020204" pitchFamily="34" charset="0"/>
+              <a:buChar char="•"/>
+              <a:defRPr sz="1400" kern="1200" cap="all" baseline="0">
+                <a:solidFill>
+                  <a:schemeClr val="tx1"/>
+                </a:solidFill>
+                <a:effectLst/>
+                <a:latin typeface="+mn-lt"/>
+                <a:ea typeface="+mn-ea"/>
+                <a:cs typeface="+mn-cs"/>
+              </a:defRPr>
+            </a:lvl7pPr>
+            <a:lvl8pPr marL="3429000" indent="-228600" algn="l" defTabSz="914400" rtl="0" eaLnBrk="1" latinLnBrk="0" hangingPunct="1">
+              <a:lnSpc>
+                <a:spcPct val="120000"/>
+              </a:lnSpc>
+              <a:spcBef>
+                <a:spcPts val="500"/>
+              </a:spcBef>
+              <a:buClr>
+                <a:schemeClr val="tx1"/>
+              </a:buClr>
+              <a:buFont typeface="Arial" panose="020B0604020202020204" pitchFamily="34" charset="0"/>
+              <a:buChar char="•"/>
+              <a:defRPr sz="1400" kern="1200" cap="all" baseline="0">
+                <a:solidFill>
+                  <a:schemeClr val="tx1"/>
+                </a:solidFill>
+                <a:effectLst/>
+                <a:latin typeface="+mn-lt"/>
+                <a:ea typeface="+mn-ea"/>
+                <a:cs typeface="+mn-cs"/>
+              </a:defRPr>
+            </a:lvl8pPr>
+            <a:lvl9pPr marL="3886200" indent="-228600" algn="l" defTabSz="914400" rtl="0" eaLnBrk="1" latinLnBrk="0" hangingPunct="1">
+              <a:lnSpc>
+                <a:spcPct val="120000"/>
+              </a:lnSpc>
+              <a:spcBef>
+                <a:spcPts val="500"/>
+              </a:spcBef>
+              <a:buClr>
+                <a:schemeClr val="tx1"/>
+              </a:buClr>
+              <a:buFont typeface="Arial" panose="020B0604020202020204" pitchFamily="34" charset="0"/>
+              <a:buChar char="•"/>
+              <a:defRPr sz="1400" kern="1200" cap="all" baseline="0">
+                <a:solidFill>
+                  <a:schemeClr val="tx1"/>
+                </a:solidFill>
+                <a:effectLst/>
+                <a:latin typeface="+mn-lt"/>
+                <a:ea typeface="+mn-ea"/>
+                <a:cs typeface="+mn-cs"/>
+              </a:defRPr>
+            </a:lvl9pPr>
+          </a:lstStyle>
           <a:p>
             <a:r>
               <a:rPr lang="en-GB" dirty="0"/>
-              <a:t>[Influences behind the game]</a:t>
-            </a:r>
-          </a:p>
-        </p:txBody>
-      </p:sp>
+              <a:t>Uniqueness - </a:t>
+            </a:r>
+          </a:p>
+        </p:txBody>
+      </p:sp>
+      <p:pic>
+        <p:nvPicPr>
+          <p:cNvPr id="9" name="Picture 8">
+            <a:extLst>
+              <a:ext uri="{FF2B5EF4-FFF2-40B4-BE49-F238E27FC236}">
+                <a16:creationId xmlns:a16="http://schemas.microsoft.com/office/drawing/2014/main" id="{43DFC185-8E2A-4A30-9FC4-D87D2BA3E6BB}"/>
+              </a:ext>
+            </a:extLst>
+          </p:cNvPr>
+          <p:cNvPicPr>
+            <a:picLocks noChangeAspect="1"/>
+          </p:cNvPicPr>
+          <p:nvPr/>
+        </p:nvPicPr>
+        <p:blipFill>
+          <a:blip r:embed="rId3" cstate="print">
+            <a:extLst>
+              <a:ext uri="{28A0092B-C50C-407E-A947-70E740481C1C}">
+                <a14:useLocalDpi xmlns:a14="http://schemas.microsoft.com/office/drawing/2010/main" val="0"/>
+              </a:ext>
+            </a:extLst>
+          </a:blip>
+          <a:stretch>
+            <a:fillRect/>
+          </a:stretch>
+        </p:blipFill>
+        <p:spPr>
+          <a:xfrm>
+            <a:off x="9534762" y="3896269"/>
+            <a:ext cx="2984898" cy="2984898"/>
+          </a:xfrm>
+          <a:prstGeom prst="rect">
+            <a:avLst/>
+          </a:prstGeom>
+        </p:spPr>
+      </p:pic>
     </p:spTree>
     <p:extLst>
       <p:ext uri="{BB962C8B-B14F-4D97-AF65-F5344CB8AC3E}">
@@ -11916,12 +13173,361 @@
   <p:clrMapOvr>
     <a:masterClrMapping/>
   </p:clrMapOvr>
+  <p:transition spd="slow">
+    <p:push dir="u"/>
+  </p:transition>
+  <p:timing>
+    <p:tnLst>
+      <p:par>
+        <p:cTn id="1" dur="indefinite" restart="never" nodeType="tmRoot">
+          <p:childTnLst>
+            <p:seq concurrent="1" nextAc="seek">
+              <p:cTn id="2" dur="indefinite" nodeType="mainSeq">
+                <p:childTnLst>
+                  <p:par>
+                    <p:cTn id="3" fill="hold">
+                      <p:stCondLst>
+                        <p:cond delay="indefinite"/>
+                      </p:stCondLst>
+                      <p:childTnLst>
+                        <p:par>
+                          <p:cTn id="4" fill="hold">
+                            <p:stCondLst>
+                              <p:cond delay="0"/>
+                            </p:stCondLst>
+                            <p:childTnLst>
+                              <p:par>
+                                <p:cTn id="5" presetID="22" presetClass="entr" presetSubtype="8" fill="hold" grpId="0" nodeType="clickEffect">
+                                  <p:stCondLst>
+                                    <p:cond delay="0"/>
+                                  </p:stCondLst>
+                                  <p:childTnLst>
+                                    <p:set>
+                                      <p:cBhvr>
+                                        <p:cTn id="6" dur="1" fill="hold">
+                                          <p:stCondLst>
+                                            <p:cond delay="0"/>
+                                          </p:stCondLst>
+                                        </p:cTn>
+                                        <p:tgtEl>
+                                          <p:spTgt spid="3">
+                                            <p:txEl>
+                                              <p:pRg st="0" end="0"/>
+                                            </p:txEl>
+                                          </p:spTgt>
+                                        </p:tgtEl>
+                                        <p:attrNameLst>
+                                          <p:attrName>style.visibility</p:attrName>
+                                        </p:attrNameLst>
+                                      </p:cBhvr>
+                                      <p:to>
+                                        <p:strVal val="visible"/>
+                                      </p:to>
+                                    </p:set>
+                                    <p:animEffect transition="in" filter="wipe(left)">
+                                      <p:cBhvr>
+                                        <p:cTn id="7" dur="500"/>
+                                        <p:tgtEl>
+                                          <p:spTgt spid="3">
+                                            <p:txEl>
+                                              <p:pRg st="0" end="0"/>
+                                            </p:txEl>
+                                          </p:spTgt>
+                                        </p:tgtEl>
+                                      </p:cBhvr>
+                                    </p:animEffect>
+                                  </p:childTnLst>
+                                </p:cTn>
+                              </p:par>
+                              <p:par>
+                                <p:cTn id="8" presetID="2" presetClass="entr" presetSubtype="2" fill="hold" nodeType="withEffect">
+                                  <p:stCondLst>
+                                    <p:cond delay="0"/>
+                                  </p:stCondLst>
+                                  <p:childTnLst>
+                                    <p:set>
+                                      <p:cBhvr>
+                                        <p:cTn id="9" dur="1" fill="hold">
+                                          <p:stCondLst>
+                                            <p:cond delay="0"/>
+                                          </p:stCondLst>
+                                        </p:cTn>
+                                        <p:tgtEl>
+                                          <p:spTgt spid="9"/>
+                                        </p:tgtEl>
+                                        <p:attrNameLst>
+                                          <p:attrName>style.visibility</p:attrName>
+                                        </p:attrNameLst>
+                                      </p:cBhvr>
+                                      <p:to>
+                                        <p:strVal val="visible"/>
+                                      </p:to>
+                                    </p:set>
+                                    <p:anim calcmode="lin" valueType="num">
+                                      <p:cBhvr additive="base">
+                                        <p:cTn id="10" dur="500" fill="hold"/>
+                                        <p:tgtEl>
+                                          <p:spTgt spid="9"/>
+                                        </p:tgtEl>
+                                        <p:attrNameLst>
+                                          <p:attrName>ppt_x</p:attrName>
+                                        </p:attrNameLst>
+                                      </p:cBhvr>
+                                      <p:tavLst>
+                                        <p:tav tm="0">
+                                          <p:val>
+                                            <p:strVal val="1+#ppt_w/2"/>
+                                          </p:val>
+                                        </p:tav>
+                                        <p:tav tm="100000">
+                                          <p:val>
+                                            <p:strVal val="#ppt_x"/>
+                                          </p:val>
+                                        </p:tav>
+                                      </p:tavLst>
+                                    </p:anim>
+                                    <p:anim calcmode="lin" valueType="num">
+                                      <p:cBhvr additive="base">
+                                        <p:cTn id="11" dur="500" fill="hold"/>
+                                        <p:tgtEl>
+                                          <p:spTgt spid="9"/>
+                                        </p:tgtEl>
+                                        <p:attrNameLst>
+                                          <p:attrName>ppt_y</p:attrName>
+                                        </p:attrNameLst>
+                                      </p:cBhvr>
+                                      <p:tavLst>
+                                        <p:tav tm="0">
+                                          <p:val>
+                                            <p:strVal val="#ppt_y"/>
+                                          </p:val>
+                                        </p:tav>
+                                        <p:tav tm="100000">
+                                          <p:val>
+                                            <p:strVal val="#ppt_y"/>
+                                          </p:val>
+                                        </p:tav>
+                                      </p:tavLst>
+                                    </p:anim>
+                                  </p:childTnLst>
+                                </p:cTn>
+                              </p:par>
+                              <p:par>
+                                <p:cTn id="12" presetID="22" presetClass="entr" presetSubtype="8" fill="hold" grpId="0" nodeType="withEffect">
+                                  <p:stCondLst>
+                                    <p:cond delay="2000"/>
+                                  </p:stCondLst>
+                                  <p:childTnLst>
+                                    <p:set>
+                                      <p:cBhvr>
+                                        <p:cTn id="13" dur="1" fill="hold">
+                                          <p:stCondLst>
+                                            <p:cond delay="0"/>
+                                          </p:stCondLst>
+                                        </p:cTn>
+                                        <p:tgtEl>
+                                          <p:spTgt spid="4"/>
+                                        </p:tgtEl>
+                                        <p:attrNameLst>
+                                          <p:attrName>style.visibility</p:attrName>
+                                        </p:attrNameLst>
+                                      </p:cBhvr>
+                                      <p:to>
+                                        <p:strVal val="visible"/>
+                                      </p:to>
+                                    </p:set>
+                                    <p:animEffect transition="in" filter="wipe(left)">
+                                      <p:cBhvr>
+                                        <p:cTn id="14" dur="500"/>
+                                        <p:tgtEl>
+                                          <p:spTgt spid="4"/>
+                                        </p:tgtEl>
+                                      </p:cBhvr>
+                                    </p:animEffect>
+                                  </p:childTnLst>
+                                </p:cTn>
+                              </p:par>
+                              <p:par>
+                                <p:cTn id="15" presetID="22" presetClass="entr" presetSubtype="8" fill="hold" grpId="0" nodeType="withEffect">
+                                  <p:stCondLst>
+                                    <p:cond delay="4000"/>
+                                  </p:stCondLst>
+                                  <p:childTnLst>
+                                    <p:set>
+                                      <p:cBhvr>
+                                        <p:cTn id="16" dur="1" fill="hold">
+                                          <p:stCondLst>
+                                            <p:cond delay="0"/>
+                                          </p:stCondLst>
+                                        </p:cTn>
+                                        <p:tgtEl>
+                                          <p:spTgt spid="5"/>
+                                        </p:tgtEl>
+                                        <p:attrNameLst>
+                                          <p:attrName>style.visibility</p:attrName>
+                                        </p:attrNameLst>
+                                      </p:cBhvr>
+                                      <p:to>
+                                        <p:strVal val="visible"/>
+                                      </p:to>
+                                    </p:set>
+                                    <p:animEffect transition="in" filter="wipe(left)">
+                                      <p:cBhvr>
+                                        <p:cTn id="17" dur="500"/>
+                                        <p:tgtEl>
+                                          <p:spTgt spid="5"/>
+                                        </p:tgtEl>
+                                      </p:cBhvr>
+                                    </p:animEffect>
+                                  </p:childTnLst>
+                                </p:cTn>
+                              </p:par>
+                              <p:par>
+                                <p:cTn id="18" presetID="22" presetClass="entr" presetSubtype="8" fill="hold" grpId="0" nodeType="withEffect">
+                                  <p:stCondLst>
+                                    <p:cond delay="7000"/>
+                                  </p:stCondLst>
+                                  <p:childTnLst>
+                                    <p:set>
+                                      <p:cBhvr>
+                                        <p:cTn id="19" dur="1" fill="hold">
+                                          <p:stCondLst>
+                                            <p:cond delay="0"/>
+                                          </p:stCondLst>
+                                        </p:cTn>
+                                        <p:tgtEl>
+                                          <p:spTgt spid="6"/>
+                                        </p:tgtEl>
+                                        <p:attrNameLst>
+                                          <p:attrName>style.visibility</p:attrName>
+                                        </p:attrNameLst>
+                                      </p:cBhvr>
+                                      <p:to>
+                                        <p:strVal val="visible"/>
+                                      </p:to>
+                                    </p:set>
+                                    <p:animEffect transition="in" filter="wipe(left)">
+                                      <p:cBhvr>
+                                        <p:cTn id="20" dur="500"/>
+                                        <p:tgtEl>
+                                          <p:spTgt spid="6"/>
+                                        </p:tgtEl>
+                                      </p:cBhvr>
+                                    </p:animEffect>
+                                  </p:childTnLst>
+                                </p:cTn>
+                              </p:par>
+                              <p:par>
+                                <p:cTn id="21" presetID="22" presetClass="entr" presetSubtype="8" fill="hold" grpId="0" nodeType="withEffect">
+                                  <p:stCondLst>
+                                    <p:cond delay="8500"/>
+                                  </p:stCondLst>
+                                  <p:childTnLst>
+                                    <p:set>
+                                      <p:cBhvr>
+                                        <p:cTn id="22" dur="1" fill="hold">
+                                          <p:stCondLst>
+                                            <p:cond delay="0"/>
+                                          </p:stCondLst>
+                                        </p:cTn>
+                                        <p:tgtEl>
+                                          <p:spTgt spid="7"/>
+                                        </p:tgtEl>
+                                        <p:attrNameLst>
+                                          <p:attrName>style.visibility</p:attrName>
+                                        </p:attrNameLst>
+                                      </p:cBhvr>
+                                      <p:to>
+                                        <p:strVal val="visible"/>
+                                      </p:to>
+                                    </p:set>
+                                    <p:animEffect transition="in" filter="wipe(left)">
+                                      <p:cBhvr>
+                                        <p:cTn id="23" dur="500"/>
+                                        <p:tgtEl>
+                                          <p:spTgt spid="7"/>
+                                        </p:tgtEl>
+                                      </p:cBhvr>
+                                    </p:animEffect>
+                                  </p:childTnLst>
+                                </p:cTn>
+                              </p:par>
+                            </p:childTnLst>
+                          </p:cTn>
+                        </p:par>
+                      </p:childTnLst>
+                    </p:cTn>
+                  </p:par>
+                </p:childTnLst>
+              </p:cTn>
+              <p:prevCondLst>
+                <p:cond evt="onPrev" delay="0">
+                  <p:tgtEl>
+                    <p:sldTgt/>
+                  </p:tgtEl>
+                </p:cond>
+              </p:prevCondLst>
+              <p:nextCondLst>
+                <p:cond evt="onNext" delay="0">
+                  <p:tgtEl>
+                    <p:sldTgt/>
+                  </p:tgtEl>
+                </p:cond>
+              </p:nextCondLst>
+            </p:seq>
+          </p:childTnLst>
+        </p:cTn>
+      </p:par>
+    </p:tnLst>
+    <p:bldLst>
+      <p:bldP spid="3" grpId="0" build="p"/>
+      <p:bldP spid="4" grpId="0"/>
+      <p:bldP spid="5" grpId="0"/>
+      <p:bldP spid="6" grpId="0"/>
+      <p:bldP spid="7" grpId="0"/>
+    </p:bldLst>
+  </p:timing>
 </p:sld>
 </file>
 
 <file path=ppt/slides/slide4.xml><?xml version="1.0" encoding="utf-8"?>
 <p:sld xmlns:a="http://schemas.openxmlformats.org/drawingml/2006/main" xmlns:r="http://schemas.openxmlformats.org/officeDocument/2006/relationships" xmlns:p="http://schemas.openxmlformats.org/presentationml/2006/main">
   <p:cSld>
+    <p:bg>
+      <p:bgPr>
+        <a:gradFill flip="none" rotWithShape="1">
+          <a:gsLst>
+            <a:gs pos="0">
+              <a:schemeClr val="accent3">
+                <a:lumMod val="5000"/>
+                <a:lumOff val="95000"/>
+              </a:schemeClr>
+            </a:gs>
+            <a:gs pos="74000">
+              <a:schemeClr val="accent3">
+                <a:lumMod val="45000"/>
+                <a:lumOff val="55000"/>
+              </a:schemeClr>
+            </a:gs>
+            <a:gs pos="83000">
+              <a:schemeClr val="accent3">
+                <a:lumMod val="45000"/>
+                <a:lumOff val="55000"/>
+              </a:schemeClr>
+            </a:gs>
+            <a:gs pos="100000">
+              <a:schemeClr val="accent3">
+                <a:lumMod val="30000"/>
+                <a:lumOff val="70000"/>
+              </a:schemeClr>
+            </a:gs>
+          </a:gsLst>
+          <a:lin ang="5400000" scaled="1"/>
+          <a:tileRect/>
+        </a:gradFill>
+        <a:effectLst/>
+      </p:bgPr>
+    </p:bg>
     <p:spTree>
       <p:nvGrpSpPr>
         <p:cNvPr id="1" name=""/>
@@ -11936,6 +13542,51 @@
           <a:chExt cx="0" cy="0"/>
         </a:xfrm>
       </p:grpSpPr>
+      <p:pic>
+        <p:nvPicPr>
+          <p:cNvPr id="30" name="Picture 29">
+            <a:extLst>
+              <a:ext uri="{FF2B5EF4-FFF2-40B4-BE49-F238E27FC236}">
+                <a16:creationId xmlns:a16="http://schemas.microsoft.com/office/drawing/2014/main" id="{0A13C6FC-11A4-4890-ADEC-20422CD76AD5}"/>
+              </a:ext>
+            </a:extLst>
+          </p:cNvPr>
+          <p:cNvPicPr>
+            <a:picLocks noChangeAspect="1"/>
+          </p:cNvPicPr>
+          <p:nvPr/>
+        </p:nvPicPr>
+        <p:blipFill>
+          <a:blip r:embed="rId3">
+            <a:extLst>
+              <a:ext uri="{BEBA8EAE-BF5A-486C-A8C5-ECC9F3942E4B}">
+                <a14:imgProps xmlns:a14="http://schemas.microsoft.com/office/drawing/2010/main">
+                  <a14:imgLayer r:embed="rId4">
+                    <a14:imgEffect>
+                      <a14:brightnessContrast contrast="40000"/>
+                    </a14:imgEffect>
+                  </a14:imgLayer>
+                </a14:imgProps>
+              </a:ext>
+              <a:ext uri="{28A0092B-C50C-407E-A947-70E740481C1C}">
+                <a14:useLocalDpi xmlns:a14="http://schemas.microsoft.com/office/drawing/2010/main" val="0"/>
+              </a:ext>
+            </a:extLst>
+          </a:blip>
+          <a:stretch>
+            <a:fillRect/>
+          </a:stretch>
+        </p:blipFill>
+        <p:spPr>
+          <a:xfrm>
+            <a:off x="2802192" y="2433965"/>
+            <a:ext cx="6720520" cy="3427934"/>
+          </a:xfrm>
+          <a:prstGeom prst="rect">
+            <a:avLst/>
+          </a:prstGeom>
+        </p:spPr>
+      </p:pic>
       <p:sp>
         <p:nvSpPr>
           <p:cNvPr id="2" name="Title 1"/>
@@ -11959,36 +13610,931 @@
           </a:p>
         </p:txBody>
       </p:sp>
-      <p:sp>
-        <p:nvSpPr>
-          <p:cNvPr id="3" name="Content Placeholder 2"/>
-          <p:cNvSpPr>
-            <a:spLocks noGrp="1"/>
-          </p:cNvSpPr>
+      <p:graphicFrame>
+        <p:nvGraphicFramePr>
+          <p:cNvPr id="4" name="Content Placeholder 3">
+            <a:extLst>
+              <a:ext uri="{FF2B5EF4-FFF2-40B4-BE49-F238E27FC236}">
+                <a16:creationId xmlns:a16="http://schemas.microsoft.com/office/drawing/2014/main" id="{717019CE-BB22-4FA8-9C8F-52AD7A095DA6}"/>
+              </a:ext>
+            </a:extLst>
+          </p:cNvPr>
+          <p:cNvGraphicFramePr>
+            <a:graphicFrameLocks noGrp="1"/>
+          </p:cNvGraphicFramePr>
           <p:nvPr>
             <p:ph sz="quarter" idx="13"/>
-          </p:nvPr>
-        </p:nvSpPr>
-        <p:spPr/>
-        <p:txBody>
-          <a:bodyPr/>
+            <p:extLst>
+              <p:ext uri="{D42A27DB-BD31-4B8C-83A1-F6EECF244321}">
+                <p14:modId xmlns:p14="http://schemas.microsoft.com/office/powerpoint/2010/main" val="2149257449"/>
+              </p:ext>
+            </p:extLst>
+          </p:nvPr>
+        </p:nvGraphicFramePr>
+        <p:xfrm>
+          <a:off x="915026" y="1909763"/>
+          <a:ext cx="10363200" cy="1780968"/>
+        </p:xfrm>
+        <a:graphic>
+          <a:graphicData uri="http://schemas.openxmlformats.org/drawingml/2006/table">
+            <a:tbl>
+              <a:tblPr firstRow="1" bandRow="1">
+                <a:tableStyleId>{5940675A-B579-460E-94D1-54222C63F5DA}</a:tableStyleId>
+              </a:tblPr>
+              <a:tblGrid>
+                <a:gridCol w="10363200">
+                  <a:extLst>
+                    <a:ext uri="{9D8B030D-6E8A-4147-A177-3AD203B41FA5}">
+                      <a16:colId xmlns:a16="http://schemas.microsoft.com/office/drawing/2014/main" val="727806119"/>
+                    </a:ext>
+                  </a:extLst>
+                </a:gridCol>
+              </a:tblGrid>
+              <a:tr h="1780968">
+                <a:tc>
+                  <a:txBody>
+                    <a:bodyPr/>
+                    <a:lstStyle/>
+                    <a:p>
+                      <a:r>
+                        <a:rPr lang="en-GB" i="1" dirty="0"/>
+                        <a:t>“</a:t>
+                      </a:r>
+                      <a:r>
+                        <a:rPr lang="en-US" sz="1800" i="1" dirty="0">
+                          <a:effectLst/>
+                          <a:latin typeface="Calibri" panose="020F0502020204030204" pitchFamily="34" charset="0"/>
+                          <a:ea typeface="Calibri" panose="020F0502020204030204" pitchFamily="34" charset="0"/>
+                          <a:cs typeface="Times New Roman" panose="02020603050405020304" pitchFamily="18" charset="0"/>
+                        </a:rPr>
+                        <a:t>The Horrific Adventure tells the story of the time </a:t>
+                      </a:r>
+                      <a:r>
+                        <a:rPr lang="en-US" sz="1800" i="1" dirty="0" err="1">
+                          <a:effectLst/>
+                          <a:latin typeface="Calibri" panose="020F0502020204030204" pitchFamily="34" charset="0"/>
+                          <a:ea typeface="Calibri" panose="020F0502020204030204" pitchFamily="34" charset="0"/>
+                          <a:cs typeface="Times New Roman" panose="02020603050405020304" pitchFamily="18" charset="0"/>
+                        </a:rPr>
+                        <a:t>Jelblob</a:t>
+                      </a:r>
+                      <a:r>
+                        <a:rPr lang="en-US" sz="1800" i="1" dirty="0">
+                          <a:effectLst/>
+                          <a:latin typeface="Calibri" panose="020F0502020204030204" pitchFamily="34" charset="0"/>
+                          <a:ea typeface="Calibri" panose="020F0502020204030204" pitchFamily="34" charset="0"/>
+                          <a:cs typeface="Times New Roman" panose="02020603050405020304" pitchFamily="18" charset="0"/>
+                        </a:rPr>
+                        <a:t> was accidently abducted and taken aboard the evil exotic animal dealer Dr. </a:t>
+                      </a:r>
+                      <a:r>
+                        <a:rPr lang="en-US" sz="1800" i="1" dirty="0" err="1">
+                          <a:effectLst/>
+                          <a:latin typeface="Calibri" panose="020F0502020204030204" pitchFamily="34" charset="0"/>
+                          <a:ea typeface="Calibri" panose="020F0502020204030204" pitchFamily="34" charset="0"/>
+                          <a:cs typeface="Times New Roman" panose="02020603050405020304" pitchFamily="18" charset="0"/>
+                        </a:rPr>
+                        <a:t>Magmim’s</a:t>
+                      </a:r>
+                      <a:r>
+                        <a:rPr lang="en-US" sz="1800" i="1" dirty="0">
+                          <a:effectLst/>
+                          <a:latin typeface="Calibri" panose="020F0502020204030204" pitchFamily="34" charset="0"/>
+                          <a:ea typeface="Calibri" panose="020F0502020204030204" pitchFamily="34" charset="0"/>
+                          <a:cs typeface="Times New Roman" panose="02020603050405020304" pitchFamily="18" charset="0"/>
+                        </a:rPr>
+                        <a:t> Bio ship. </a:t>
+                      </a:r>
+                    </a:p>
+                    <a:p>
+                      <a:r>
+                        <a:rPr lang="en-US" sz="1800" i="1" dirty="0">
+                          <a:effectLst/>
+                          <a:latin typeface="Calibri" panose="020F0502020204030204" pitchFamily="34" charset="0"/>
+                          <a:ea typeface="Calibri" panose="020F0502020204030204" pitchFamily="34" charset="0"/>
+                          <a:cs typeface="Times New Roman" panose="02020603050405020304" pitchFamily="18" charset="0"/>
+                        </a:rPr>
+                        <a:t>Upon realizing he had picked up the slime the Dr. begins his ruthless purge system that will lead to the death of </a:t>
+                      </a:r>
+                      <a:r>
+                        <a:rPr lang="en-US" sz="1800" i="1" dirty="0" err="1">
+                          <a:effectLst/>
+                          <a:latin typeface="Calibri" panose="020F0502020204030204" pitchFamily="34" charset="0"/>
+                          <a:ea typeface="Calibri" panose="020F0502020204030204" pitchFamily="34" charset="0"/>
+                          <a:cs typeface="Times New Roman" panose="02020603050405020304" pitchFamily="18" charset="0"/>
+                        </a:rPr>
+                        <a:t>Jelblob</a:t>
+                      </a:r>
+                      <a:r>
+                        <a:rPr lang="en-US" sz="1800" i="1" dirty="0">
+                          <a:effectLst/>
+                          <a:latin typeface="Calibri" panose="020F0502020204030204" pitchFamily="34" charset="0"/>
+                          <a:ea typeface="Calibri" panose="020F0502020204030204" pitchFamily="34" charset="0"/>
+                          <a:cs typeface="Times New Roman" panose="02020603050405020304" pitchFamily="18" charset="0"/>
+                        </a:rPr>
+                        <a:t> even at the cost of many of the doctor’s robotic minions and his exotic collection of animals. </a:t>
+                      </a:r>
+                    </a:p>
+                    <a:p>
+                      <a:r>
+                        <a:rPr lang="en-US" sz="1800" i="1" dirty="0">
+                          <a:effectLst/>
+                          <a:latin typeface="Calibri" panose="020F0502020204030204" pitchFamily="34" charset="0"/>
+                          <a:ea typeface="Calibri" panose="020F0502020204030204" pitchFamily="34" charset="0"/>
+                          <a:cs typeface="Times New Roman" panose="02020603050405020304" pitchFamily="18" charset="0"/>
+                        </a:rPr>
+                        <a:t>What follows in an epically difficult race for survival as </a:t>
+                      </a:r>
+                      <a:r>
+                        <a:rPr lang="en-US" sz="1800" i="1" dirty="0" err="1">
+                          <a:effectLst/>
+                          <a:latin typeface="Calibri" panose="020F0502020204030204" pitchFamily="34" charset="0"/>
+                          <a:ea typeface="Calibri" panose="020F0502020204030204" pitchFamily="34" charset="0"/>
+                          <a:cs typeface="Times New Roman" panose="02020603050405020304" pitchFamily="18" charset="0"/>
+                        </a:rPr>
+                        <a:t>Jelblob</a:t>
+                      </a:r>
+                      <a:r>
+                        <a:rPr lang="en-US" sz="1800" i="1" dirty="0">
+                          <a:effectLst/>
+                          <a:latin typeface="Calibri" panose="020F0502020204030204" pitchFamily="34" charset="0"/>
+                          <a:ea typeface="Calibri" panose="020F0502020204030204" pitchFamily="34" charset="0"/>
+                          <a:cs typeface="Times New Roman" panose="02020603050405020304" pitchFamily="18" charset="0"/>
+                        </a:rPr>
+                        <a:t> flees the purge system through many different Bio Domes in order to reach the ships core and escape back home.</a:t>
+                      </a:r>
+                      <a:r>
+                        <a:rPr lang="en-US" sz="1800" i="1" dirty="0">
+                          <a:effectLst/>
+                          <a:latin typeface="+mn-lt"/>
+                          <a:ea typeface="Calibri" panose="020F0502020204030204" pitchFamily="34" charset="0"/>
+                          <a:cs typeface="Times New Roman" panose="02020603050405020304" pitchFamily="18" charset="0"/>
+                        </a:rPr>
+                        <a:t>”</a:t>
+                      </a:r>
+                      <a:endParaRPr lang="en-US" i="1" dirty="0"/>
+                    </a:p>
+                  </a:txBody>
+                  <a:tcPr>
+                    <a:solidFill>
+                      <a:schemeClr val="bg1"/>
+                    </a:solidFill>
+                  </a:tcPr>
+                </a:tc>
+                <a:extLst>
+                  <a:ext uri="{0D108BD9-81ED-4DB2-BD59-A6C34878D82A}">
+                    <a16:rowId xmlns:a16="http://schemas.microsoft.com/office/drawing/2014/main" val="1228304407"/>
+                  </a:ext>
+                </a:extLst>
+              </a:tr>
+            </a:tbl>
+          </a:graphicData>
+        </a:graphic>
+      </p:graphicFrame>
+      <p:pic>
+        <p:nvPicPr>
+          <p:cNvPr id="5" name="Picture 4">
+            <a:extLst>
+              <a:ext uri="{FF2B5EF4-FFF2-40B4-BE49-F238E27FC236}">
+                <a16:creationId xmlns:a16="http://schemas.microsoft.com/office/drawing/2014/main" id="{BE1B6E5D-1EC8-478B-9E17-C851F99209F5}"/>
+              </a:ext>
+            </a:extLst>
+          </p:cNvPr>
+          <p:cNvPicPr>
+            <a:picLocks noChangeAspect="1"/>
+          </p:cNvPicPr>
+          <p:nvPr/>
+        </p:nvPicPr>
+        <p:blipFill>
+          <a:blip r:embed="rId5" cstate="print">
+            <a:extLst>
+              <a:ext uri="{28A0092B-C50C-407E-A947-70E740481C1C}">
+                <a14:useLocalDpi xmlns:a14="http://schemas.microsoft.com/office/drawing/2010/main" val="0"/>
+              </a:ext>
+            </a:extLst>
+          </a:blip>
+          <a:stretch>
+            <a:fillRect/>
+          </a:stretch>
+        </p:blipFill>
+        <p:spPr>
+          <a:xfrm>
+            <a:off x="0" y="5737123"/>
+            <a:ext cx="1120877" cy="1120877"/>
+          </a:xfrm>
+          <a:prstGeom prst="rect">
+            <a:avLst/>
+          </a:prstGeom>
+        </p:spPr>
+      </p:pic>
+      <p:pic>
+        <p:nvPicPr>
+          <p:cNvPr id="6" name="Picture 5">
+            <a:extLst>
+              <a:ext uri="{FF2B5EF4-FFF2-40B4-BE49-F238E27FC236}">
+                <a16:creationId xmlns:a16="http://schemas.microsoft.com/office/drawing/2014/main" id="{3772B896-689E-471A-B6A8-BCC4FDF1BA03}"/>
+              </a:ext>
+            </a:extLst>
+          </p:cNvPr>
+          <p:cNvPicPr>
+            <a:picLocks noChangeAspect="1"/>
+          </p:cNvPicPr>
+          <p:nvPr/>
+        </p:nvPicPr>
+        <p:blipFill>
+          <a:blip r:embed="rId5" cstate="print">
+            <a:extLst>
+              <a:ext uri="{28A0092B-C50C-407E-A947-70E740481C1C}">
+                <a14:useLocalDpi xmlns:a14="http://schemas.microsoft.com/office/drawing/2010/main" val="0"/>
+              </a:ext>
+            </a:extLst>
+          </a:blip>
+          <a:stretch>
+            <a:fillRect/>
+          </a:stretch>
+        </p:blipFill>
+        <p:spPr>
+          <a:xfrm>
+            <a:off x="1120877" y="5737122"/>
+            <a:ext cx="1120877" cy="1120877"/>
+          </a:xfrm>
+          <a:prstGeom prst="rect">
+            <a:avLst/>
+          </a:prstGeom>
+        </p:spPr>
+      </p:pic>
+      <p:pic>
+        <p:nvPicPr>
+          <p:cNvPr id="7" name="Picture 6">
+            <a:extLst>
+              <a:ext uri="{FF2B5EF4-FFF2-40B4-BE49-F238E27FC236}">
+                <a16:creationId xmlns:a16="http://schemas.microsoft.com/office/drawing/2014/main" id="{A0737868-CB5F-4A9A-8784-6662EC94B843}"/>
+              </a:ext>
+            </a:extLst>
+          </p:cNvPr>
+          <p:cNvPicPr>
+            <a:picLocks noChangeAspect="1"/>
+          </p:cNvPicPr>
+          <p:nvPr/>
+        </p:nvPicPr>
+        <p:blipFill>
+          <a:blip r:embed="rId5" cstate="print">
+            <a:extLst>
+              <a:ext uri="{28A0092B-C50C-407E-A947-70E740481C1C}">
+                <a14:useLocalDpi xmlns:a14="http://schemas.microsoft.com/office/drawing/2010/main" val="0"/>
+              </a:ext>
+            </a:extLst>
+          </a:blip>
+          <a:stretch>
+            <a:fillRect/>
+          </a:stretch>
+        </p:blipFill>
+        <p:spPr>
+          <a:xfrm>
+            <a:off x="2241754" y="5737121"/>
+            <a:ext cx="1120877" cy="1120877"/>
+          </a:xfrm>
+          <a:prstGeom prst="rect">
+            <a:avLst/>
+          </a:prstGeom>
+        </p:spPr>
+      </p:pic>
+      <p:pic>
+        <p:nvPicPr>
+          <p:cNvPr id="8" name="Picture 7">
+            <a:extLst>
+              <a:ext uri="{FF2B5EF4-FFF2-40B4-BE49-F238E27FC236}">
+                <a16:creationId xmlns:a16="http://schemas.microsoft.com/office/drawing/2014/main" id="{F24B2420-0B58-4A44-99D9-99E810471206}"/>
+              </a:ext>
+            </a:extLst>
+          </p:cNvPr>
+          <p:cNvPicPr>
+            <a:picLocks noChangeAspect="1"/>
+          </p:cNvPicPr>
+          <p:nvPr/>
+        </p:nvPicPr>
+        <p:blipFill>
+          <a:blip r:embed="rId5" cstate="print">
+            <a:extLst>
+              <a:ext uri="{28A0092B-C50C-407E-A947-70E740481C1C}">
+                <a14:useLocalDpi xmlns:a14="http://schemas.microsoft.com/office/drawing/2010/main" val="0"/>
+              </a:ext>
+            </a:extLst>
+          </a:blip>
+          <a:stretch>
+            <a:fillRect/>
+          </a:stretch>
+        </p:blipFill>
+        <p:spPr>
+          <a:xfrm>
+            <a:off x="3362631" y="5737120"/>
+            <a:ext cx="1120877" cy="1120877"/>
+          </a:xfrm>
+          <a:prstGeom prst="rect">
+            <a:avLst/>
+          </a:prstGeom>
+        </p:spPr>
+      </p:pic>
+      <p:pic>
+        <p:nvPicPr>
+          <p:cNvPr id="9" name="Picture 8">
+            <a:extLst>
+              <a:ext uri="{FF2B5EF4-FFF2-40B4-BE49-F238E27FC236}">
+                <a16:creationId xmlns:a16="http://schemas.microsoft.com/office/drawing/2014/main" id="{7E4840DC-A62C-49C7-8012-B5313EC2C85D}"/>
+              </a:ext>
+            </a:extLst>
+          </p:cNvPr>
+          <p:cNvPicPr>
+            <a:picLocks noChangeAspect="1"/>
+          </p:cNvPicPr>
+          <p:nvPr/>
+        </p:nvPicPr>
+        <p:blipFill>
+          <a:blip r:embed="rId5" cstate="print">
+            <a:extLst>
+              <a:ext uri="{28A0092B-C50C-407E-A947-70E740481C1C}">
+                <a14:useLocalDpi xmlns:a14="http://schemas.microsoft.com/office/drawing/2010/main" val="0"/>
+              </a:ext>
+            </a:extLst>
+          </a:blip>
+          <a:stretch>
+            <a:fillRect/>
+          </a:stretch>
+        </p:blipFill>
+        <p:spPr>
+          <a:xfrm>
+            <a:off x="4483508" y="5737119"/>
+            <a:ext cx="1120877" cy="1120877"/>
+          </a:xfrm>
+          <a:prstGeom prst="rect">
+            <a:avLst/>
+          </a:prstGeom>
+        </p:spPr>
+      </p:pic>
+      <p:pic>
+        <p:nvPicPr>
+          <p:cNvPr id="10" name="Picture 9">
+            <a:extLst>
+              <a:ext uri="{FF2B5EF4-FFF2-40B4-BE49-F238E27FC236}">
+                <a16:creationId xmlns:a16="http://schemas.microsoft.com/office/drawing/2014/main" id="{255B726B-E9B1-44AC-B7C4-A6BCB1F32D25}"/>
+              </a:ext>
+            </a:extLst>
+          </p:cNvPr>
+          <p:cNvPicPr>
+            <a:picLocks noChangeAspect="1"/>
+          </p:cNvPicPr>
+          <p:nvPr/>
+        </p:nvPicPr>
+        <p:blipFill>
+          <a:blip r:embed="rId5" cstate="print">
+            <a:extLst>
+              <a:ext uri="{28A0092B-C50C-407E-A947-70E740481C1C}">
+                <a14:useLocalDpi xmlns:a14="http://schemas.microsoft.com/office/drawing/2010/main" val="0"/>
+              </a:ext>
+            </a:extLst>
+          </a:blip>
+          <a:stretch>
+            <a:fillRect/>
+          </a:stretch>
+        </p:blipFill>
+        <p:spPr>
+          <a:xfrm>
+            <a:off x="5604385" y="5737118"/>
+            <a:ext cx="1120877" cy="1120877"/>
+          </a:xfrm>
+          <a:prstGeom prst="rect">
+            <a:avLst/>
+          </a:prstGeom>
+        </p:spPr>
+      </p:pic>
+      <p:pic>
+        <p:nvPicPr>
+          <p:cNvPr id="11" name="Picture 10">
+            <a:extLst>
+              <a:ext uri="{FF2B5EF4-FFF2-40B4-BE49-F238E27FC236}">
+                <a16:creationId xmlns:a16="http://schemas.microsoft.com/office/drawing/2014/main" id="{C9F46B2F-7F6A-46F5-BB74-358915CDD393}"/>
+              </a:ext>
+            </a:extLst>
+          </p:cNvPr>
+          <p:cNvPicPr>
+            <a:picLocks noChangeAspect="1"/>
+          </p:cNvPicPr>
+          <p:nvPr/>
+        </p:nvPicPr>
+        <p:blipFill>
+          <a:blip r:embed="rId5" cstate="print">
+            <a:extLst>
+              <a:ext uri="{28A0092B-C50C-407E-A947-70E740481C1C}">
+                <a14:useLocalDpi xmlns:a14="http://schemas.microsoft.com/office/drawing/2010/main" val="0"/>
+              </a:ext>
+            </a:extLst>
+          </a:blip>
+          <a:stretch>
+            <a:fillRect/>
+          </a:stretch>
+        </p:blipFill>
+        <p:spPr>
+          <a:xfrm>
+            <a:off x="6725262" y="5737117"/>
+            <a:ext cx="1120877" cy="1120877"/>
+          </a:xfrm>
+          <a:prstGeom prst="rect">
+            <a:avLst/>
+          </a:prstGeom>
+        </p:spPr>
+      </p:pic>
+      <p:pic>
+        <p:nvPicPr>
+          <p:cNvPr id="12" name="Picture 11">
+            <a:extLst>
+              <a:ext uri="{FF2B5EF4-FFF2-40B4-BE49-F238E27FC236}">
+                <a16:creationId xmlns:a16="http://schemas.microsoft.com/office/drawing/2014/main" id="{5B34CAFF-E0E4-426F-BBE0-B2B62DFA7BAA}"/>
+              </a:ext>
+            </a:extLst>
+          </p:cNvPr>
+          <p:cNvPicPr>
+            <a:picLocks noChangeAspect="1"/>
+          </p:cNvPicPr>
+          <p:nvPr/>
+        </p:nvPicPr>
+        <p:blipFill>
+          <a:blip r:embed="rId5" cstate="print">
+            <a:extLst>
+              <a:ext uri="{28A0092B-C50C-407E-A947-70E740481C1C}">
+                <a14:useLocalDpi xmlns:a14="http://schemas.microsoft.com/office/drawing/2010/main" val="0"/>
+              </a:ext>
+            </a:extLst>
+          </a:blip>
+          <a:stretch>
+            <a:fillRect/>
+          </a:stretch>
+        </p:blipFill>
+        <p:spPr>
+          <a:xfrm>
+            <a:off x="7846139" y="5737116"/>
+            <a:ext cx="1120877" cy="1120877"/>
+          </a:xfrm>
+          <a:prstGeom prst="rect">
+            <a:avLst/>
+          </a:prstGeom>
+        </p:spPr>
+      </p:pic>
+      <p:pic>
+        <p:nvPicPr>
+          <p:cNvPr id="13" name="Picture 12">
+            <a:extLst>
+              <a:ext uri="{FF2B5EF4-FFF2-40B4-BE49-F238E27FC236}">
+                <a16:creationId xmlns:a16="http://schemas.microsoft.com/office/drawing/2014/main" id="{FF75F441-55E4-45B0-940D-1BA4C403D212}"/>
+              </a:ext>
+            </a:extLst>
+          </p:cNvPr>
+          <p:cNvPicPr>
+            <a:picLocks noChangeAspect="1"/>
+          </p:cNvPicPr>
+          <p:nvPr/>
+        </p:nvPicPr>
+        <p:blipFill>
+          <a:blip r:embed="rId5" cstate="print">
+            <a:extLst>
+              <a:ext uri="{28A0092B-C50C-407E-A947-70E740481C1C}">
+                <a14:useLocalDpi xmlns:a14="http://schemas.microsoft.com/office/drawing/2010/main" val="0"/>
+              </a:ext>
+            </a:extLst>
+          </a:blip>
+          <a:stretch>
+            <a:fillRect/>
+          </a:stretch>
+        </p:blipFill>
+        <p:spPr>
+          <a:xfrm>
+            <a:off x="8967016" y="5737115"/>
+            <a:ext cx="1120877" cy="1120877"/>
+          </a:xfrm>
+          <a:prstGeom prst="rect">
+            <a:avLst/>
+          </a:prstGeom>
+        </p:spPr>
+      </p:pic>
+      <p:pic>
+        <p:nvPicPr>
+          <p:cNvPr id="14" name="Picture 13">
+            <a:extLst>
+              <a:ext uri="{FF2B5EF4-FFF2-40B4-BE49-F238E27FC236}">
+                <a16:creationId xmlns:a16="http://schemas.microsoft.com/office/drawing/2014/main" id="{DB92387C-327E-47CC-9A3F-FEAA711B453F}"/>
+              </a:ext>
+            </a:extLst>
+          </p:cNvPr>
+          <p:cNvPicPr>
+            <a:picLocks noChangeAspect="1"/>
+          </p:cNvPicPr>
+          <p:nvPr/>
+        </p:nvPicPr>
+        <p:blipFill>
+          <a:blip r:embed="rId5" cstate="print">
+            <a:extLst>
+              <a:ext uri="{28A0092B-C50C-407E-A947-70E740481C1C}">
+                <a14:useLocalDpi xmlns:a14="http://schemas.microsoft.com/office/drawing/2010/main" val="0"/>
+              </a:ext>
+            </a:extLst>
+          </a:blip>
+          <a:stretch>
+            <a:fillRect/>
+          </a:stretch>
+        </p:blipFill>
+        <p:spPr>
+          <a:xfrm>
+            <a:off x="10087893" y="5737114"/>
+            <a:ext cx="1120877" cy="1120877"/>
+          </a:xfrm>
+          <a:prstGeom prst="rect">
+            <a:avLst/>
+          </a:prstGeom>
+        </p:spPr>
+      </p:pic>
+      <p:pic>
+        <p:nvPicPr>
+          <p:cNvPr id="15" name="Picture 14">
+            <a:extLst>
+              <a:ext uri="{FF2B5EF4-FFF2-40B4-BE49-F238E27FC236}">
+                <a16:creationId xmlns:a16="http://schemas.microsoft.com/office/drawing/2014/main" id="{2EA191D7-0AA5-43A1-982C-6FBC6D3E55AD}"/>
+              </a:ext>
+            </a:extLst>
+          </p:cNvPr>
+          <p:cNvPicPr>
+            <a:picLocks noChangeAspect="1"/>
+          </p:cNvPicPr>
+          <p:nvPr/>
+        </p:nvPicPr>
+        <p:blipFill>
+          <a:blip r:embed="rId5" cstate="print">
+            <a:extLst>
+              <a:ext uri="{28A0092B-C50C-407E-A947-70E740481C1C}">
+                <a14:useLocalDpi xmlns:a14="http://schemas.microsoft.com/office/drawing/2010/main" val="0"/>
+              </a:ext>
+            </a:extLst>
+          </a:blip>
+          <a:stretch>
+            <a:fillRect/>
+          </a:stretch>
+        </p:blipFill>
+        <p:spPr>
+          <a:xfrm>
+            <a:off x="11208770" y="5737123"/>
+            <a:ext cx="1120877" cy="1120877"/>
+          </a:xfrm>
+          <a:prstGeom prst="rect">
+            <a:avLst/>
+          </a:prstGeom>
+        </p:spPr>
+      </p:pic>
+      <p:pic>
+        <p:nvPicPr>
+          <p:cNvPr id="17" name="Picture 16">
+            <a:extLst>
+              <a:ext uri="{FF2B5EF4-FFF2-40B4-BE49-F238E27FC236}">
+                <a16:creationId xmlns:a16="http://schemas.microsoft.com/office/drawing/2014/main" id="{0B9C65D7-AA7A-4188-9055-92670743D44B}"/>
+              </a:ext>
+            </a:extLst>
+          </p:cNvPr>
+          <p:cNvPicPr>
+            <a:picLocks noChangeAspect="1"/>
+          </p:cNvPicPr>
+          <p:nvPr/>
+        </p:nvPicPr>
+        <p:blipFill>
+          <a:blip r:embed="rId6">
+            <a:extLst>
+              <a:ext uri="{28A0092B-C50C-407E-A947-70E740481C1C}">
+                <a14:useLocalDpi xmlns:a14="http://schemas.microsoft.com/office/drawing/2010/main" val="0"/>
+              </a:ext>
+            </a:extLst>
+          </a:blip>
+          <a:stretch>
+            <a:fillRect/>
+          </a:stretch>
+        </p:blipFill>
+        <p:spPr>
+          <a:xfrm>
+            <a:off x="-2144126" y="3617148"/>
+            <a:ext cx="2176669" cy="2176669"/>
+          </a:xfrm>
+          <a:prstGeom prst="rect">
+            <a:avLst/>
+          </a:prstGeom>
+        </p:spPr>
+      </p:pic>
+      <p:pic>
+        <p:nvPicPr>
+          <p:cNvPr id="19" name="Picture 18">
+            <a:extLst>
+              <a:ext uri="{FF2B5EF4-FFF2-40B4-BE49-F238E27FC236}">
+                <a16:creationId xmlns:a16="http://schemas.microsoft.com/office/drawing/2014/main" id="{05272807-AD42-455D-B60A-468709511983}"/>
+              </a:ext>
+            </a:extLst>
+          </p:cNvPr>
+          <p:cNvPicPr>
+            <a:picLocks noChangeAspect="1"/>
+          </p:cNvPicPr>
+          <p:nvPr/>
+        </p:nvPicPr>
+        <p:blipFill>
+          <a:blip r:embed="rId7" cstate="print">
+            <a:extLst>
+              <a:ext uri="{28A0092B-C50C-407E-A947-70E740481C1C}">
+                <a14:useLocalDpi xmlns:a14="http://schemas.microsoft.com/office/drawing/2010/main" val="0"/>
+              </a:ext>
+            </a:extLst>
+          </a:blip>
+          <a:stretch>
+            <a:fillRect/>
+          </a:stretch>
+        </p:blipFill>
+        <p:spPr>
+          <a:xfrm>
+            <a:off x="-1507415" y="3476522"/>
+            <a:ext cx="1981200" cy="1981200"/>
+          </a:xfrm>
+          <a:prstGeom prst="rect">
+            <a:avLst/>
+          </a:prstGeom>
+        </p:spPr>
+      </p:pic>
+      <p:pic>
+        <p:nvPicPr>
+          <p:cNvPr id="21" name="Picture 20">
+            <a:extLst>
+              <a:ext uri="{FF2B5EF4-FFF2-40B4-BE49-F238E27FC236}">
+                <a16:creationId xmlns:a16="http://schemas.microsoft.com/office/drawing/2014/main" id="{DF115EC3-E2ED-48CC-B6F0-1C3B8F62617F}"/>
+              </a:ext>
+            </a:extLst>
+          </p:cNvPr>
+          <p:cNvPicPr>
+            <a:picLocks noChangeAspect="1"/>
+          </p:cNvPicPr>
+          <p:nvPr/>
+        </p:nvPicPr>
+        <p:blipFill>
+          <a:blip r:embed="rId8" cstate="print">
+            <a:extLst>
+              <a:ext uri="{28A0092B-C50C-407E-A947-70E740481C1C}">
+                <a14:useLocalDpi xmlns:a14="http://schemas.microsoft.com/office/drawing/2010/main" val="0"/>
+              </a:ext>
+            </a:extLst>
+          </a:blip>
+          <a:stretch>
+            <a:fillRect/>
+          </a:stretch>
+        </p:blipFill>
+        <p:spPr>
+          <a:xfrm>
+            <a:off x="-1413246" y="3712382"/>
+            <a:ext cx="1792862" cy="1792862"/>
+          </a:xfrm>
+          <a:prstGeom prst="rect">
+            <a:avLst/>
+          </a:prstGeom>
+        </p:spPr>
+      </p:pic>
+      <p:pic>
+        <p:nvPicPr>
+          <p:cNvPr id="26" name="Picture 25">
+            <a:extLst>
+              <a:ext uri="{FF2B5EF4-FFF2-40B4-BE49-F238E27FC236}">
+                <a16:creationId xmlns:a16="http://schemas.microsoft.com/office/drawing/2014/main" id="{E8349E5F-1CCF-4CF7-9773-D30ED6ED85E4}"/>
+              </a:ext>
+            </a:extLst>
+          </p:cNvPr>
+          <p:cNvPicPr>
+            <a:picLocks noChangeAspect="1"/>
+          </p:cNvPicPr>
+          <p:nvPr/>
+        </p:nvPicPr>
+        <p:blipFill>
+          <a:blip r:embed="rId9">
+            <a:extLst>
+              <a:ext uri="{28A0092B-C50C-407E-A947-70E740481C1C}">
+                <a14:useLocalDpi xmlns:a14="http://schemas.microsoft.com/office/drawing/2010/main" val="0"/>
+              </a:ext>
+            </a:extLst>
+          </a:blip>
+          <a:stretch>
+            <a:fillRect/>
+          </a:stretch>
+        </p:blipFill>
+        <p:spPr>
+          <a:xfrm>
+            <a:off x="-4959273" y="-230012"/>
+            <a:ext cx="4876800" cy="7413067"/>
+          </a:xfrm>
+          <a:prstGeom prst="rect">
+            <a:avLst/>
+          </a:prstGeom>
+        </p:spPr>
+      </p:pic>
+      <p:pic>
+        <p:nvPicPr>
+          <p:cNvPr id="28" name="Picture 27">
+            <a:extLst>
+              <a:ext uri="{FF2B5EF4-FFF2-40B4-BE49-F238E27FC236}">
+                <a16:creationId xmlns:a16="http://schemas.microsoft.com/office/drawing/2014/main" id="{0CF22287-8D25-4452-A0A4-5BE669F84574}"/>
+              </a:ext>
+            </a:extLst>
+          </p:cNvPr>
+          <p:cNvPicPr>
+            <a:picLocks noChangeAspect="1"/>
+          </p:cNvPicPr>
+          <p:nvPr/>
+        </p:nvPicPr>
+        <p:blipFill>
+          <a:blip r:embed="rId10">
+            <a:extLst>
+              <a:ext uri="{28A0092B-C50C-407E-A947-70E740481C1C}">
+                <a14:useLocalDpi xmlns:a14="http://schemas.microsoft.com/office/drawing/2010/main" val="0"/>
+              </a:ext>
+            </a:extLst>
+          </a:blip>
+          <a:stretch>
+            <a:fillRect/>
+          </a:stretch>
+        </p:blipFill>
+        <p:spPr>
+          <a:xfrm>
+            <a:off x="-17521084" y="-230013"/>
+            <a:ext cx="12574765" cy="7413067"/>
+          </a:xfrm>
+          <a:prstGeom prst="rect">
+            <a:avLst/>
+          </a:prstGeom>
+        </p:spPr>
+      </p:pic>
+      <p:sp>
+        <p:nvSpPr>
+          <p:cNvPr id="31" name="TextBox 30">
+            <a:extLst>
+              <a:ext uri="{FF2B5EF4-FFF2-40B4-BE49-F238E27FC236}">
+                <a16:creationId xmlns:a16="http://schemas.microsoft.com/office/drawing/2014/main" id="{F35BCA31-0B2F-4300-899C-BA91193B00E5}"/>
+              </a:ext>
+            </a:extLst>
+          </p:cNvPr>
+          <p:cNvSpPr txBox="1"/>
+          <p:nvPr/>
+        </p:nvSpPr>
+        <p:spPr>
+          <a:xfrm>
+            <a:off x="3038252" y="2268389"/>
+            <a:ext cx="6248400" cy="646331"/>
+          </a:xfrm>
+          <a:prstGeom prst="rect">
+            <a:avLst/>
+          </a:prstGeom>
+          <a:noFill/>
+        </p:spPr>
+        <p:txBody>
+          <a:bodyPr wrap="square" rtlCol="0">
+            <a:spAutoFit/>
+          </a:bodyPr>
           <a:lstStyle/>
           <a:p>
+            <a:pPr algn="ctr"/>
+            <a:r>
+              <a:rPr lang="en-GB" u="sng" dirty="0"/>
+              <a:t>MAIN CHARACTERS GOAL</a:t>
+            </a:r>
+          </a:p>
+          <a:p>
             <a:r>
               <a:rPr lang="en-GB" dirty="0"/>
-              <a:t>[Brief summary of the plot of the game]</a:t>
-            </a:r>
-          </a:p>
-          <a:p>
+              <a:t>Escape from Dr </a:t>
+            </a:r>
+            <a:r>
+              <a:rPr lang="en-GB" dirty="0" err="1"/>
+              <a:t>Magmims</a:t>
+            </a:r>
             <a:r>
               <a:rPr lang="en-GB" dirty="0"/>
-              <a:t>[Mention the main character and the main antagonist]</a:t>
-            </a:r>
+              <a:t> Bio ship, and return home; or die trying!</a:t>
+            </a:r>
+            <a:endParaRPr lang="en-US" dirty="0"/>
+          </a:p>
+        </p:txBody>
+      </p:sp>
+      <p:sp>
+        <p:nvSpPr>
+          <p:cNvPr id="32" name="TextBox 31">
+            <a:extLst>
+              <a:ext uri="{FF2B5EF4-FFF2-40B4-BE49-F238E27FC236}">
+                <a16:creationId xmlns:a16="http://schemas.microsoft.com/office/drawing/2014/main" id="{316D3FF1-6739-4793-A341-08099AAC8243}"/>
+              </a:ext>
+            </a:extLst>
+          </p:cNvPr>
+          <p:cNvSpPr txBox="1"/>
+          <p:nvPr/>
+        </p:nvSpPr>
+        <p:spPr>
+          <a:xfrm>
+            <a:off x="591773" y="2153916"/>
+            <a:ext cx="3158836" cy="1292662"/>
+          </a:xfrm>
+          <a:prstGeom prst="rect">
+            <a:avLst/>
+          </a:prstGeom>
+        </p:spPr>
+        <p:style>
+          <a:lnRef idx="2">
+            <a:schemeClr val="accent3">
+              <a:shade val="50000"/>
+            </a:schemeClr>
+          </a:lnRef>
+          <a:fillRef idx="1">
+            <a:schemeClr val="accent3"/>
+          </a:fillRef>
+          <a:effectRef idx="0">
+            <a:schemeClr val="accent3"/>
+          </a:effectRef>
+          <a:fontRef idx="minor">
+            <a:schemeClr val="lt1"/>
+          </a:fontRef>
+        </p:style>
+        <p:txBody>
+          <a:bodyPr wrap="square" rtlCol="0">
+            <a:spAutoFit/>
+          </a:bodyPr>
+          <a:lstStyle/>
+          <a:p>
+            <a:pPr algn="ctr"/>
+            <a:r>
+              <a:rPr lang="en-GB" sz="2400" b="1" u="sng" dirty="0" err="1"/>
+              <a:t>Jelblob</a:t>
+            </a:r>
+            <a:endParaRPr lang="en-GB" sz="2400" b="1" u="sng" dirty="0"/>
           </a:p>
           <a:p>
             <a:r>
               <a:rPr lang="en-GB" dirty="0"/>
-              <a:t>[Main characters goal in the story]</a:t>
+              <a:t>A slime-jelly like monster which spends its days jumping around and fleeing from predators.</a:t>
+            </a:r>
+            <a:endParaRPr lang="en-US" dirty="0"/>
+          </a:p>
+        </p:txBody>
+      </p:sp>
+      <p:sp>
+        <p:nvSpPr>
+          <p:cNvPr id="33" name="TextBox 32">
+            <a:extLst>
+              <a:ext uri="{FF2B5EF4-FFF2-40B4-BE49-F238E27FC236}">
+                <a16:creationId xmlns:a16="http://schemas.microsoft.com/office/drawing/2014/main" id="{53370B79-A7DA-4BC2-963C-B14F6F1EB7E0}"/>
+              </a:ext>
+            </a:extLst>
+          </p:cNvPr>
+          <p:cNvSpPr txBox="1"/>
+          <p:nvPr/>
+        </p:nvSpPr>
+        <p:spPr>
+          <a:xfrm>
+            <a:off x="8503732" y="2015417"/>
+            <a:ext cx="3158836" cy="1569660"/>
+          </a:xfrm>
+          <a:prstGeom prst="rect">
+            <a:avLst/>
+          </a:prstGeom>
+        </p:spPr>
+        <p:style>
+          <a:lnRef idx="2">
+            <a:schemeClr val="accent5">
+              <a:shade val="50000"/>
+            </a:schemeClr>
+          </a:lnRef>
+          <a:fillRef idx="1">
+            <a:schemeClr val="accent5"/>
+          </a:fillRef>
+          <a:effectRef idx="0">
+            <a:schemeClr val="accent5"/>
+          </a:effectRef>
+          <a:fontRef idx="minor">
+            <a:schemeClr val="lt1"/>
+          </a:fontRef>
+        </p:style>
+        <p:txBody>
+          <a:bodyPr wrap="square" rtlCol="0">
+            <a:spAutoFit/>
+          </a:bodyPr>
+          <a:lstStyle/>
+          <a:p>
+            <a:pPr algn="ctr"/>
+            <a:r>
+              <a:rPr lang="en-GB" sz="2400" b="1" u="sng" dirty="0"/>
+              <a:t>Dr </a:t>
+            </a:r>
+            <a:r>
+              <a:rPr lang="en-GB" sz="2400" b="1" u="sng" dirty="0" err="1"/>
+              <a:t>Magmim</a:t>
+            </a:r>
+            <a:endParaRPr lang="en-GB" sz="2400" b="1" u="sng" dirty="0"/>
+          </a:p>
+          <a:p>
+            <a:r>
+              <a:rPr lang="en-GB" dirty="0"/>
+              <a:t>An infamous evil genius who made his fortune by capturing and selling exotic creatures from planets across the universe.</a:t>
             </a:r>
           </a:p>
         </p:txBody>
@@ -12003,12 +14549,891 @@
   <p:clrMapOvr>
     <a:masterClrMapping/>
   </p:clrMapOvr>
+  <p:transition spd="slow">
+    <p:push dir="u"/>
+  </p:transition>
+  <p:timing>
+    <p:tnLst>
+      <p:par>
+        <p:cTn id="1" dur="indefinite" restart="never" nodeType="tmRoot">
+          <p:childTnLst>
+            <p:seq concurrent="1" nextAc="seek">
+              <p:cTn id="2" dur="indefinite" nodeType="mainSeq">
+                <p:childTnLst>
+                  <p:par>
+                    <p:cTn id="3" fill="hold">
+                      <p:stCondLst>
+                        <p:cond delay="indefinite"/>
+                      </p:stCondLst>
+                      <p:childTnLst>
+                        <p:par>
+                          <p:cTn id="4" fill="hold">
+                            <p:stCondLst>
+                              <p:cond delay="0"/>
+                            </p:stCondLst>
+                            <p:childTnLst>
+                              <p:par>
+                                <p:cTn id="5" presetID="22" presetClass="exit" presetSubtype="4" fill="hold" nodeType="clickEffect">
+                                  <p:stCondLst>
+                                    <p:cond delay="0"/>
+                                  </p:stCondLst>
+                                  <p:childTnLst>
+                                    <p:animEffect transition="out" filter="wipe(down)">
+                                      <p:cBhvr>
+                                        <p:cTn id="6" dur="500"/>
+                                        <p:tgtEl>
+                                          <p:spTgt spid="4"/>
+                                        </p:tgtEl>
+                                      </p:cBhvr>
+                                    </p:animEffect>
+                                    <p:set>
+                                      <p:cBhvr>
+                                        <p:cTn id="7" dur="1" fill="hold">
+                                          <p:stCondLst>
+                                            <p:cond delay="499"/>
+                                          </p:stCondLst>
+                                        </p:cTn>
+                                        <p:tgtEl>
+                                          <p:spTgt spid="4"/>
+                                        </p:tgtEl>
+                                        <p:attrNameLst>
+                                          <p:attrName>style.visibility</p:attrName>
+                                        </p:attrNameLst>
+                                      </p:cBhvr>
+                                      <p:to>
+                                        <p:strVal val="hidden"/>
+                                      </p:to>
+                                    </p:set>
+                                  </p:childTnLst>
+                                </p:cTn>
+                              </p:par>
+                              <p:par>
+                                <p:cTn id="8" presetID="42" presetClass="path" presetSubtype="0" accel="22000" fill="hold" nodeType="withEffect">
+                                  <p:stCondLst>
+                                    <p:cond delay="0"/>
+                                  </p:stCondLst>
+                                  <p:childTnLst>
+                                    <p:animMotion origin="layout" path="M -1.45833E-6 -1.11111E-6 L 0.5905 0.00695 " pathEditMode="relative" rAng="0" ptsTypes="AA">
+                                      <p:cBhvr>
+                                        <p:cTn id="9" dur="1000" fill="hold"/>
+                                        <p:tgtEl>
+                                          <p:spTgt spid="17"/>
+                                        </p:tgtEl>
+                                        <p:attrNameLst>
+                                          <p:attrName>ppt_x</p:attrName>
+                                          <p:attrName>ppt_y</p:attrName>
+                                        </p:attrNameLst>
+                                      </p:cBhvr>
+                                      <p:rCtr x="29518" y="347"/>
+                                    </p:animMotion>
+                                  </p:childTnLst>
+                                </p:cTn>
+                              </p:par>
+                              <p:par>
+                                <p:cTn id="10" presetID="42" presetClass="path" presetSubtype="0" accel="22000" fill="hold" nodeType="withEffect">
+                                  <p:stCondLst>
+                                    <p:cond delay="0"/>
+                                  </p:stCondLst>
+                                  <p:childTnLst>
+                                    <p:animMotion origin="layout" path="M -3.75E-6 1.11111E-6 L 0.58854 0.00278 " pathEditMode="relative" rAng="0" ptsTypes="AA">
+                                      <p:cBhvr>
+                                        <p:cTn id="11" dur="1000" fill="hold"/>
+                                        <p:tgtEl>
+                                          <p:spTgt spid="19"/>
+                                        </p:tgtEl>
+                                        <p:attrNameLst>
+                                          <p:attrName>ppt_x</p:attrName>
+                                          <p:attrName>ppt_y</p:attrName>
+                                        </p:attrNameLst>
+                                      </p:cBhvr>
+                                      <p:rCtr x="29375" y="139"/>
+                                    </p:animMotion>
+                                  </p:childTnLst>
+                                </p:cTn>
+                              </p:par>
+                              <p:par>
+                                <p:cTn id="12" presetID="42" presetClass="path" presetSubtype="0" accel="22000" fill="hold" nodeType="withEffect">
+                                  <p:stCondLst>
+                                    <p:cond delay="0"/>
+                                  </p:stCondLst>
+                                  <p:childTnLst>
+                                    <p:animMotion origin="layout" path="M 0.00013 -0.00116 L 0.58529 -0.00116 " pathEditMode="relative" rAng="0" ptsTypes="AA">
+                                      <p:cBhvr>
+                                        <p:cTn id="13" dur="1000" fill="hold"/>
+                                        <p:tgtEl>
+                                          <p:spTgt spid="21"/>
+                                        </p:tgtEl>
+                                        <p:attrNameLst>
+                                          <p:attrName>ppt_x</p:attrName>
+                                          <p:attrName>ppt_y</p:attrName>
+                                        </p:attrNameLst>
+                                      </p:cBhvr>
+                                      <p:rCtr x="29258" y="0"/>
+                                    </p:animMotion>
+                                  </p:childTnLst>
+                                </p:cTn>
+                              </p:par>
+                              <p:par>
+                                <p:cTn id="14" presetID="10" presetClass="entr" presetSubtype="0" fill="hold" nodeType="withEffect">
+                                  <p:stCondLst>
+                                    <p:cond delay="0"/>
+                                  </p:stCondLst>
+                                  <p:childTnLst>
+                                    <p:set>
+                                      <p:cBhvr>
+                                        <p:cTn id="15" dur="1" fill="hold">
+                                          <p:stCondLst>
+                                            <p:cond delay="0"/>
+                                          </p:stCondLst>
+                                        </p:cTn>
+                                        <p:tgtEl>
+                                          <p:spTgt spid="30"/>
+                                        </p:tgtEl>
+                                        <p:attrNameLst>
+                                          <p:attrName>style.visibility</p:attrName>
+                                        </p:attrNameLst>
+                                      </p:cBhvr>
+                                      <p:to>
+                                        <p:strVal val="visible"/>
+                                      </p:to>
+                                    </p:set>
+                                    <p:animEffect transition="in" filter="fade">
+                                      <p:cBhvr>
+                                        <p:cTn id="16" dur="2000"/>
+                                        <p:tgtEl>
+                                          <p:spTgt spid="30"/>
+                                        </p:tgtEl>
+                                      </p:cBhvr>
+                                    </p:animEffect>
+                                  </p:childTnLst>
+                                </p:cTn>
+                              </p:par>
+                              <p:par>
+                                <p:cTn id="17" presetID="2" presetClass="entr" presetSubtype="4" fill="hold" nodeType="withEffect">
+                                  <p:stCondLst>
+                                    <p:cond delay="0"/>
+                                  </p:stCondLst>
+                                  <p:childTnLst>
+                                    <p:set>
+                                      <p:cBhvr>
+                                        <p:cTn id="18" dur="1" fill="hold">
+                                          <p:stCondLst>
+                                            <p:cond delay="0"/>
+                                          </p:stCondLst>
+                                        </p:cTn>
+                                        <p:tgtEl>
+                                          <p:spTgt spid="30"/>
+                                        </p:tgtEl>
+                                        <p:attrNameLst>
+                                          <p:attrName>style.visibility</p:attrName>
+                                        </p:attrNameLst>
+                                      </p:cBhvr>
+                                      <p:to>
+                                        <p:strVal val="visible"/>
+                                      </p:to>
+                                    </p:set>
+                                    <p:anim calcmode="lin" valueType="num">
+                                      <p:cBhvr additive="base">
+                                        <p:cTn id="19" dur="2000" fill="hold"/>
+                                        <p:tgtEl>
+                                          <p:spTgt spid="30"/>
+                                        </p:tgtEl>
+                                        <p:attrNameLst>
+                                          <p:attrName>ppt_x</p:attrName>
+                                        </p:attrNameLst>
+                                      </p:cBhvr>
+                                      <p:tavLst>
+                                        <p:tav tm="0">
+                                          <p:val>
+                                            <p:strVal val="#ppt_x"/>
+                                          </p:val>
+                                        </p:tav>
+                                        <p:tav tm="100000">
+                                          <p:val>
+                                            <p:strVal val="#ppt_x"/>
+                                          </p:val>
+                                        </p:tav>
+                                      </p:tavLst>
+                                    </p:anim>
+                                    <p:anim calcmode="lin" valueType="num">
+                                      <p:cBhvr additive="base">
+                                        <p:cTn id="20" dur="2000" fill="hold"/>
+                                        <p:tgtEl>
+                                          <p:spTgt spid="30"/>
+                                        </p:tgtEl>
+                                        <p:attrNameLst>
+                                          <p:attrName>ppt_y</p:attrName>
+                                        </p:attrNameLst>
+                                      </p:cBhvr>
+                                      <p:tavLst>
+                                        <p:tav tm="0">
+                                          <p:val>
+                                            <p:strVal val="1+#ppt_h/2"/>
+                                          </p:val>
+                                        </p:tav>
+                                        <p:tav tm="100000">
+                                          <p:val>
+                                            <p:strVal val="#ppt_y"/>
+                                          </p:val>
+                                        </p:tav>
+                                      </p:tavLst>
+                                    </p:anim>
+                                  </p:childTnLst>
+                                </p:cTn>
+                              </p:par>
+                              <p:par>
+                                <p:cTn id="21" presetID="10" presetClass="entr" presetSubtype="0" fill="hold" grpId="0" nodeType="withEffect">
+                                  <p:stCondLst>
+                                    <p:cond delay="0"/>
+                                  </p:stCondLst>
+                                  <p:childTnLst>
+                                    <p:set>
+                                      <p:cBhvr>
+                                        <p:cTn id="22" dur="1" fill="hold">
+                                          <p:stCondLst>
+                                            <p:cond delay="0"/>
+                                          </p:stCondLst>
+                                        </p:cTn>
+                                        <p:tgtEl>
+                                          <p:spTgt spid="32"/>
+                                        </p:tgtEl>
+                                        <p:attrNameLst>
+                                          <p:attrName>style.visibility</p:attrName>
+                                        </p:attrNameLst>
+                                      </p:cBhvr>
+                                      <p:to>
+                                        <p:strVal val="visible"/>
+                                      </p:to>
+                                    </p:set>
+                                    <p:animEffect transition="in" filter="fade">
+                                      <p:cBhvr>
+                                        <p:cTn id="23" dur="500"/>
+                                        <p:tgtEl>
+                                          <p:spTgt spid="32"/>
+                                        </p:tgtEl>
+                                      </p:cBhvr>
+                                    </p:animEffect>
+                                  </p:childTnLst>
+                                </p:cTn>
+                              </p:par>
+                              <p:par>
+                                <p:cTn id="24" presetID="10" presetClass="entr" presetSubtype="0" fill="hold" grpId="0" nodeType="withEffect">
+                                  <p:stCondLst>
+                                    <p:cond delay="0"/>
+                                  </p:stCondLst>
+                                  <p:childTnLst>
+                                    <p:set>
+                                      <p:cBhvr>
+                                        <p:cTn id="25" dur="1" fill="hold">
+                                          <p:stCondLst>
+                                            <p:cond delay="0"/>
+                                          </p:stCondLst>
+                                        </p:cTn>
+                                        <p:tgtEl>
+                                          <p:spTgt spid="33"/>
+                                        </p:tgtEl>
+                                        <p:attrNameLst>
+                                          <p:attrName>style.visibility</p:attrName>
+                                        </p:attrNameLst>
+                                      </p:cBhvr>
+                                      <p:to>
+                                        <p:strVal val="visible"/>
+                                      </p:to>
+                                    </p:set>
+                                    <p:animEffect transition="in" filter="fade">
+                                      <p:cBhvr>
+                                        <p:cTn id="26" dur="500"/>
+                                        <p:tgtEl>
+                                          <p:spTgt spid="33"/>
+                                        </p:tgtEl>
+                                      </p:cBhvr>
+                                    </p:animEffect>
+                                  </p:childTnLst>
+                                </p:cTn>
+                              </p:par>
+                            </p:childTnLst>
+                          </p:cTn>
+                        </p:par>
+                      </p:childTnLst>
+                    </p:cTn>
+                  </p:par>
+                  <p:par>
+                    <p:cTn id="27" fill="hold">
+                      <p:stCondLst>
+                        <p:cond delay="indefinite"/>
+                      </p:stCondLst>
+                      <p:childTnLst>
+                        <p:par>
+                          <p:cTn id="28" fill="hold">
+                            <p:stCondLst>
+                              <p:cond delay="0"/>
+                            </p:stCondLst>
+                            <p:childTnLst>
+                              <p:par>
+                                <p:cTn id="29" presetID="2" presetClass="exit" presetSubtype="2" fill="hold" nodeType="clickEffect">
+                                  <p:stCondLst>
+                                    <p:cond delay="30"/>
+                                  </p:stCondLst>
+                                  <p:childTnLst>
+                                    <p:anim calcmode="lin" valueType="num">
+                                      <p:cBhvr additive="base">
+                                        <p:cTn id="30" dur="500"/>
+                                        <p:tgtEl>
+                                          <p:spTgt spid="17"/>
+                                        </p:tgtEl>
+                                        <p:attrNameLst>
+                                          <p:attrName>ppt_x</p:attrName>
+                                        </p:attrNameLst>
+                                      </p:cBhvr>
+                                      <p:tavLst>
+                                        <p:tav tm="0">
+                                          <p:val>
+                                            <p:strVal val="ppt_x"/>
+                                          </p:val>
+                                        </p:tav>
+                                        <p:tav tm="100000">
+                                          <p:val>
+                                            <p:strVal val="1+ppt_w/2"/>
+                                          </p:val>
+                                        </p:tav>
+                                      </p:tavLst>
+                                    </p:anim>
+                                    <p:anim calcmode="lin" valueType="num">
+                                      <p:cBhvr additive="base">
+                                        <p:cTn id="31" dur="500"/>
+                                        <p:tgtEl>
+                                          <p:spTgt spid="17"/>
+                                        </p:tgtEl>
+                                        <p:attrNameLst>
+                                          <p:attrName>ppt_y</p:attrName>
+                                        </p:attrNameLst>
+                                      </p:cBhvr>
+                                      <p:tavLst>
+                                        <p:tav tm="0">
+                                          <p:val>
+                                            <p:strVal val="ppt_y"/>
+                                          </p:val>
+                                        </p:tav>
+                                        <p:tav tm="100000">
+                                          <p:val>
+                                            <p:strVal val="ppt_y"/>
+                                          </p:val>
+                                        </p:tav>
+                                      </p:tavLst>
+                                    </p:anim>
+                                    <p:set>
+                                      <p:cBhvr>
+                                        <p:cTn id="32" dur="1" fill="hold">
+                                          <p:stCondLst>
+                                            <p:cond delay="499"/>
+                                          </p:stCondLst>
+                                        </p:cTn>
+                                        <p:tgtEl>
+                                          <p:spTgt spid="17"/>
+                                        </p:tgtEl>
+                                        <p:attrNameLst>
+                                          <p:attrName>style.visibility</p:attrName>
+                                        </p:attrNameLst>
+                                      </p:cBhvr>
+                                      <p:to>
+                                        <p:strVal val="hidden"/>
+                                      </p:to>
+                                    </p:set>
+                                  </p:childTnLst>
+                                </p:cTn>
+                              </p:par>
+                              <p:par>
+                                <p:cTn id="33" presetID="2" presetClass="exit" presetSubtype="2" fill="hold" nodeType="withEffect">
+                                  <p:stCondLst>
+                                    <p:cond delay="0"/>
+                                  </p:stCondLst>
+                                  <p:childTnLst>
+                                    <p:anim calcmode="lin" valueType="num">
+                                      <p:cBhvr additive="base">
+                                        <p:cTn id="34" dur="500"/>
+                                        <p:tgtEl>
+                                          <p:spTgt spid="21"/>
+                                        </p:tgtEl>
+                                        <p:attrNameLst>
+                                          <p:attrName>ppt_x</p:attrName>
+                                        </p:attrNameLst>
+                                      </p:cBhvr>
+                                      <p:tavLst>
+                                        <p:tav tm="0">
+                                          <p:val>
+                                            <p:strVal val="ppt_x"/>
+                                          </p:val>
+                                        </p:tav>
+                                        <p:tav tm="100000">
+                                          <p:val>
+                                            <p:strVal val="1+ppt_w/2"/>
+                                          </p:val>
+                                        </p:tav>
+                                      </p:tavLst>
+                                    </p:anim>
+                                    <p:anim calcmode="lin" valueType="num">
+                                      <p:cBhvr additive="base">
+                                        <p:cTn id="35" dur="500"/>
+                                        <p:tgtEl>
+                                          <p:spTgt spid="21"/>
+                                        </p:tgtEl>
+                                        <p:attrNameLst>
+                                          <p:attrName>ppt_y</p:attrName>
+                                        </p:attrNameLst>
+                                      </p:cBhvr>
+                                      <p:tavLst>
+                                        <p:tav tm="0">
+                                          <p:val>
+                                            <p:strVal val="ppt_y"/>
+                                          </p:val>
+                                        </p:tav>
+                                        <p:tav tm="100000">
+                                          <p:val>
+                                            <p:strVal val="ppt_y"/>
+                                          </p:val>
+                                        </p:tav>
+                                      </p:tavLst>
+                                    </p:anim>
+                                    <p:set>
+                                      <p:cBhvr>
+                                        <p:cTn id="36" dur="1" fill="hold">
+                                          <p:stCondLst>
+                                            <p:cond delay="499"/>
+                                          </p:stCondLst>
+                                        </p:cTn>
+                                        <p:tgtEl>
+                                          <p:spTgt spid="21"/>
+                                        </p:tgtEl>
+                                        <p:attrNameLst>
+                                          <p:attrName>style.visibility</p:attrName>
+                                        </p:attrNameLst>
+                                      </p:cBhvr>
+                                      <p:to>
+                                        <p:strVal val="hidden"/>
+                                      </p:to>
+                                    </p:set>
+                                  </p:childTnLst>
+                                </p:cTn>
+                              </p:par>
+                              <p:par>
+                                <p:cTn id="37" presetID="2" presetClass="exit" presetSubtype="2" fill="hold" nodeType="withEffect">
+                                  <p:stCondLst>
+                                    <p:cond delay="0"/>
+                                  </p:stCondLst>
+                                  <p:childTnLst>
+                                    <p:anim calcmode="lin" valueType="num">
+                                      <p:cBhvr additive="base">
+                                        <p:cTn id="38" dur="500"/>
+                                        <p:tgtEl>
+                                          <p:spTgt spid="19"/>
+                                        </p:tgtEl>
+                                        <p:attrNameLst>
+                                          <p:attrName>ppt_x</p:attrName>
+                                        </p:attrNameLst>
+                                      </p:cBhvr>
+                                      <p:tavLst>
+                                        <p:tav tm="0">
+                                          <p:val>
+                                            <p:strVal val="ppt_x"/>
+                                          </p:val>
+                                        </p:tav>
+                                        <p:tav tm="100000">
+                                          <p:val>
+                                            <p:strVal val="1+ppt_w/2"/>
+                                          </p:val>
+                                        </p:tav>
+                                      </p:tavLst>
+                                    </p:anim>
+                                    <p:anim calcmode="lin" valueType="num">
+                                      <p:cBhvr additive="base">
+                                        <p:cTn id="39" dur="500"/>
+                                        <p:tgtEl>
+                                          <p:spTgt spid="19"/>
+                                        </p:tgtEl>
+                                        <p:attrNameLst>
+                                          <p:attrName>ppt_y</p:attrName>
+                                        </p:attrNameLst>
+                                      </p:cBhvr>
+                                      <p:tavLst>
+                                        <p:tav tm="0">
+                                          <p:val>
+                                            <p:strVal val="ppt_y"/>
+                                          </p:val>
+                                        </p:tav>
+                                        <p:tav tm="100000">
+                                          <p:val>
+                                            <p:strVal val="ppt_y"/>
+                                          </p:val>
+                                        </p:tav>
+                                      </p:tavLst>
+                                    </p:anim>
+                                    <p:set>
+                                      <p:cBhvr>
+                                        <p:cTn id="40" dur="1" fill="hold">
+                                          <p:stCondLst>
+                                            <p:cond delay="499"/>
+                                          </p:stCondLst>
+                                        </p:cTn>
+                                        <p:tgtEl>
+                                          <p:spTgt spid="19"/>
+                                        </p:tgtEl>
+                                        <p:attrNameLst>
+                                          <p:attrName>style.visibility</p:attrName>
+                                        </p:attrNameLst>
+                                      </p:cBhvr>
+                                      <p:to>
+                                        <p:strVal val="hidden"/>
+                                      </p:to>
+                                    </p:set>
+                                  </p:childTnLst>
+                                </p:cTn>
+                              </p:par>
+                              <p:par>
+                                <p:cTn id="41" presetID="2" presetClass="exit" presetSubtype="2" fill="hold" nodeType="withEffect">
+                                  <p:stCondLst>
+                                    <p:cond delay="1000"/>
+                                  </p:stCondLst>
+                                  <p:childTnLst>
+                                    <p:anim calcmode="lin" valueType="num">
+                                      <p:cBhvr additive="base">
+                                        <p:cTn id="42" dur="500"/>
+                                        <p:tgtEl>
+                                          <p:spTgt spid="26"/>
+                                        </p:tgtEl>
+                                        <p:attrNameLst>
+                                          <p:attrName>ppt_x</p:attrName>
+                                        </p:attrNameLst>
+                                      </p:cBhvr>
+                                      <p:tavLst>
+                                        <p:tav tm="0">
+                                          <p:val>
+                                            <p:strVal val="ppt_x"/>
+                                          </p:val>
+                                        </p:tav>
+                                        <p:tav tm="100000">
+                                          <p:val>
+                                            <p:strVal val="1+ppt_w/2"/>
+                                          </p:val>
+                                        </p:tav>
+                                      </p:tavLst>
+                                    </p:anim>
+                                    <p:anim calcmode="lin" valueType="num">
+                                      <p:cBhvr additive="base">
+                                        <p:cTn id="43" dur="500"/>
+                                        <p:tgtEl>
+                                          <p:spTgt spid="26"/>
+                                        </p:tgtEl>
+                                        <p:attrNameLst>
+                                          <p:attrName>ppt_y</p:attrName>
+                                        </p:attrNameLst>
+                                      </p:cBhvr>
+                                      <p:tavLst>
+                                        <p:tav tm="0">
+                                          <p:val>
+                                            <p:strVal val="ppt_y"/>
+                                          </p:val>
+                                        </p:tav>
+                                        <p:tav tm="100000">
+                                          <p:val>
+                                            <p:strVal val="ppt_y"/>
+                                          </p:val>
+                                        </p:tav>
+                                      </p:tavLst>
+                                    </p:anim>
+                                    <p:set>
+                                      <p:cBhvr>
+                                        <p:cTn id="44" dur="1" fill="hold">
+                                          <p:stCondLst>
+                                            <p:cond delay="499"/>
+                                          </p:stCondLst>
+                                        </p:cTn>
+                                        <p:tgtEl>
+                                          <p:spTgt spid="26"/>
+                                        </p:tgtEl>
+                                        <p:attrNameLst>
+                                          <p:attrName>style.visibility</p:attrName>
+                                        </p:attrNameLst>
+                                      </p:cBhvr>
+                                      <p:to>
+                                        <p:strVal val="hidden"/>
+                                      </p:to>
+                                    </p:set>
+                                  </p:childTnLst>
+                                </p:cTn>
+                              </p:par>
+                              <p:par>
+                                <p:cTn id="45" presetID="1" presetClass="exit" presetSubtype="0" fill="hold" nodeType="withEffect">
+                                  <p:stCondLst>
+                                    <p:cond delay="1250"/>
+                                  </p:stCondLst>
+                                  <p:childTnLst>
+                                    <p:set>
+                                      <p:cBhvr>
+                                        <p:cTn id="46" dur="1" fill="hold">
+                                          <p:stCondLst>
+                                            <p:cond delay="0"/>
+                                          </p:stCondLst>
+                                        </p:cTn>
+                                        <p:tgtEl>
+                                          <p:spTgt spid="30"/>
+                                        </p:tgtEl>
+                                        <p:attrNameLst>
+                                          <p:attrName>style.visibility</p:attrName>
+                                        </p:attrNameLst>
+                                      </p:cBhvr>
+                                      <p:to>
+                                        <p:strVal val="hidden"/>
+                                      </p:to>
+                                    </p:set>
+                                  </p:childTnLst>
+                                </p:cTn>
+                              </p:par>
+                              <p:par>
+                                <p:cTn id="47" presetID="2" presetClass="exit" presetSubtype="2" fill="hold" nodeType="withEffect">
+                                  <p:stCondLst>
+                                    <p:cond delay="1000"/>
+                                  </p:stCondLst>
+                                  <p:childTnLst>
+                                    <p:anim calcmode="lin" valueType="num">
+                                      <p:cBhvr additive="base">
+                                        <p:cTn id="48" dur="500"/>
+                                        <p:tgtEl>
+                                          <p:spTgt spid="28"/>
+                                        </p:tgtEl>
+                                        <p:attrNameLst>
+                                          <p:attrName>ppt_x</p:attrName>
+                                        </p:attrNameLst>
+                                      </p:cBhvr>
+                                      <p:tavLst>
+                                        <p:tav tm="0">
+                                          <p:val>
+                                            <p:strVal val="ppt_x"/>
+                                          </p:val>
+                                        </p:tav>
+                                        <p:tav tm="100000">
+                                          <p:val>
+                                            <p:strVal val="1+ppt_w/2"/>
+                                          </p:val>
+                                        </p:tav>
+                                      </p:tavLst>
+                                    </p:anim>
+                                    <p:anim calcmode="lin" valueType="num">
+                                      <p:cBhvr additive="base">
+                                        <p:cTn id="49" dur="500"/>
+                                        <p:tgtEl>
+                                          <p:spTgt spid="28"/>
+                                        </p:tgtEl>
+                                        <p:attrNameLst>
+                                          <p:attrName>ppt_y</p:attrName>
+                                        </p:attrNameLst>
+                                      </p:cBhvr>
+                                      <p:tavLst>
+                                        <p:tav tm="0">
+                                          <p:val>
+                                            <p:strVal val="ppt_y"/>
+                                          </p:val>
+                                        </p:tav>
+                                        <p:tav tm="100000">
+                                          <p:val>
+                                            <p:strVal val="ppt_y"/>
+                                          </p:val>
+                                        </p:tav>
+                                      </p:tavLst>
+                                    </p:anim>
+                                    <p:set>
+                                      <p:cBhvr>
+                                        <p:cTn id="50" dur="1" fill="hold">
+                                          <p:stCondLst>
+                                            <p:cond delay="499"/>
+                                          </p:stCondLst>
+                                        </p:cTn>
+                                        <p:tgtEl>
+                                          <p:spTgt spid="28"/>
+                                        </p:tgtEl>
+                                        <p:attrNameLst>
+                                          <p:attrName>style.visibility</p:attrName>
+                                        </p:attrNameLst>
+                                      </p:cBhvr>
+                                      <p:to>
+                                        <p:strVal val="hidden"/>
+                                      </p:to>
+                                    </p:set>
+                                  </p:childTnLst>
+                                </p:cTn>
+                              </p:par>
+                              <p:par>
+                                <p:cTn id="51" presetID="1" presetClass="entr" presetSubtype="0" fill="hold" grpId="0" nodeType="withEffect">
+                                  <p:stCondLst>
+                                    <p:cond delay="1250"/>
+                                  </p:stCondLst>
+                                  <p:childTnLst>
+                                    <p:set>
+                                      <p:cBhvr>
+                                        <p:cTn id="52" dur="1" fill="hold">
+                                          <p:stCondLst>
+                                            <p:cond delay="0"/>
+                                          </p:stCondLst>
+                                        </p:cTn>
+                                        <p:tgtEl>
+                                          <p:spTgt spid="31"/>
+                                        </p:tgtEl>
+                                        <p:attrNameLst>
+                                          <p:attrName>style.visibility</p:attrName>
+                                        </p:attrNameLst>
+                                      </p:cBhvr>
+                                      <p:to>
+                                        <p:strVal val="visible"/>
+                                      </p:to>
+                                    </p:set>
+                                  </p:childTnLst>
+                                </p:cTn>
+                              </p:par>
+                              <p:par>
+                                <p:cTn id="53" presetID="10" presetClass="exit" presetSubtype="0" fill="hold" grpId="1" nodeType="withEffect">
+                                  <p:stCondLst>
+                                    <p:cond delay="500"/>
+                                  </p:stCondLst>
+                                  <p:childTnLst>
+                                    <p:animEffect transition="out" filter="fade">
+                                      <p:cBhvr>
+                                        <p:cTn id="54" dur="500"/>
+                                        <p:tgtEl>
+                                          <p:spTgt spid="32"/>
+                                        </p:tgtEl>
+                                      </p:cBhvr>
+                                    </p:animEffect>
+                                    <p:set>
+                                      <p:cBhvr>
+                                        <p:cTn id="55" dur="1" fill="hold">
+                                          <p:stCondLst>
+                                            <p:cond delay="499"/>
+                                          </p:stCondLst>
+                                        </p:cTn>
+                                        <p:tgtEl>
+                                          <p:spTgt spid="32"/>
+                                        </p:tgtEl>
+                                        <p:attrNameLst>
+                                          <p:attrName>style.visibility</p:attrName>
+                                        </p:attrNameLst>
+                                      </p:cBhvr>
+                                      <p:to>
+                                        <p:strVal val="hidden"/>
+                                      </p:to>
+                                    </p:set>
+                                  </p:childTnLst>
+                                </p:cTn>
+                              </p:par>
+                              <p:par>
+                                <p:cTn id="56" presetID="10" presetClass="exit" presetSubtype="0" fill="hold" grpId="1" nodeType="withEffect">
+                                  <p:stCondLst>
+                                    <p:cond delay="500"/>
+                                  </p:stCondLst>
+                                  <p:childTnLst>
+                                    <p:animEffect transition="out" filter="fade">
+                                      <p:cBhvr>
+                                        <p:cTn id="57" dur="500"/>
+                                        <p:tgtEl>
+                                          <p:spTgt spid="33"/>
+                                        </p:tgtEl>
+                                      </p:cBhvr>
+                                    </p:animEffect>
+                                    <p:set>
+                                      <p:cBhvr>
+                                        <p:cTn id="58" dur="1" fill="hold">
+                                          <p:stCondLst>
+                                            <p:cond delay="499"/>
+                                          </p:stCondLst>
+                                        </p:cTn>
+                                        <p:tgtEl>
+                                          <p:spTgt spid="33"/>
+                                        </p:tgtEl>
+                                        <p:attrNameLst>
+                                          <p:attrName>style.visibility</p:attrName>
+                                        </p:attrNameLst>
+                                      </p:cBhvr>
+                                      <p:to>
+                                        <p:strVal val="hidden"/>
+                                      </p:to>
+                                    </p:set>
+                                  </p:childTnLst>
+                                </p:cTn>
+                              </p:par>
+                            </p:childTnLst>
+                          </p:cTn>
+                        </p:par>
+                      </p:childTnLst>
+                    </p:cTn>
+                  </p:par>
+                </p:childTnLst>
+              </p:cTn>
+              <p:prevCondLst>
+                <p:cond evt="onPrev" delay="0">
+                  <p:tgtEl>
+                    <p:sldTgt/>
+                  </p:tgtEl>
+                </p:cond>
+              </p:prevCondLst>
+              <p:nextCondLst>
+                <p:cond evt="onNext" delay="0">
+                  <p:tgtEl>
+                    <p:sldTgt/>
+                  </p:tgtEl>
+                </p:cond>
+              </p:nextCondLst>
+            </p:seq>
+          </p:childTnLst>
+        </p:cTn>
+      </p:par>
+    </p:tnLst>
+    <p:bldLst>
+      <p:bldP spid="31" grpId="0"/>
+      <p:bldP spid="32" grpId="0" animBg="1"/>
+      <p:bldP spid="32" grpId="1" animBg="1"/>
+      <p:bldP spid="33" grpId="0" animBg="1"/>
+      <p:bldP spid="33" grpId="1" animBg="1"/>
+    </p:bldLst>
+  </p:timing>
 </p:sld>
 </file>
 
 <file path=ppt/slides/slide5.xml><?xml version="1.0" encoding="utf-8"?>
 <p:sld xmlns:a="http://schemas.openxmlformats.org/drawingml/2006/main" xmlns:r="http://schemas.openxmlformats.org/officeDocument/2006/relationships" xmlns:p="http://schemas.openxmlformats.org/presentationml/2006/main">
   <p:cSld>
+    <p:bg>
+      <p:bgPr>
+        <a:gradFill flip="none" rotWithShape="1">
+          <a:gsLst>
+            <a:gs pos="0">
+              <a:schemeClr val="accent4">
+                <a:lumMod val="5000"/>
+                <a:lumOff val="95000"/>
+              </a:schemeClr>
+            </a:gs>
+            <a:gs pos="74000">
+              <a:schemeClr val="accent4">
+                <a:lumMod val="45000"/>
+                <a:lumOff val="55000"/>
+              </a:schemeClr>
+            </a:gs>
+            <a:gs pos="83000">
+              <a:schemeClr val="accent4">
+                <a:lumMod val="45000"/>
+                <a:lumOff val="55000"/>
+              </a:schemeClr>
+            </a:gs>
+            <a:gs pos="100000">
+              <a:schemeClr val="accent4">
+                <a:lumMod val="30000"/>
+                <a:lumOff val="70000"/>
+              </a:schemeClr>
+            </a:gs>
+          </a:gsLst>
+          <a:lin ang="5400000" scaled="1"/>
+          <a:tileRect/>
+        </a:gradFill>
+        <a:effectLst/>
+      </p:bgPr>
+    </p:bg>
     <p:spTree>
       <p:nvGrpSpPr>
         <p:cNvPr id="1" name=""/>
@@ -12084,12 +15509,50 @@
   <p:clrMapOvr>
     <a:masterClrMapping/>
   </p:clrMapOvr>
+  <p:transition spd="slow">
+    <p:fade thruBlk="1"/>
+  </p:transition>
 </p:sld>
 </file>
 
 <file path=ppt/slides/slide6.xml><?xml version="1.0" encoding="utf-8"?>
 <p:sld xmlns:a="http://schemas.openxmlformats.org/drawingml/2006/main" xmlns:r="http://schemas.openxmlformats.org/officeDocument/2006/relationships" xmlns:p="http://schemas.openxmlformats.org/presentationml/2006/main">
   <p:cSld>
+    <p:bg>
+      <p:bgPr>
+        <a:gradFill flip="none" rotWithShape="1">
+          <a:gsLst>
+            <a:gs pos="0">
+              <a:schemeClr val="accent4">
+                <a:lumMod val="5000"/>
+                <a:lumOff val="95000"/>
+              </a:schemeClr>
+            </a:gs>
+            <a:gs pos="74000">
+              <a:schemeClr val="accent4">
+                <a:lumMod val="45000"/>
+                <a:lumOff val="55000"/>
+              </a:schemeClr>
+            </a:gs>
+            <a:gs pos="83000">
+              <a:schemeClr val="accent4">
+                <a:lumMod val="45000"/>
+                <a:lumOff val="55000"/>
+              </a:schemeClr>
+            </a:gs>
+            <a:gs pos="100000">
+              <a:schemeClr val="accent4">
+                <a:lumMod val="30000"/>
+                <a:lumOff val="70000"/>
+              </a:schemeClr>
+            </a:gs>
+          </a:gsLst>
+          <a:lin ang="5400000" scaled="1"/>
+          <a:tileRect/>
+        </a:gradFill>
+        <a:effectLst/>
+      </p:bgPr>
+    </p:bg>
     <p:spTree>
       <p:nvGrpSpPr>
         <p:cNvPr id="1" name=""/>
@@ -12180,6 +15643,41 @@
 <file path=ppt/slides/slide7.xml><?xml version="1.0" encoding="utf-8"?>
 <p:sld xmlns:a="http://schemas.openxmlformats.org/drawingml/2006/main" xmlns:r="http://schemas.openxmlformats.org/officeDocument/2006/relationships" xmlns:p="http://schemas.openxmlformats.org/presentationml/2006/main">
   <p:cSld>
+    <p:bg>
+      <p:bgPr>
+        <a:gradFill flip="none" rotWithShape="1">
+          <a:gsLst>
+            <a:gs pos="0">
+              <a:schemeClr val="accent4">
+                <a:lumMod val="5000"/>
+                <a:lumOff val="95000"/>
+              </a:schemeClr>
+            </a:gs>
+            <a:gs pos="74000">
+              <a:schemeClr val="accent4">
+                <a:lumMod val="45000"/>
+                <a:lumOff val="55000"/>
+              </a:schemeClr>
+            </a:gs>
+            <a:gs pos="83000">
+              <a:schemeClr val="accent4">
+                <a:lumMod val="45000"/>
+                <a:lumOff val="55000"/>
+              </a:schemeClr>
+            </a:gs>
+            <a:gs pos="100000">
+              <a:schemeClr val="accent4">
+                <a:lumMod val="30000"/>
+                <a:lumOff val="70000"/>
+              </a:schemeClr>
+            </a:gs>
+          </a:gsLst>
+          <a:lin ang="5400000" scaled="1"/>
+          <a:tileRect/>
+        </a:gradFill>
+        <a:effectLst/>
+      </p:bgPr>
+    </p:bg>
     <p:spTree>
       <p:nvGrpSpPr>
         <p:cNvPr id="1" name=""/>
@@ -12251,6 +15749,42 @@
           </a:p>
         </p:txBody>
       </p:sp>
+      <p:pic>
+        <p:nvPicPr>
+          <p:cNvPr id="4" name="Picture 3">
+            <a:extLst>
+              <a:ext uri="{FF2B5EF4-FFF2-40B4-BE49-F238E27FC236}">
+                <a16:creationId xmlns:a16="http://schemas.microsoft.com/office/drawing/2014/main" id="{06707F3B-FC99-4861-BD5C-09EEA446041D}"/>
+              </a:ext>
+            </a:extLst>
+          </p:cNvPr>
+          <p:cNvPicPr/>
+          <p:nvPr/>
+        </p:nvPicPr>
+        <p:blipFill>
+          <a:blip r:embed="rId3" cstate="print">
+            <a:extLst>
+              <a:ext uri="{28A0092B-C50C-407E-A947-70E740481C1C}">
+                <a14:useLocalDpi xmlns:a14="http://schemas.microsoft.com/office/drawing/2010/main" val="0"/>
+              </a:ext>
+            </a:extLst>
+          </a:blip>
+          <a:srcRect/>
+          <a:stretch>
+            <a:fillRect/>
+          </a:stretch>
+        </p:blipFill>
+        <p:spPr bwMode="auto">
+          <a:xfrm>
+            <a:off x="4244621" y="4387645"/>
+            <a:ext cx="3702132" cy="2304589"/>
+          </a:xfrm>
+          <a:prstGeom prst="rect">
+            <a:avLst/>
+          </a:prstGeom>
+          <a:noFill/>
+        </p:spPr>
+      </p:pic>
     </p:spTree>
     <p:extLst>
       <p:ext uri="{BB962C8B-B14F-4D97-AF65-F5344CB8AC3E}">
@@ -12267,6 +15801,41 @@
 <file path=ppt/slides/slide8.xml><?xml version="1.0" encoding="utf-8"?>
 <p:sld xmlns:a="http://schemas.openxmlformats.org/drawingml/2006/main" xmlns:r="http://schemas.openxmlformats.org/officeDocument/2006/relationships" xmlns:p="http://schemas.openxmlformats.org/presentationml/2006/main">
   <p:cSld>
+    <p:bg>
+      <p:bgPr>
+        <a:gradFill flip="none" rotWithShape="1">
+          <a:gsLst>
+            <a:gs pos="0">
+              <a:schemeClr val="accent4">
+                <a:lumMod val="5000"/>
+                <a:lumOff val="95000"/>
+              </a:schemeClr>
+            </a:gs>
+            <a:gs pos="74000">
+              <a:schemeClr val="accent4">
+                <a:lumMod val="45000"/>
+                <a:lumOff val="55000"/>
+              </a:schemeClr>
+            </a:gs>
+            <a:gs pos="83000">
+              <a:schemeClr val="accent4">
+                <a:lumMod val="45000"/>
+                <a:lumOff val="55000"/>
+              </a:schemeClr>
+            </a:gs>
+            <a:gs pos="100000">
+              <a:schemeClr val="accent4">
+                <a:lumMod val="30000"/>
+                <a:lumOff val="70000"/>
+              </a:schemeClr>
+            </a:gs>
+          </a:gsLst>
+          <a:lin ang="5400000" scaled="1"/>
+          <a:tileRect/>
+        </a:gradFill>
+        <a:effectLst/>
+      </p:bgPr>
+    </p:bg>
     <p:spTree>
       <p:nvGrpSpPr>
         <p:cNvPr id="1" name=""/>
@@ -12281,6 +15850,78 @@
           <a:chExt cx="0" cy="0"/>
         </a:xfrm>
       </p:grpSpPr>
+      <p:pic>
+        <p:nvPicPr>
+          <p:cNvPr id="40" name="Picture 39">
+            <a:extLst>
+              <a:ext uri="{FF2B5EF4-FFF2-40B4-BE49-F238E27FC236}">
+                <a16:creationId xmlns:a16="http://schemas.microsoft.com/office/drawing/2014/main" id="{EE1F24ED-9CEA-4F65-943B-1C4117CEB0F7}"/>
+              </a:ext>
+            </a:extLst>
+          </p:cNvPr>
+          <p:cNvPicPr/>
+          <p:nvPr/>
+        </p:nvPicPr>
+        <p:blipFill>
+          <a:blip r:embed="rId3" cstate="print">
+            <a:extLst>
+              <a:ext uri="{28A0092B-C50C-407E-A947-70E740481C1C}">
+                <a14:useLocalDpi xmlns:a14="http://schemas.microsoft.com/office/drawing/2010/main" val="0"/>
+              </a:ext>
+            </a:extLst>
+          </a:blip>
+          <a:srcRect/>
+          <a:stretch>
+            <a:fillRect/>
+          </a:stretch>
+        </p:blipFill>
+        <p:spPr bwMode="auto">
+          <a:xfrm rot="10800000">
+            <a:off x="5133502" y="77432"/>
+            <a:ext cx="1920369" cy="1641558"/>
+          </a:xfrm>
+          <a:prstGeom prst="rect">
+            <a:avLst/>
+          </a:prstGeom>
+          <a:noFill/>
+        </p:spPr>
+      </p:pic>
+      <p:pic>
+        <p:nvPicPr>
+          <p:cNvPr id="38" name="Picture 37">
+            <a:extLst>
+              <a:ext uri="{FF2B5EF4-FFF2-40B4-BE49-F238E27FC236}">
+                <a16:creationId xmlns:a16="http://schemas.microsoft.com/office/drawing/2014/main" id="{8BD740D4-11A3-4B6C-97D9-CDC1FF5BADDC}"/>
+              </a:ext>
+            </a:extLst>
+          </p:cNvPr>
+          <p:cNvPicPr>
+            <a:picLocks noChangeAspect="1"/>
+          </p:cNvPicPr>
+          <p:nvPr/>
+        </p:nvPicPr>
+        <p:blipFill>
+          <a:blip r:embed="rId4">
+            <a:extLst>
+              <a:ext uri="{28A0092B-C50C-407E-A947-70E740481C1C}">
+                <a14:useLocalDpi xmlns:a14="http://schemas.microsoft.com/office/drawing/2010/main" val="0"/>
+              </a:ext>
+            </a:extLst>
+          </a:blip>
+          <a:stretch>
+            <a:fillRect/>
+          </a:stretch>
+        </p:blipFill>
+        <p:spPr>
+          <a:xfrm>
+            <a:off x="-4000" y="4450506"/>
+            <a:ext cx="12195374" cy="2407494"/>
+          </a:xfrm>
+          <a:prstGeom prst="rect">
+            <a:avLst/>
+          </a:prstGeom>
+        </p:spPr>
+      </p:pic>
       <p:sp>
         <p:nvSpPr>
           <p:cNvPr id="2" name="Title 1"/>
@@ -12304,48 +15945,849 @@
           </a:p>
         </p:txBody>
       </p:sp>
-      <p:sp>
-        <p:nvSpPr>
-          <p:cNvPr id="3" name="Content Placeholder 2"/>
-          <p:cNvSpPr>
-            <a:spLocks noGrp="1"/>
-          </p:cNvSpPr>
-          <p:nvPr>
-            <p:ph sz="quarter" idx="13"/>
-          </p:nvPr>
-        </p:nvSpPr>
-        <p:spPr/>
-        <p:txBody>
-          <a:bodyPr/>
+      <p:pic>
+        <p:nvPicPr>
+          <p:cNvPr id="5" name="Picture 4">
+            <a:extLst>
+              <a:ext uri="{FF2B5EF4-FFF2-40B4-BE49-F238E27FC236}">
+                <a16:creationId xmlns:a16="http://schemas.microsoft.com/office/drawing/2014/main" id="{70670A4E-AECF-4915-93F2-F5D3CD49BA3A}"/>
+              </a:ext>
+            </a:extLst>
+          </p:cNvPr>
+          <p:cNvPicPr>
+            <a:picLocks noChangeAspect="1"/>
+          </p:cNvPicPr>
+          <p:nvPr/>
+        </p:nvPicPr>
+        <p:blipFill>
+          <a:blip r:embed="rId5" cstate="print">
+            <a:extLst>
+              <a:ext uri="{28A0092B-C50C-407E-A947-70E740481C1C}">
+                <a14:useLocalDpi xmlns:a14="http://schemas.microsoft.com/office/drawing/2010/main" val="0"/>
+              </a:ext>
+            </a:extLst>
+          </a:blip>
+          <a:stretch>
+            <a:fillRect/>
+          </a:stretch>
+        </p:blipFill>
+        <p:spPr>
+          <a:xfrm>
+            <a:off x="0" y="5557705"/>
+            <a:ext cx="1300295" cy="1300295"/>
+          </a:xfrm>
+          <a:prstGeom prst="rect">
+            <a:avLst/>
+          </a:prstGeom>
+        </p:spPr>
+      </p:pic>
+      <p:pic>
+        <p:nvPicPr>
+          <p:cNvPr id="6" name="Picture 5">
+            <a:extLst>
+              <a:ext uri="{FF2B5EF4-FFF2-40B4-BE49-F238E27FC236}">
+                <a16:creationId xmlns:a16="http://schemas.microsoft.com/office/drawing/2014/main" id="{FADBF305-A664-4BFB-B3D1-AC72EA87C906}"/>
+              </a:ext>
+            </a:extLst>
+          </p:cNvPr>
+          <p:cNvPicPr>
+            <a:picLocks noChangeAspect="1"/>
+          </p:cNvPicPr>
+          <p:nvPr/>
+        </p:nvPicPr>
+        <p:blipFill>
+          <a:blip r:embed="rId5" cstate="print">
+            <a:extLst>
+              <a:ext uri="{28A0092B-C50C-407E-A947-70E740481C1C}">
+                <a14:useLocalDpi xmlns:a14="http://schemas.microsoft.com/office/drawing/2010/main" val="0"/>
+              </a:ext>
+            </a:extLst>
+          </a:blip>
+          <a:stretch>
+            <a:fillRect/>
+          </a:stretch>
+        </p:blipFill>
+        <p:spPr>
+          <a:xfrm flipH="1">
+            <a:off x="10891079" y="5557704"/>
+            <a:ext cx="1300295" cy="1300295"/>
+          </a:xfrm>
+          <a:prstGeom prst="rect">
+            <a:avLst/>
+          </a:prstGeom>
+        </p:spPr>
+      </p:pic>
+      <p:pic>
+        <p:nvPicPr>
+          <p:cNvPr id="8" name="Picture 7">
+            <a:extLst>
+              <a:ext uri="{FF2B5EF4-FFF2-40B4-BE49-F238E27FC236}">
+                <a16:creationId xmlns:a16="http://schemas.microsoft.com/office/drawing/2014/main" id="{FC1D4245-66CA-43EC-A24C-1B3293A3D5A4}"/>
+              </a:ext>
+            </a:extLst>
+          </p:cNvPr>
+          <p:cNvPicPr>
+            <a:picLocks noChangeAspect="1"/>
+          </p:cNvPicPr>
+          <p:nvPr/>
+        </p:nvPicPr>
+        <p:blipFill>
+          <a:blip r:embed="rId6" cstate="print">
+            <a:extLst>
+              <a:ext uri="{28A0092B-C50C-407E-A947-70E740481C1C}">
+                <a14:useLocalDpi xmlns:a14="http://schemas.microsoft.com/office/drawing/2010/main" val="0"/>
+              </a:ext>
+            </a:extLst>
+          </a:blip>
+          <a:stretch>
+            <a:fillRect/>
+          </a:stretch>
+        </p:blipFill>
+        <p:spPr>
+          <a:xfrm>
+            <a:off x="5375787" y="4960374"/>
+            <a:ext cx="1452716" cy="1452716"/>
+          </a:xfrm>
+          <a:prstGeom prst="rect">
+            <a:avLst/>
+          </a:prstGeom>
+        </p:spPr>
+      </p:pic>
+      <p:pic>
+        <p:nvPicPr>
+          <p:cNvPr id="10" name="Picture 9">
+            <a:extLst>
+              <a:ext uri="{FF2B5EF4-FFF2-40B4-BE49-F238E27FC236}">
+                <a16:creationId xmlns:a16="http://schemas.microsoft.com/office/drawing/2014/main" id="{1539456E-5EC9-4E70-80DE-8CF5AC00595B}"/>
+              </a:ext>
+            </a:extLst>
+          </p:cNvPr>
+          <p:cNvPicPr>
+            <a:picLocks noChangeAspect="1"/>
+          </p:cNvPicPr>
+          <p:nvPr/>
+        </p:nvPicPr>
+        <p:blipFill>
+          <a:blip r:embed="rId7" cstate="print">
+            <a:extLst>
+              <a:ext uri="{28A0092B-C50C-407E-A947-70E740481C1C}">
+                <a14:useLocalDpi xmlns:a14="http://schemas.microsoft.com/office/drawing/2010/main" val="0"/>
+              </a:ext>
+            </a:extLst>
+          </a:blip>
+          <a:stretch>
+            <a:fillRect/>
+          </a:stretch>
+        </p:blipFill>
+        <p:spPr>
+          <a:xfrm>
+            <a:off x="5577035" y="5209047"/>
+            <a:ext cx="1037303" cy="1037303"/>
+          </a:xfrm>
+          <a:prstGeom prst="rect">
+            <a:avLst/>
+          </a:prstGeom>
+        </p:spPr>
+      </p:pic>
+      <p:pic>
+        <p:nvPicPr>
+          <p:cNvPr id="12" name="Picture 11">
+            <a:extLst>
+              <a:ext uri="{FF2B5EF4-FFF2-40B4-BE49-F238E27FC236}">
+                <a16:creationId xmlns:a16="http://schemas.microsoft.com/office/drawing/2014/main" id="{912EF83C-1B31-4C14-829D-7199D8E885F1}"/>
+              </a:ext>
+            </a:extLst>
+          </p:cNvPr>
+          <p:cNvPicPr>
+            <a:picLocks noChangeAspect="1"/>
+          </p:cNvPicPr>
+          <p:nvPr/>
+        </p:nvPicPr>
+        <p:blipFill>
+          <a:blip r:embed="rId8" cstate="print">
+            <a:extLst>
+              <a:ext uri="{28A0092B-C50C-407E-A947-70E740481C1C}">
+                <a14:useLocalDpi xmlns:a14="http://schemas.microsoft.com/office/drawing/2010/main" val="0"/>
+              </a:ext>
+            </a:extLst>
+          </a:blip>
+          <a:stretch>
+            <a:fillRect/>
+          </a:stretch>
+        </p:blipFill>
+        <p:spPr>
+          <a:xfrm>
+            <a:off x="5506401" y="5134701"/>
+            <a:ext cx="1185993" cy="1185993"/>
+          </a:xfrm>
+          <a:prstGeom prst="rect">
+            <a:avLst/>
+          </a:prstGeom>
+        </p:spPr>
+      </p:pic>
+      <p:pic>
+        <p:nvPicPr>
+          <p:cNvPr id="14" name="Picture 13">
+            <a:extLst>
+              <a:ext uri="{FF2B5EF4-FFF2-40B4-BE49-F238E27FC236}">
+                <a16:creationId xmlns:a16="http://schemas.microsoft.com/office/drawing/2014/main" id="{329A61AB-9FA1-4B09-8AE9-86CD61658957}"/>
+              </a:ext>
+            </a:extLst>
+          </p:cNvPr>
+          <p:cNvPicPr>
+            <a:picLocks noChangeAspect="1"/>
+          </p:cNvPicPr>
+          <p:nvPr/>
+        </p:nvPicPr>
+        <p:blipFill>
+          <a:blip r:embed="rId9" cstate="print">
+            <a:extLst>
+              <a:ext uri="{28A0092B-C50C-407E-A947-70E740481C1C}">
+                <a14:useLocalDpi xmlns:a14="http://schemas.microsoft.com/office/drawing/2010/main" val="0"/>
+              </a:ext>
+            </a:extLst>
+          </a:blip>
+          <a:stretch>
+            <a:fillRect/>
+          </a:stretch>
+        </p:blipFill>
+        <p:spPr>
+          <a:xfrm flipH="1">
+            <a:off x="6763028" y="4715601"/>
+            <a:ext cx="746125" cy="1492250"/>
+          </a:xfrm>
+          <a:prstGeom prst="rect">
+            <a:avLst/>
+          </a:prstGeom>
+        </p:spPr>
+      </p:pic>
+      <p:pic>
+        <p:nvPicPr>
+          <p:cNvPr id="16" name="Picture 15">
+            <a:extLst>
+              <a:ext uri="{FF2B5EF4-FFF2-40B4-BE49-F238E27FC236}">
+                <a16:creationId xmlns:a16="http://schemas.microsoft.com/office/drawing/2014/main" id="{0A4E2316-2B5D-4481-BC8B-EF257E61737E}"/>
+              </a:ext>
+            </a:extLst>
+          </p:cNvPr>
+          <p:cNvPicPr>
+            <a:picLocks noChangeAspect="1"/>
+          </p:cNvPicPr>
+          <p:nvPr/>
+        </p:nvPicPr>
+        <p:blipFill>
+          <a:blip r:embed="rId10" cstate="print">
+            <a:extLst>
+              <a:ext uri="{28A0092B-C50C-407E-A947-70E740481C1C}">
+                <a14:useLocalDpi xmlns:a14="http://schemas.microsoft.com/office/drawing/2010/main" val="0"/>
+              </a:ext>
+            </a:extLst>
+          </a:blip>
+          <a:stretch>
+            <a:fillRect/>
+          </a:stretch>
+        </p:blipFill>
+        <p:spPr>
+          <a:xfrm flipH="1">
+            <a:off x="4702559" y="4741435"/>
+            <a:ext cx="733208" cy="1466415"/>
+          </a:xfrm>
+          <a:prstGeom prst="rect">
+            <a:avLst/>
+          </a:prstGeom>
+        </p:spPr>
+      </p:pic>
+      <p:pic>
+        <p:nvPicPr>
+          <p:cNvPr id="18" name="Picture 17">
+            <a:extLst>
+              <a:ext uri="{FF2B5EF4-FFF2-40B4-BE49-F238E27FC236}">
+                <a16:creationId xmlns:a16="http://schemas.microsoft.com/office/drawing/2014/main" id="{C6417213-4B2C-4B56-BF0A-994522B45141}"/>
+              </a:ext>
+            </a:extLst>
+          </p:cNvPr>
+          <p:cNvPicPr>
+            <a:picLocks noChangeAspect="1"/>
+          </p:cNvPicPr>
+          <p:nvPr/>
+        </p:nvPicPr>
+        <p:blipFill>
+          <a:blip r:embed="rId11" cstate="print">
+            <a:extLst>
+              <a:ext uri="{28A0092B-C50C-407E-A947-70E740481C1C}">
+                <a14:useLocalDpi xmlns:a14="http://schemas.microsoft.com/office/drawing/2010/main" val="0"/>
+              </a:ext>
+            </a:extLst>
+          </a:blip>
+          <a:stretch>
+            <a:fillRect/>
+          </a:stretch>
+        </p:blipFill>
+        <p:spPr>
+          <a:xfrm>
+            <a:off x="7579787" y="5064851"/>
+            <a:ext cx="1190625" cy="793750"/>
+          </a:xfrm>
+          <a:prstGeom prst="rect">
+            <a:avLst/>
+          </a:prstGeom>
+        </p:spPr>
+      </p:pic>
+      <p:pic>
+        <p:nvPicPr>
+          <p:cNvPr id="20" name="Picture 19">
+            <a:extLst>
+              <a:ext uri="{FF2B5EF4-FFF2-40B4-BE49-F238E27FC236}">
+                <a16:creationId xmlns:a16="http://schemas.microsoft.com/office/drawing/2014/main" id="{7CED2930-DC30-4648-BE8D-25490879512F}"/>
+              </a:ext>
+            </a:extLst>
+          </p:cNvPr>
+          <p:cNvPicPr>
+            <a:picLocks noChangeAspect="1"/>
+          </p:cNvPicPr>
+          <p:nvPr/>
+        </p:nvPicPr>
+        <p:blipFill>
+          <a:blip r:embed="rId12" cstate="print">
+            <a:extLst>
+              <a:ext uri="{28A0092B-C50C-407E-A947-70E740481C1C}">
+                <a14:useLocalDpi xmlns:a14="http://schemas.microsoft.com/office/drawing/2010/main" val="0"/>
+              </a:ext>
+            </a:extLst>
+          </a:blip>
+          <a:stretch>
+            <a:fillRect/>
+          </a:stretch>
+        </p:blipFill>
+        <p:spPr>
+          <a:xfrm>
+            <a:off x="3498735" y="5056052"/>
+            <a:ext cx="1203824" cy="802549"/>
+          </a:xfrm>
+          <a:prstGeom prst="rect">
+            <a:avLst/>
+          </a:prstGeom>
+        </p:spPr>
+      </p:pic>
+      <p:pic>
+        <p:nvPicPr>
+          <p:cNvPr id="22" name="Picture 21">
+            <a:extLst>
+              <a:ext uri="{FF2B5EF4-FFF2-40B4-BE49-F238E27FC236}">
+                <a16:creationId xmlns:a16="http://schemas.microsoft.com/office/drawing/2014/main" id="{B4195369-DE76-4FEF-964B-B34F4D3324FB}"/>
+              </a:ext>
+            </a:extLst>
+          </p:cNvPr>
+          <p:cNvPicPr>
+            <a:picLocks noChangeAspect="1"/>
+          </p:cNvPicPr>
+          <p:nvPr/>
+        </p:nvPicPr>
+        <p:blipFill>
+          <a:blip r:embed="rId13" cstate="print">
+            <a:extLst>
+              <a:ext uri="{28A0092B-C50C-407E-A947-70E740481C1C}">
+                <a14:useLocalDpi xmlns:a14="http://schemas.microsoft.com/office/drawing/2010/main" val="0"/>
+              </a:ext>
+            </a:extLst>
+          </a:blip>
+          <a:stretch>
+            <a:fillRect/>
+          </a:stretch>
+        </p:blipFill>
+        <p:spPr>
+          <a:xfrm>
+            <a:off x="8661176" y="4360499"/>
+            <a:ext cx="1464401" cy="1464401"/>
+          </a:xfrm>
+          <a:prstGeom prst="rect">
+            <a:avLst/>
+          </a:prstGeom>
+        </p:spPr>
+      </p:pic>
+      <p:pic>
+        <p:nvPicPr>
+          <p:cNvPr id="24" name="Picture 23">
+            <a:extLst>
+              <a:ext uri="{FF2B5EF4-FFF2-40B4-BE49-F238E27FC236}">
+                <a16:creationId xmlns:a16="http://schemas.microsoft.com/office/drawing/2014/main" id="{08031718-5C50-4518-BE9E-4BC2C8F55570}"/>
+              </a:ext>
+            </a:extLst>
+          </p:cNvPr>
+          <p:cNvPicPr>
+            <a:picLocks noChangeAspect="1"/>
+          </p:cNvPicPr>
+          <p:nvPr/>
+        </p:nvPicPr>
+        <p:blipFill>
+          <a:blip r:embed="rId14" cstate="print">
+            <a:extLst>
+              <a:ext uri="{28A0092B-C50C-407E-A947-70E740481C1C}">
+                <a14:useLocalDpi xmlns:a14="http://schemas.microsoft.com/office/drawing/2010/main" val="0"/>
+              </a:ext>
+            </a:extLst>
+          </a:blip>
+          <a:stretch>
+            <a:fillRect/>
+          </a:stretch>
+        </p:blipFill>
+        <p:spPr>
+          <a:xfrm>
+            <a:off x="2324946" y="4871903"/>
+            <a:ext cx="1103155" cy="919296"/>
+          </a:xfrm>
+          <a:prstGeom prst="rect">
+            <a:avLst/>
+          </a:prstGeom>
+        </p:spPr>
+      </p:pic>
+      <p:pic>
+        <p:nvPicPr>
+          <p:cNvPr id="26" name="Picture 25">
+            <a:extLst>
+              <a:ext uri="{FF2B5EF4-FFF2-40B4-BE49-F238E27FC236}">
+                <a16:creationId xmlns:a16="http://schemas.microsoft.com/office/drawing/2014/main" id="{A4CB2E54-375A-43D6-9093-8C03F84D7B07}"/>
+              </a:ext>
+            </a:extLst>
+          </p:cNvPr>
+          <p:cNvPicPr>
+            <a:picLocks noChangeAspect="1"/>
+          </p:cNvPicPr>
+          <p:nvPr/>
+        </p:nvPicPr>
+        <p:blipFill>
+          <a:blip r:embed="rId15" cstate="print">
+            <a:extLst>
+              <a:ext uri="{28A0092B-C50C-407E-A947-70E740481C1C}">
+                <a14:useLocalDpi xmlns:a14="http://schemas.microsoft.com/office/drawing/2010/main" val="0"/>
+              </a:ext>
+            </a:extLst>
+          </a:blip>
+          <a:stretch>
+            <a:fillRect/>
+          </a:stretch>
+        </p:blipFill>
+        <p:spPr>
+          <a:xfrm>
+            <a:off x="11148259" y="5193459"/>
+            <a:ext cx="1044959" cy="522480"/>
+          </a:xfrm>
+          <a:prstGeom prst="rect">
+            <a:avLst/>
+          </a:prstGeom>
+        </p:spPr>
+      </p:pic>
+      <p:pic>
+        <p:nvPicPr>
+          <p:cNvPr id="28" name="Picture 27">
+            <a:extLst>
+              <a:ext uri="{FF2B5EF4-FFF2-40B4-BE49-F238E27FC236}">
+                <a16:creationId xmlns:a16="http://schemas.microsoft.com/office/drawing/2014/main" id="{1579EFF4-29C8-4F35-9B42-122D75EFF7E0}"/>
+              </a:ext>
+            </a:extLst>
+          </p:cNvPr>
+          <p:cNvPicPr>
+            <a:picLocks noChangeAspect="1"/>
+          </p:cNvPicPr>
+          <p:nvPr/>
+        </p:nvPicPr>
+        <p:blipFill>
+          <a:blip r:embed="rId16" cstate="print">
+            <a:extLst>
+              <a:ext uri="{28A0092B-C50C-407E-A947-70E740481C1C}">
+                <a14:useLocalDpi xmlns:a14="http://schemas.microsoft.com/office/drawing/2010/main" val="0"/>
+              </a:ext>
+            </a:extLst>
+          </a:blip>
+          <a:stretch>
+            <a:fillRect/>
+          </a:stretch>
+        </p:blipFill>
+        <p:spPr>
+          <a:xfrm>
+            <a:off x="-107239" y="5162378"/>
+            <a:ext cx="1128252" cy="564126"/>
+          </a:xfrm>
+          <a:prstGeom prst="rect">
+            <a:avLst/>
+          </a:prstGeom>
+        </p:spPr>
+      </p:pic>
+      <p:pic>
+        <p:nvPicPr>
+          <p:cNvPr id="30" name="Picture 29">
+            <a:extLst>
+              <a:ext uri="{FF2B5EF4-FFF2-40B4-BE49-F238E27FC236}">
+                <a16:creationId xmlns:a16="http://schemas.microsoft.com/office/drawing/2014/main" id="{7AE923C5-1B33-4135-9FA6-549E7660155E}"/>
+              </a:ext>
+            </a:extLst>
+          </p:cNvPr>
+          <p:cNvPicPr>
+            <a:picLocks noChangeAspect="1"/>
+          </p:cNvPicPr>
+          <p:nvPr/>
+        </p:nvPicPr>
+        <p:blipFill>
+          <a:blip r:embed="rId17" cstate="print">
+            <a:extLst>
+              <a:ext uri="{28A0092B-C50C-407E-A947-70E740481C1C}">
+                <a14:useLocalDpi xmlns:a14="http://schemas.microsoft.com/office/drawing/2010/main" val="0"/>
+              </a:ext>
+            </a:extLst>
+          </a:blip>
+          <a:stretch>
+            <a:fillRect/>
+          </a:stretch>
+        </p:blipFill>
+        <p:spPr>
+          <a:xfrm flipH="1">
+            <a:off x="1273770" y="5034124"/>
+            <a:ext cx="1648953" cy="1648953"/>
+          </a:xfrm>
+          <a:prstGeom prst="rect">
+            <a:avLst/>
+          </a:prstGeom>
+        </p:spPr>
+      </p:pic>
+      <p:pic>
+        <p:nvPicPr>
+          <p:cNvPr id="32" name="Picture 31">
+            <a:extLst>
+              <a:ext uri="{FF2B5EF4-FFF2-40B4-BE49-F238E27FC236}">
+                <a16:creationId xmlns:a16="http://schemas.microsoft.com/office/drawing/2014/main" id="{73B1FF3E-85A2-453C-9AA8-608A3D6C3046}"/>
+              </a:ext>
+            </a:extLst>
+          </p:cNvPr>
+          <p:cNvPicPr>
+            <a:picLocks noChangeAspect="1"/>
+          </p:cNvPicPr>
+          <p:nvPr/>
+        </p:nvPicPr>
+        <p:blipFill>
+          <a:blip r:embed="rId18" cstate="print">
+            <a:extLst>
+              <a:ext uri="{28A0092B-C50C-407E-A947-70E740481C1C}">
+                <a14:useLocalDpi xmlns:a14="http://schemas.microsoft.com/office/drawing/2010/main" val="0"/>
+              </a:ext>
+            </a:extLst>
+          </a:blip>
+          <a:stretch>
+            <a:fillRect/>
+          </a:stretch>
+        </p:blipFill>
+        <p:spPr>
+          <a:xfrm>
+            <a:off x="9498235" y="4966154"/>
+            <a:ext cx="1231042" cy="1520699"/>
+          </a:xfrm>
+          <a:prstGeom prst="rect">
+            <a:avLst/>
+          </a:prstGeom>
+        </p:spPr>
+      </p:pic>
+      <p:pic>
+        <p:nvPicPr>
+          <p:cNvPr id="34" name="Picture 33">
+            <a:extLst>
+              <a:ext uri="{FF2B5EF4-FFF2-40B4-BE49-F238E27FC236}">
+                <a16:creationId xmlns:a16="http://schemas.microsoft.com/office/drawing/2014/main" id="{06C8875E-8623-4163-9F2A-6ED9551842AC}"/>
+              </a:ext>
+            </a:extLst>
+          </p:cNvPr>
+          <p:cNvPicPr>
+            <a:picLocks noChangeAspect="1"/>
+          </p:cNvPicPr>
+          <p:nvPr/>
+        </p:nvPicPr>
+        <p:blipFill>
+          <a:blip r:embed="rId19" cstate="print">
+            <a:extLst>
+              <a:ext uri="{28A0092B-C50C-407E-A947-70E740481C1C}">
+                <a14:useLocalDpi xmlns:a14="http://schemas.microsoft.com/office/drawing/2010/main" val="0"/>
+              </a:ext>
+            </a:extLst>
+          </a:blip>
+          <a:stretch>
+            <a:fillRect/>
+          </a:stretch>
+        </p:blipFill>
+        <p:spPr>
+          <a:xfrm>
+            <a:off x="-4000" y="0"/>
+            <a:ext cx="1211804" cy="1211804"/>
+          </a:xfrm>
+          <a:prstGeom prst="rect">
+            <a:avLst/>
+          </a:prstGeom>
+        </p:spPr>
+      </p:pic>
+      <p:pic>
+        <p:nvPicPr>
+          <p:cNvPr id="36" name="Picture 35">
+            <a:extLst>
+              <a:ext uri="{FF2B5EF4-FFF2-40B4-BE49-F238E27FC236}">
+                <a16:creationId xmlns:a16="http://schemas.microsoft.com/office/drawing/2014/main" id="{41350DA3-BE22-4C3E-B7F3-E2293D19A4DD}"/>
+              </a:ext>
+            </a:extLst>
+          </p:cNvPr>
+          <p:cNvPicPr>
+            <a:picLocks noChangeAspect="1"/>
+          </p:cNvPicPr>
+          <p:nvPr/>
+        </p:nvPicPr>
+        <p:blipFill>
+          <a:blip r:embed="rId20" cstate="print">
+            <a:extLst>
+              <a:ext uri="{28A0092B-C50C-407E-A947-70E740481C1C}">
+                <a14:useLocalDpi xmlns:a14="http://schemas.microsoft.com/office/drawing/2010/main" val="0"/>
+              </a:ext>
+            </a:extLst>
+          </a:blip>
+          <a:stretch>
+            <a:fillRect/>
+          </a:stretch>
+        </p:blipFill>
+        <p:spPr>
+          <a:xfrm>
+            <a:off x="10982634" y="2438"/>
+            <a:ext cx="1209366" cy="1209366"/>
+          </a:xfrm>
+          <a:prstGeom prst="rect">
+            <a:avLst/>
+          </a:prstGeom>
+        </p:spPr>
+      </p:pic>
+      <p:pic>
+        <p:nvPicPr>
+          <p:cNvPr id="42" name="Picture 41">
+            <a:extLst>
+              <a:ext uri="{FF2B5EF4-FFF2-40B4-BE49-F238E27FC236}">
+                <a16:creationId xmlns:a16="http://schemas.microsoft.com/office/drawing/2014/main" id="{F9F885B3-7F4E-4469-B73A-ECDE290B902C}"/>
+              </a:ext>
+            </a:extLst>
+          </p:cNvPr>
+          <p:cNvPicPr/>
+          <p:nvPr/>
+        </p:nvPicPr>
+        <p:blipFill>
+          <a:blip r:embed="rId21" cstate="print">
+            <a:extLst>
+              <a:ext uri="{28A0092B-C50C-407E-A947-70E740481C1C}">
+                <a14:useLocalDpi xmlns:a14="http://schemas.microsoft.com/office/drawing/2010/main" val="0"/>
+              </a:ext>
+            </a:extLst>
+          </a:blip>
+          <a:srcRect/>
+          <a:stretch>
+            <a:fillRect/>
+          </a:stretch>
+        </p:blipFill>
+        <p:spPr bwMode="auto">
+          <a:xfrm>
+            <a:off x="46729" y="1795422"/>
+            <a:ext cx="1989540" cy="2647797"/>
+          </a:xfrm>
+          <a:prstGeom prst="rect">
+            <a:avLst/>
+          </a:prstGeom>
+          <a:noFill/>
+        </p:spPr>
+      </p:pic>
+      <p:pic>
+        <p:nvPicPr>
+          <p:cNvPr id="43" name="Picture 42">
+            <a:extLst>
+              <a:ext uri="{FF2B5EF4-FFF2-40B4-BE49-F238E27FC236}">
+                <a16:creationId xmlns:a16="http://schemas.microsoft.com/office/drawing/2014/main" id="{BBACEFBE-20E9-4735-B87F-09B177F444ED}"/>
+              </a:ext>
+            </a:extLst>
+          </p:cNvPr>
+          <p:cNvPicPr/>
+          <p:nvPr/>
+        </p:nvPicPr>
+        <p:blipFill>
+          <a:blip r:embed="rId22" cstate="print">
+            <a:extLst>
+              <a:ext uri="{28A0092B-C50C-407E-A947-70E740481C1C}">
+                <a14:useLocalDpi xmlns:a14="http://schemas.microsoft.com/office/drawing/2010/main" val="0"/>
+              </a:ext>
+            </a:extLst>
+          </a:blip>
+          <a:srcRect/>
+          <a:stretch>
+            <a:fillRect/>
+          </a:stretch>
+        </p:blipFill>
+        <p:spPr bwMode="auto">
+          <a:xfrm>
+            <a:off x="10050653" y="1730814"/>
+            <a:ext cx="2080520" cy="2713113"/>
+          </a:xfrm>
+          <a:prstGeom prst="rect">
+            <a:avLst/>
+          </a:prstGeom>
+          <a:noFill/>
+        </p:spPr>
+      </p:pic>
+      <p:sp>
+        <p:nvSpPr>
+          <p:cNvPr id="44" name="TextBox 43">
+            <a:extLst>
+              <a:ext uri="{FF2B5EF4-FFF2-40B4-BE49-F238E27FC236}">
+                <a16:creationId xmlns:a16="http://schemas.microsoft.com/office/drawing/2014/main" id="{A31CBAB5-C5A2-4113-A9A4-1F64103D47C2}"/>
+              </a:ext>
+            </a:extLst>
+          </p:cNvPr>
+          <p:cNvSpPr txBox="1"/>
+          <p:nvPr/>
+        </p:nvSpPr>
+        <p:spPr>
+          <a:xfrm>
+            <a:off x="2036269" y="1618357"/>
+            <a:ext cx="8014384" cy="3139321"/>
+          </a:xfrm>
+          <a:prstGeom prst="rect">
+            <a:avLst/>
+          </a:prstGeom>
+        </p:spPr>
+        <p:style>
+          <a:lnRef idx="2">
+            <a:schemeClr val="dk1"/>
+          </a:lnRef>
+          <a:fillRef idx="1">
+            <a:schemeClr val="lt1"/>
+          </a:fillRef>
+          <a:effectRef idx="0">
+            <a:schemeClr val="dk1"/>
+          </a:effectRef>
+          <a:fontRef idx="minor">
+            <a:schemeClr val="dk1"/>
+          </a:fontRef>
+        </p:style>
+        <p:txBody>
+          <a:bodyPr wrap="square" rtlCol="0">
+            <a:spAutoFit/>
+          </a:bodyPr>
           <a:lstStyle/>
           <a:p>
+            <a:pPr marL="285750" indent="-285750">
+              <a:buFont typeface="Arial" panose="020B0604020202020204" pitchFamily="34" charset="0"/>
+              <a:buChar char="•"/>
+            </a:pPr>
             <a:r>
               <a:rPr lang="en-GB" dirty="0"/>
-              <a:t>[Display images of the various block, enemy and player images]</a:t>
-            </a:r>
-          </a:p>
-          <a:p>
+              <a:t>The Art Style that we have chosen for our game is Pixel Art, a style that is used in many old retro games and Indie games (Such as Sonic the Hedgehog [Sega, 1991] and Super Meat Boy [Team Meat, 2010]).</a:t>
+            </a:r>
+          </a:p>
+          <a:p>
+            <a:endParaRPr lang="en-GB" dirty="0"/>
+          </a:p>
+          <a:p>
+            <a:pPr marL="285750" indent="-285750">
+              <a:buFont typeface="Arial" panose="020B0604020202020204" pitchFamily="34" charset="0"/>
+              <a:buChar char="•"/>
+            </a:pPr>
             <a:r>
               <a:rPr lang="en-GB" dirty="0"/>
-              <a:t>[Talk about the style of artwork; why we choose to make 2D sprites, how they were made and what they were influenced by]</a:t>
-            </a:r>
-          </a:p>
-          <a:p>
+              <a:t>We decided on making 2D sprites for our game, because while sprites are easy to shape, a lot of detail and different animations can be produced quickly and efficiently thanks to this style.</a:t>
+            </a:r>
+          </a:p>
+          <a:p>
+            <a:endParaRPr lang="en-GB" dirty="0"/>
+          </a:p>
+          <a:p>
+            <a:pPr marL="285750" indent="-285750">
+              <a:buFont typeface="Arial" panose="020B0604020202020204" pitchFamily="34" charset="0"/>
+              <a:buChar char="•"/>
+            </a:pPr>
             <a:r>
               <a:rPr lang="en-GB" dirty="0"/>
-              <a:t>[Discuss software used – </a:t>
+              <a:t>The sprites you see before you are created using a program called, “</a:t>
             </a:r>
             <a:r>
               <a:rPr lang="en-GB" dirty="0" err="1"/>
-              <a:t>aseprite</a:t>
+              <a:t>Aseprite</a:t>
             </a:r>
             <a:r>
               <a:rPr lang="en-GB" dirty="0"/>
-              <a:t> – visuals of images on the slide]</a:t>
-            </a:r>
-          </a:p>
-        </p:txBody>
-      </p:sp>
+              <a:t>”, a purchasable software that you can download from ‘Steam’ that specializes in the creation of Pixel Art and Sprite Editing.</a:t>
+            </a:r>
+            <a:endParaRPr lang="en-US" dirty="0"/>
+          </a:p>
+        </p:txBody>
+      </p:sp>
+      <p:pic>
+        <p:nvPicPr>
+          <p:cNvPr id="47" name="Picture 46">
+            <a:extLst>
+              <a:ext uri="{FF2B5EF4-FFF2-40B4-BE49-F238E27FC236}">
+                <a16:creationId xmlns:a16="http://schemas.microsoft.com/office/drawing/2014/main" id="{7546EE64-F061-4FDD-9778-2057B5A85845}"/>
+              </a:ext>
+            </a:extLst>
+          </p:cNvPr>
+          <p:cNvPicPr>
+            <a:picLocks noChangeAspect="1"/>
+          </p:cNvPicPr>
+          <p:nvPr/>
+        </p:nvPicPr>
+        <p:blipFill>
+          <a:blip r:embed="rId23" cstate="print">
+            <a:extLst>
+              <a:ext uri="{28A0092B-C50C-407E-A947-70E740481C1C}">
+                <a14:useLocalDpi xmlns:a14="http://schemas.microsoft.com/office/drawing/2010/main" val="0"/>
+              </a:ext>
+            </a:extLst>
+          </a:blip>
+          <a:stretch>
+            <a:fillRect/>
+          </a:stretch>
+        </p:blipFill>
+        <p:spPr>
+          <a:xfrm>
+            <a:off x="7317842" y="266347"/>
+            <a:ext cx="1495449" cy="602407"/>
+          </a:xfrm>
+          <a:prstGeom prst="rect">
+            <a:avLst/>
+          </a:prstGeom>
+        </p:spPr>
+      </p:pic>
+      <p:pic>
+        <p:nvPicPr>
+          <p:cNvPr id="49" name="Picture 48">
+            <a:extLst>
+              <a:ext uri="{FF2B5EF4-FFF2-40B4-BE49-F238E27FC236}">
+                <a16:creationId xmlns:a16="http://schemas.microsoft.com/office/drawing/2014/main" id="{F4FA3A93-E952-4E31-867C-9FCBADAB5FB3}"/>
+              </a:ext>
+            </a:extLst>
+          </p:cNvPr>
+          <p:cNvPicPr>
+            <a:picLocks noChangeAspect="1"/>
+          </p:cNvPicPr>
+          <p:nvPr/>
+        </p:nvPicPr>
+        <p:blipFill>
+          <a:blip r:embed="rId24" cstate="print">
+            <a:extLst>
+              <a:ext uri="{28A0092B-C50C-407E-A947-70E740481C1C}">
+                <a14:useLocalDpi xmlns:a14="http://schemas.microsoft.com/office/drawing/2010/main" val="0"/>
+              </a:ext>
+            </a:extLst>
+          </a:blip>
+          <a:stretch>
+            <a:fillRect/>
+          </a:stretch>
+        </p:blipFill>
+        <p:spPr>
+          <a:xfrm>
+            <a:off x="8885014" y="260896"/>
+            <a:ext cx="2025896" cy="613308"/>
+          </a:xfrm>
+          <a:prstGeom prst="rect">
+            <a:avLst/>
+          </a:prstGeom>
+        </p:spPr>
+      </p:pic>
     </p:spTree>
     <p:extLst>
       <p:ext uri="{BB962C8B-B14F-4D97-AF65-F5344CB8AC3E}">
@@ -12356,12 +16798,472 @@
   <p:clrMapOvr>
     <a:masterClrMapping/>
   </p:clrMapOvr>
+  <mc:AlternateContent xmlns:mc="http://schemas.openxmlformats.org/markup-compatibility/2006">
+    <mc:Choice xmlns:p14="http://schemas.microsoft.com/office/powerpoint/2010/main" Requires="p14">
+      <p:transition spd="slow" p14:dur="1500">
+        <p:split orient="vert"/>
+      </p:transition>
+    </mc:Choice>
+    <mc:Fallback>
+      <p:transition spd="slow">
+        <p:split orient="vert"/>
+      </p:transition>
+    </mc:Fallback>
+  </mc:AlternateContent>
+  <p:timing>
+    <p:tnLst>
+      <p:par>
+        <p:cTn id="1" dur="indefinite" restart="never" nodeType="tmRoot">
+          <p:childTnLst>
+            <p:seq concurrent="1" nextAc="seek">
+              <p:cTn id="2" dur="indefinite" nodeType="mainSeq">
+                <p:childTnLst>
+                  <p:par>
+                    <p:cTn id="3" fill="hold">
+                      <p:stCondLst>
+                        <p:cond delay="indefinite"/>
+                      </p:stCondLst>
+                      <p:childTnLst>
+                        <p:par>
+                          <p:cTn id="4" fill="hold">
+                            <p:stCondLst>
+                              <p:cond delay="0"/>
+                            </p:stCondLst>
+                            <p:childTnLst>
+                              <p:par>
+                                <p:cTn id="5" presetID="14" presetClass="entr" presetSubtype="10" fill="hold" grpId="0" nodeType="clickEffect">
+                                  <p:stCondLst>
+                                    <p:cond delay="0"/>
+                                  </p:stCondLst>
+                                  <p:childTnLst>
+                                    <p:set>
+                                      <p:cBhvr>
+                                        <p:cTn id="6" dur="1" fill="hold">
+                                          <p:stCondLst>
+                                            <p:cond delay="0"/>
+                                          </p:stCondLst>
+                                        </p:cTn>
+                                        <p:tgtEl>
+                                          <p:spTgt spid="44"/>
+                                        </p:tgtEl>
+                                        <p:attrNameLst>
+                                          <p:attrName>style.visibility</p:attrName>
+                                        </p:attrNameLst>
+                                      </p:cBhvr>
+                                      <p:to>
+                                        <p:strVal val="visible"/>
+                                      </p:to>
+                                    </p:set>
+                                    <p:animEffect transition="in" filter="randombar(horizontal)">
+                                      <p:cBhvr>
+                                        <p:cTn id="7" dur="500"/>
+                                        <p:tgtEl>
+                                          <p:spTgt spid="44"/>
+                                        </p:tgtEl>
+                                      </p:cBhvr>
+                                    </p:animEffect>
+                                  </p:childTnLst>
+                                </p:cTn>
+                              </p:par>
+                              <p:par>
+                                <p:cTn id="8" presetID="16" presetClass="entr" presetSubtype="21" fill="hold" nodeType="withEffect">
+                                  <p:stCondLst>
+                                    <p:cond delay="0"/>
+                                  </p:stCondLst>
+                                  <p:childTnLst>
+                                    <p:set>
+                                      <p:cBhvr>
+                                        <p:cTn id="9" dur="1" fill="hold">
+                                          <p:stCondLst>
+                                            <p:cond delay="0"/>
+                                          </p:stCondLst>
+                                        </p:cTn>
+                                        <p:tgtEl>
+                                          <p:spTgt spid="44">
+                                            <p:txEl>
+                                              <p:pRg st="0" end="0"/>
+                                            </p:txEl>
+                                          </p:spTgt>
+                                        </p:tgtEl>
+                                        <p:attrNameLst>
+                                          <p:attrName>style.visibility</p:attrName>
+                                        </p:attrNameLst>
+                                      </p:cBhvr>
+                                      <p:to>
+                                        <p:strVal val="visible"/>
+                                      </p:to>
+                                    </p:set>
+                                    <p:animEffect transition="in" filter="barn(inVertical)">
+                                      <p:cBhvr>
+                                        <p:cTn id="10" dur="500"/>
+                                        <p:tgtEl>
+                                          <p:spTgt spid="44">
+                                            <p:txEl>
+                                              <p:pRg st="0" end="0"/>
+                                            </p:txEl>
+                                          </p:spTgt>
+                                        </p:tgtEl>
+                                      </p:cBhvr>
+                                    </p:animEffect>
+                                  </p:childTnLst>
+                                </p:cTn>
+                              </p:par>
+                            </p:childTnLst>
+                          </p:cTn>
+                        </p:par>
+                      </p:childTnLst>
+                    </p:cTn>
+                  </p:par>
+                  <p:par>
+                    <p:cTn id="11" fill="hold">
+                      <p:stCondLst>
+                        <p:cond delay="indefinite"/>
+                      </p:stCondLst>
+                      <p:childTnLst>
+                        <p:par>
+                          <p:cTn id="12" fill="hold">
+                            <p:stCondLst>
+                              <p:cond delay="0"/>
+                            </p:stCondLst>
+                            <p:childTnLst>
+                              <p:par>
+                                <p:cTn id="13" presetID="16" presetClass="entr" presetSubtype="21" fill="hold" nodeType="clickEffect">
+                                  <p:stCondLst>
+                                    <p:cond delay="0"/>
+                                  </p:stCondLst>
+                                  <p:childTnLst>
+                                    <p:set>
+                                      <p:cBhvr>
+                                        <p:cTn id="14" dur="1" fill="hold">
+                                          <p:stCondLst>
+                                            <p:cond delay="0"/>
+                                          </p:stCondLst>
+                                        </p:cTn>
+                                        <p:tgtEl>
+                                          <p:spTgt spid="44">
+                                            <p:txEl>
+                                              <p:pRg st="2" end="2"/>
+                                            </p:txEl>
+                                          </p:spTgt>
+                                        </p:tgtEl>
+                                        <p:attrNameLst>
+                                          <p:attrName>style.visibility</p:attrName>
+                                        </p:attrNameLst>
+                                      </p:cBhvr>
+                                      <p:to>
+                                        <p:strVal val="visible"/>
+                                      </p:to>
+                                    </p:set>
+                                    <p:animEffect transition="in" filter="barn(inVertical)">
+                                      <p:cBhvr>
+                                        <p:cTn id="15" dur="500"/>
+                                        <p:tgtEl>
+                                          <p:spTgt spid="44">
+                                            <p:txEl>
+                                              <p:pRg st="2" end="2"/>
+                                            </p:txEl>
+                                          </p:spTgt>
+                                        </p:tgtEl>
+                                      </p:cBhvr>
+                                    </p:animEffect>
+                                  </p:childTnLst>
+                                </p:cTn>
+                              </p:par>
+                            </p:childTnLst>
+                          </p:cTn>
+                        </p:par>
+                      </p:childTnLst>
+                    </p:cTn>
+                  </p:par>
+                  <p:par>
+                    <p:cTn id="16" fill="hold">
+                      <p:stCondLst>
+                        <p:cond delay="indefinite"/>
+                      </p:stCondLst>
+                      <p:childTnLst>
+                        <p:par>
+                          <p:cTn id="17" fill="hold">
+                            <p:stCondLst>
+                              <p:cond delay="0"/>
+                            </p:stCondLst>
+                            <p:childTnLst>
+                              <p:par>
+                                <p:cTn id="18" presetID="16" presetClass="entr" presetSubtype="21" fill="hold" nodeType="clickEffect">
+                                  <p:stCondLst>
+                                    <p:cond delay="0"/>
+                                  </p:stCondLst>
+                                  <p:childTnLst>
+                                    <p:set>
+                                      <p:cBhvr>
+                                        <p:cTn id="19" dur="1" fill="hold">
+                                          <p:stCondLst>
+                                            <p:cond delay="0"/>
+                                          </p:stCondLst>
+                                        </p:cTn>
+                                        <p:tgtEl>
+                                          <p:spTgt spid="44">
+                                            <p:txEl>
+                                              <p:pRg st="4" end="4"/>
+                                            </p:txEl>
+                                          </p:spTgt>
+                                        </p:tgtEl>
+                                        <p:attrNameLst>
+                                          <p:attrName>style.visibility</p:attrName>
+                                        </p:attrNameLst>
+                                      </p:cBhvr>
+                                      <p:to>
+                                        <p:strVal val="visible"/>
+                                      </p:to>
+                                    </p:set>
+                                    <p:animEffect transition="in" filter="barn(inVertical)">
+                                      <p:cBhvr>
+                                        <p:cTn id="20" dur="500"/>
+                                        <p:tgtEl>
+                                          <p:spTgt spid="44">
+                                            <p:txEl>
+                                              <p:pRg st="4" end="4"/>
+                                            </p:txEl>
+                                          </p:spTgt>
+                                        </p:tgtEl>
+                                      </p:cBhvr>
+                                    </p:animEffect>
+                                  </p:childTnLst>
+                                </p:cTn>
+                              </p:par>
+                              <p:par>
+                                <p:cTn id="21" presetID="47" presetClass="entr" presetSubtype="0" fill="hold" nodeType="withEffect">
+                                  <p:stCondLst>
+                                    <p:cond delay="0"/>
+                                  </p:stCondLst>
+                                  <p:childTnLst>
+                                    <p:set>
+                                      <p:cBhvr>
+                                        <p:cTn id="22" dur="1" fill="hold">
+                                          <p:stCondLst>
+                                            <p:cond delay="0"/>
+                                          </p:stCondLst>
+                                        </p:cTn>
+                                        <p:tgtEl>
+                                          <p:spTgt spid="47"/>
+                                        </p:tgtEl>
+                                        <p:attrNameLst>
+                                          <p:attrName>style.visibility</p:attrName>
+                                        </p:attrNameLst>
+                                      </p:cBhvr>
+                                      <p:to>
+                                        <p:strVal val="visible"/>
+                                      </p:to>
+                                    </p:set>
+                                    <p:animEffect transition="in" filter="fade">
+                                      <p:cBhvr>
+                                        <p:cTn id="23" dur="1000"/>
+                                        <p:tgtEl>
+                                          <p:spTgt spid="47"/>
+                                        </p:tgtEl>
+                                      </p:cBhvr>
+                                    </p:animEffect>
+                                    <p:anim calcmode="lin" valueType="num">
+                                      <p:cBhvr>
+                                        <p:cTn id="24" dur="1000" fill="hold"/>
+                                        <p:tgtEl>
+                                          <p:spTgt spid="47"/>
+                                        </p:tgtEl>
+                                        <p:attrNameLst>
+                                          <p:attrName>ppt_x</p:attrName>
+                                        </p:attrNameLst>
+                                      </p:cBhvr>
+                                      <p:tavLst>
+                                        <p:tav tm="0">
+                                          <p:val>
+                                            <p:strVal val="#ppt_x"/>
+                                          </p:val>
+                                        </p:tav>
+                                        <p:tav tm="100000">
+                                          <p:val>
+                                            <p:strVal val="#ppt_x"/>
+                                          </p:val>
+                                        </p:tav>
+                                      </p:tavLst>
+                                    </p:anim>
+                                    <p:anim calcmode="lin" valueType="num">
+                                      <p:cBhvr>
+                                        <p:cTn id="25" dur="1000" fill="hold"/>
+                                        <p:tgtEl>
+                                          <p:spTgt spid="47"/>
+                                        </p:tgtEl>
+                                        <p:attrNameLst>
+                                          <p:attrName>ppt_y</p:attrName>
+                                        </p:attrNameLst>
+                                      </p:cBhvr>
+                                      <p:tavLst>
+                                        <p:tav tm="0">
+                                          <p:val>
+                                            <p:strVal val="#ppt_y-.1"/>
+                                          </p:val>
+                                        </p:tav>
+                                        <p:tav tm="100000">
+                                          <p:val>
+                                            <p:strVal val="#ppt_y"/>
+                                          </p:val>
+                                        </p:tav>
+                                      </p:tavLst>
+                                    </p:anim>
+                                  </p:childTnLst>
+                                </p:cTn>
+                              </p:par>
+                              <p:par>
+                                <p:cTn id="26" presetID="47" presetClass="entr" presetSubtype="0" fill="hold" nodeType="withEffect">
+                                  <p:stCondLst>
+                                    <p:cond delay="0"/>
+                                  </p:stCondLst>
+                                  <p:childTnLst>
+                                    <p:set>
+                                      <p:cBhvr>
+                                        <p:cTn id="27" dur="1" fill="hold">
+                                          <p:stCondLst>
+                                            <p:cond delay="0"/>
+                                          </p:stCondLst>
+                                        </p:cTn>
+                                        <p:tgtEl>
+                                          <p:spTgt spid="49"/>
+                                        </p:tgtEl>
+                                        <p:attrNameLst>
+                                          <p:attrName>style.visibility</p:attrName>
+                                        </p:attrNameLst>
+                                      </p:cBhvr>
+                                      <p:to>
+                                        <p:strVal val="visible"/>
+                                      </p:to>
+                                    </p:set>
+                                    <p:animEffect transition="in" filter="fade">
+                                      <p:cBhvr>
+                                        <p:cTn id="28" dur="1000"/>
+                                        <p:tgtEl>
+                                          <p:spTgt spid="49"/>
+                                        </p:tgtEl>
+                                      </p:cBhvr>
+                                    </p:animEffect>
+                                    <p:anim calcmode="lin" valueType="num">
+                                      <p:cBhvr>
+                                        <p:cTn id="29" dur="1000" fill="hold"/>
+                                        <p:tgtEl>
+                                          <p:spTgt spid="49"/>
+                                        </p:tgtEl>
+                                        <p:attrNameLst>
+                                          <p:attrName>ppt_x</p:attrName>
+                                        </p:attrNameLst>
+                                      </p:cBhvr>
+                                      <p:tavLst>
+                                        <p:tav tm="0">
+                                          <p:val>
+                                            <p:strVal val="#ppt_x"/>
+                                          </p:val>
+                                        </p:tav>
+                                        <p:tav tm="100000">
+                                          <p:val>
+                                            <p:strVal val="#ppt_x"/>
+                                          </p:val>
+                                        </p:tav>
+                                      </p:tavLst>
+                                    </p:anim>
+                                    <p:anim calcmode="lin" valueType="num">
+                                      <p:cBhvr>
+                                        <p:cTn id="30" dur="1000" fill="hold"/>
+                                        <p:tgtEl>
+                                          <p:spTgt spid="49"/>
+                                        </p:tgtEl>
+                                        <p:attrNameLst>
+                                          <p:attrName>ppt_y</p:attrName>
+                                        </p:attrNameLst>
+                                      </p:cBhvr>
+                                      <p:tavLst>
+                                        <p:tav tm="0">
+                                          <p:val>
+                                            <p:strVal val="#ppt_y-.1"/>
+                                          </p:val>
+                                        </p:tav>
+                                        <p:tav tm="100000">
+                                          <p:val>
+                                            <p:strVal val="#ppt_y"/>
+                                          </p:val>
+                                        </p:tav>
+                                      </p:tavLst>
+                                    </p:anim>
+                                  </p:childTnLst>
+                                </p:cTn>
+                              </p:par>
+                            </p:childTnLst>
+                          </p:cTn>
+                        </p:par>
+                      </p:childTnLst>
+                    </p:cTn>
+                  </p:par>
+                </p:childTnLst>
+              </p:cTn>
+              <p:prevCondLst>
+                <p:cond evt="onPrev" delay="0">
+                  <p:tgtEl>
+                    <p:sldTgt/>
+                  </p:tgtEl>
+                </p:cond>
+              </p:prevCondLst>
+              <p:nextCondLst>
+                <p:cond evt="onNext" delay="0">
+                  <p:tgtEl>
+                    <p:sldTgt/>
+                  </p:tgtEl>
+                </p:cond>
+              </p:nextCondLst>
+            </p:seq>
+          </p:childTnLst>
+        </p:cTn>
+      </p:par>
+    </p:tnLst>
+    <p:bldLst>
+      <p:bldP spid="44" grpId="0" animBg="1"/>
+    </p:bldLst>
+  </p:timing>
 </p:sld>
 </file>
 
 <file path=ppt/slides/slide9.xml><?xml version="1.0" encoding="utf-8"?>
 <p:sld xmlns:a="http://schemas.openxmlformats.org/drawingml/2006/main" xmlns:r="http://schemas.openxmlformats.org/officeDocument/2006/relationships" xmlns:p="http://schemas.openxmlformats.org/presentationml/2006/main">
   <p:cSld>
+    <p:bg>
+      <p:bgPr>
+        <a:gradFill flip="none" rotWithShape="1">
+          <a:gsLst>
+            <a:gs pos="0">
+              <a:schemeClr val="accent4">
+                <a:lumMod val="5000"/>
+                <a:lumOff val="95000"/>
+              </a:schemeClr>
+            </a:gs>
+            <a:gs pos="74000">
+              <a:schemeClr val="accent4">
+                <a:lumMod val="45000"/>
+                <a:lumOff val="55000"/>
+              </a:schemeClr>
+            </a:gs>
+            <a:gs pos="83000">
+              <a:schemeClr val="accent4">
+                <a:lumMod val="45000"/>
+                <a:lumOff val="55000"/>
+              </a:schemeClr>
+            </a:gs>
+            <a:gs pos="100000">
+              <a:schemeClr val="accent4">
+                <a:lumMod val="30000"/>
+                <a:lumOff val="70000"/>
+              </a:schemeClr>
+            </a:gs>
+          </a:gsLst>
+          <a:lin ang="5400000" scaled="1"/>
+          <a:tileRect/>
+        </a:gradFill>
+        <a:effectLst/>
+      </p:bgPr>
+    </p:bg>
     <p:spTree>
       <p:nvGrpSpPr>
         <p:cNvPr id="1" name=""/>
@@ -12443,6 +17345,18 @@
   <p:clrMapOvr>
     <a:masterClrMapping/>
   </p:clrMapOvr>
+  <mc:AlternateContent xmlns:mc="http://schemas.openxmlformats.org/markup-compatibility/2006">
+    <mc:Choice xmlns:p15="http://schemas.microsoft.com/office/powerpoint/2012/main" Requires="p15">
+      <p:transition xmlns:p14="http://schemas.microsoft.com/office/powerpoint/2010/main" spd="slow" p14:dur="2000">
+        <p15:prstTrans prst="crush"/>
+      </p:transition>
+    </mc:Choice>
+    <mc:Fallback>
+      <p:transition spd="slow">
+        <p:fade/>
+      </p:transition>
+    </mc:Fallback>
+  </mc:AlternateContent>
 </p:sld>
 </file>
 
